--- a/科技专业能力举证模板（后端开发工程师-徐保华-8级）V1.3.pptx
+++ b/科技专业能力举证模板（后端开发工程师-徐保华-8级）V1.3.pptx
@@ -10,7 +10,7 @@
     <p:notesMasterId r:id="rId13"/>
   </p:notesMasterIdLst>
   <p:handoutMasterIdLst>
-    <p:handoutMasterId r:id="rId21"/>
+    <p:handoutMasterId r:id="rId20"/>
   </p:handoutMasterIdLst>
   <p:sldIdLst>
     <p:sldId id="300" r:id="rId5"/>
@@ -19,15 +19,14 @@
     <p:sldId id="391" r:id="rId8"/>
     <p:sldId id="392" r:id="rId9"/>
     <p:sldId id="375" r:id="rId10"/>
-    <p:sldId id="377" r:id="rId11"/>
+    <p:sldId id="403" r:id="rId11"/>
     <p:sldId id="370" r:id="rId12"/>
-    <p:sldId id="371" r:id="rId14"/>
-    <p:sldId id="346" r:id="rId15"/>
-    <p:sldId id="349" r:id="rId16"/>
-    <p:sldId id="384" r:id="rId17"/>
-    <p:sldId id="388" r:id="rId18"/>
-    <p:sldId id="348" r:id="rId19"/>
-    <p:sldId id="320" r:id="rId20"/>
+    <p:sldId id="346" r:id="rId14"/>
+    <p:sldId id="349" r:id="rId15"/>
+    <p:sldId id="384" r:id="rId16"/>
+    <p:sldId id="388" r:id="rId17"/>
+    <p:sldId id="348" r:id="rId18"/>
+    <p:sldId id="320" r:id="rId19"/>
   </p:sldIdLst>
   <p:sldSz cx="12192000" cy="6858000"/>
   <p:notesSz cx="6858000" cy="9144000"/>
@@ -953,84 +952,6 @@
 </file>
 
 <file path=ppt/notesSlides/notesSlide5.xml><?xml version="1.0" encoding="utf-8"?>
-<p:notes xmlns:a="http://schemas.openxmlformats.org/drawingml/2006/main" xmlns:r="http://schemas.openxmlformats.org/officeDocument/2006/relationships" xmlns:p="http://schemas.openxmlformats.org/presentationml/2006/main">
-  <p:cSld>
-    <p:spTree>
-      <p:nvGrpSpPr>
-        <p:cNvPr id="1" name=""/>
-        <p:cNvGrpSpPr/>
-        <p:nvPr/>
-      </p:nvGrpSpPr>
-      <p:grpSpPr>
-        <a:xfrm>
-          <a:off x="0" y="0"/>
-          <a:ext cx="0" cy="0"/>
-          <a:chOff x="0" y="0"/>
-          <a:chExt cx="0" cy="0"/>
-        </a:xfrm>
-      </p:grpSpPr>
-      <p:sp>
-        <p:nvSpPr>
-          <p:cNvPr id="2" name="幻灯片图像占位符 1"/>
-          <p:cNvSpPr>
-            <a:spLocks noGrp="1" noRot="1" noChangeAspect="1"/>
-          </p:cNvSpPr>
-          <p:nvPr>
-            <p:ph type="sldImg"/>
-          </p:nvPr>
-        </p:nvSpPr>
-        <p:spPr/>
-      </p:sp>
-      <p:sp>
-        <p:nvSpPr>
-          <p:cNvPr id="3" name="备注占位符 2"/>
-          <p:cNvSpPr>
-            <a:spLocks noGrp="1"/>
-          </p:cNvSpPr>
-          <p:nvPr>
-            <p:ph type="body" idx="1"/>
-          </p:nvPr>
-        </p:nvSpPr>
-        <p:spPr/>
-        <p:txBody>
-          <a:bodyPr/>
-          <a:lstStyle/>
-          <a:p>
-            <a:endParaRPr lang="zh-CN" altLang="en-US"/>
-          </a:p>
-        </p:txBody>
-      </p:sp>
-      <p:sp>
-        <p:nvSpPr>
-          <p:cNvPr id="4" name="灯片编号占位符 3"/>
-          <p:cNvSpPr>
-            <a:spLocks noGrp="1"/>
-          </p:cNvSpPr>
-          <p:nvPr>
-            <p:ph type="sldNum" sz="quarter" idx="10"/>
-          </p:nvPr>
-        </p:nvSpPr>
-        <p:spPr/>
-        <p:txBody>
-          <a:bodyPr/>
-          <a:lstStyle/>
-          <a:p>
-            <a:fld id="{B28C4D28-7334-4BDD-AE13-A3E6679B6A07}" type="slidenum">
-              <a:rPr lang="zh-CN" altLang="en-US" smtClean="0"/>
-            </a:fld>
-            <a:endParaRPr lang="zh-CN" altLang="en-US"/>
-          </a:p>
-        </p:txBody>
-      </p:sp>
-    </p:spTree>
-  </p:cSld>
-  <p:clrMapOvr>
-    <a:masterClrMapping/>
-  </p:clrMapOvr>
-</p:notes>
-</file>
-
-<file path=ppt/notesSlides/notesSlide6.xml><?xml version="1.0" encoding="utf-8"?>
 <p:notes xmlns:a="http://schemas.openxmlformats.org/drawingml/2006/main" xmlns:r="http://schemas.openxmlformats.org/officeDocument/2006/relationships" xmlns:p="http://schemas.openxmlformats.org/presentationml/2006/main">
   <p:cSld>
     <p:spTree>
@@ -10962,1824 +10883,6 @@
           <a:chExt cx="0" cy="0"/>
         </a:xfrm>
       </p:grpSpPr>
-      <p:sp>
-        <p:nvSpPr>
-          <p:cNvPr id="7" name="矩形 6"/>
-          <p:cNvSpPr/>
-          <p:nvPr/>
-        </p:nvSpPr>
-        <p:spPr>
-          <a:xfrm>
-            <a:off x="273396" y="259444"/>
-            <a:ext cx="153143" cy="555905"/>
-          </a:xfrm>
-          <a:prstGeom prst="rect">
-            <a:avLst/>
-          </a:prstGeom>
-          <a:solidFill>
-            <a:srgbClr val="C00000"/>
-          </a:solidFill>
-          <a:ln w="9525">
-            <a:solidFill>
-              <a:schemeClr val="bg1"/>
-            </a:solidFill>
-          </a:ln>
-          <a:effectLst/>
-        </p:spPr>
-        <p:style>
-          <a:lnRef idx="0">
-            <a:schemeClr val="accent6"/>
-          </a:lnRef>
-          <a:fillRef idx="3">
-            <a:schemeClr val="accent6"/>
-          </a:fillRef>
-          <a:effectRef idx="3">
-            <a:schemeClr val="accent6"/>
-          </a:effectRef>
-          <a:fontRef idx="minor">
-            <a:schemeClr val="lt1"/>
-          </a:fontRef>
-        </p:style>
-        <p:txBody>
-          <a:bodyPr rtlCol="0" anchor="ctr"/>
-          <a:lstStyle/>
-          <a:p>
-            <a:pPr algn="ctr"/>
-            <a:endParaRPr lang="zh-CN" altLang="en-US" sz="1400" b="1" dirty="0" smtClean="0">
-              <a:solidFill>
-                <a:schemeClr val="tx1"/>
-              </a:solidFill>
-              <a:latin typeface="微软雅黑" panose="020B0503020204020204" pitchFamily="34" charset="-122"/>
-              <a:ea typeface="微软雅黑" panose="020B0503020204020204" pitchFamily="34" charset="-122"/>
-            </a:endParaRPr>
-          </a:p>
-        </p:txBody>
-      </p:sp>
-      <p:sp>
-        <p:nvSpPr>
-          <p:cNvPr id="8" name="矩形 7"/>
-          <p:cNvSpPr/>
-          <p:nvPr/>
-        </p:nvSpPr>
-        <p:spPr>
-          <a:xfrm>
-            <a:off x="420562" y="259444"/>
-            <a:ext cx="153143" cy="555905"/>
-          </a:xfrm>
-          <a:prstGeom prst="rect">
-            <a:avLst/>
-          </a:prstGeom>
-          <a:solidFill>
-            <a:schemeClr val="tx1"/>
-          </a:solidFill>
-          <a:ln w="9525">
-            <a:solidFill>
-              <a:schemeClr val="bg1"/>
-            </a:solidFill>
-          </a:ln>
-          <a:effectLst/>
-        </p:spPr>
-        <p:style>
-          <a:lnRef idx="0">
-            <a:schemeClr val="accent6"/>
-          </a:lnRef>
-          <a:fillRef idx="3">
-            <a:schemeClr val="accent6"/>
-          </a:fillRef>
-          <a:effectRef idx="3">
-            <a:schemeClr val="accent6"/>
-          </a:effectRef>
-          <a:fontRef idx="minor">
-            <a:schemeClr val="lt1"/>
-          </a:fontRef>
-        </p:style>
-        <p:txBody>
-          <a:bodyPr rtlCol="0" anchor="ctr"/>
-          <a:lstStyle/>
-          <a:p>
-            <a:pPr algn="ctr"/>
-            <a:endParaRPr lang="zh-CN" altLang="en-US" sz="1400" b="1" dirty="0" smtClean="0">
-              <a:solidFill>
-                <a:schemeClr val="tx1"/>
-              </a:solidFill>
-              <a:latin typeface="微软雅黑" panose="020B0503020204020204" pitchFamily="34" charset="-122"/>
-              <a:ea typeface="微软雅黑" panose="020B0503020204020204" pitchFamily="34" charset="-122"/>
-            </a:endParaRPr>
-          </a:p>
-        </p:txBody>
-      </p:sp>
-      <p:sp>
-        <p:nvSpPr>
-          <p:cNvPr id="9" name="矩形 8"/>
-          <p:cNvSpPr>
-            <a:spLocks noChangeArrowheads="1"/>
-          </p:cNvSpPr>
-          <p:nvPr/>
-        </p:nvSpPr>
-        <p:spPr bwMode="auto">
-          <a:xfrm>
-            <a:off x="720725" y="297180"/>
-            <a:ext cx="11088370" cy="521970"/>
-          </a:xfrm>
-          <a:prstGeom prst="rect">
-            <a:avLst/>
-          </a:prstGeom>
-          <a:noFill/>
-          <a:ln>
-            <a:noFill/>
-          </a:ln>
-          <a:extLst>
-            <a:ext uri="{909E8E84-426E-40DD-AFC4-6F175D3DCCD1}">
-              <a14:hiddenFill xmlns:a14="http://schemas.microsoft.com/office/drawing/2010/main">
-                <a:solidFill>
-                  <a:srgbClr val="FFFFFF"/>
-                </a:solidFill>
-              </a14:hiddenFill>
-            </a:ext>
-            <a:ext uri="{91240B29-F687-4F45-9708-019B960494DF}">
-              <a14:hiddenLine xmlns:a14="http://schemas.microsoft.com/office/drawing/2010/main" w="9525">
-                <a:solidFill>
-                  <a:srgbClr val="000000"/>
-                </a:solidFill>
-                <a:miter lim="800000"/>
-                <a:headEnd/>
-                <a:tailEnd/>
-              </a14:hiddenLine>
-            </a:ext>
-          </a:extLst>
-        </p:spPr>
-        <p:style>
-          <a:lnRef idx="0">
-            <a:scrgbClr r="0" g="0" b="0"/>
-          </a:lnRef>
-          <a:fillRef idx="0">
-            <a:scrgbClr r="0" g="0" b="0"/>
-          </a:fillRef>
-          <a:effectRef idx="0">
-            <a:scrgbClr r="0" g="0" b="0"/>
-          </a:effectRef>
-          <a:fontRef idx="major"/>
-        </p:style>
-        <p:txBody>
-          <a:bodyPr wrap="square">
-            <a:spAutoFit/>
-          </a:bodyPr>
-          <a:lstStyle>
-            <a:lvl1pPr>
-              <a:defRPr>
-                <a:latin typeface="+mj-lt"/>
-                <a:ea typeface="+mj-ea"/>
-                <a:cs typeface="+mj-cs"/>
-              </a:defRPr>
-            </a:lvl1pPr>
-            <a:lvl2pPr>
-              <a:defRPr>
-                <a:latin typeface="+mj-lt"/>
-                <a:ea typeface="+mj-ea"/>
-                <a:cs typeface="+mj-cs"/>
-              </a:defRPr>
-            </a:lvl2pPr>
-            <a:lvl3pPr>
-              <a:defRPr>
-                <a:latin typeface="+mj-lt"/>
-                <a:ea typeface="+mj-ea"/>
-                <a:cs typeface="+mj-cs"/>
-              </a:defRPr>
-            </a:lvl3pPr>
-            <a:lvl4pPr>
-              <a:defRPr>
-                <a:latin typeface="+mj-lt"/>
-                <a:ea typeface="+mj-ea"/>
-                <a:cs typeface="+mj-cs"/>
-              </a:defRPr>
-            </a:lvl4pPr>
-            <a:lvl5pPr>
-              <a:defRPr>
-                <a:latin typeface="+mj-lt"/>
-                <a:ea typeface="+mj-ea"/>
-                <a:cs typeface="+mj-cs"/>
-              </a:defRPr>
-            </a:lvl5pPr>
-            <a:lvl6pPr>
-              <a:defRPr>
-                <a:latin typeface="+mj-lt"/>
-                <a:ea typeface="+mj-ea"/>
-                <a:cs typeface="+mj-cs"/>
-              </a:defRPr>
-            </a:lvl6pPr>
-            <a:lvl7pPr>
-              <a:defRPr>
-                <a:latin typeface="+mj-lt"/>
-                <a:ea typeface="+mj-ea"/>
-                <a:cs typeface="+mj-cs"/>
-              </a:defRPr>
-            </a:lvl7pPr>
-            <a:lvl8pPr>
-              <a:defRPr>
-                <a:latin typeface="+mj-lt"/>
-                <a:ea typeface="+mj-ea"/>
-                <a:cs typeface="+mj-cs"/>
-              </a:defRPr>
-            </a:lvl8pPr>
-            <a:lvl9pPr>
-              <a:defRPr>
-                <a:latin typeface="+mj-lt"/>
-                <a:ea typeface="+mj-ea"/>
-                <a:cs typeface="+mj-cs"/>
-              </a:defRPr>
-            </a:lvl9pPr>
-          </a:lstStyle>
-          <a:p>
-            <a:pPr>
-              <a:defRPr/>
-            </a:pPr>
-            <a:r>
-              <a:rPr lang="zh-CN" altLang="en-US" sz="2800" b="1" kern="4000" spc="300" dirty="0" smtClean="0">
-                <a:latin typeface="微软雅黑" panose="020B0503020204020204" pitchFamily="34" charset="-122"/>
-                <a:ea typeface="微软雅黑" panose="020B0503020204020204" pitchFamily="34" charset="-122"/>
-                <a:cs typeface="微软雅黑" panose="020B0503020204020204" pitchFamily="34" charset="-122"/>
-              </a:rPr>
-              <a:t>专业技能举证</a:t>
-            </a:r>
-            <a:r>
-              <a:rPr lang="en-US" altLang="zh-CN" sz="2800" b="1" kern="4000" spc="300" dirty="0" smtClean="0">
-                <a:latin typeface="微软雅黑" panose="020B0503020204020204" pitchFamily="34" charset="-122"/>
-                <a:ea typeface="微软雅黑" panose="020B0503020204020204" pitchFamily="34" charset="-122"/>
-                <a:cs typeface="微软雅黑" panose="020B0503020204020204" pitchFamily="34" charset="-122"/>
-                <a:sym typeface="+mn-ea"/>
-              </a:rPr>
-              <a:t>(</a:t>
-            </a:r>
-            <a:r>
-              <a:rPr lang="en-US" altLang="zh-CN" sz="2800" b="1" kern="4000" spc="300" dirty="0" smtClean="0">
-                <a:solidFill>
-                  <a:srgbClr val="C00000"/>
-                </a:solidFill>
-                <a:latin typeface="微软雅黑" panose="020B0503020204020204" pitchFamily="34" charset="-122"/>
-                <a:ea typeface="微软雅黑" panose="020B0503020204020204" pitchFamily="34" charset="-122"/>
-                <a:cs typeface="微软雅黑" panose="020B0503020204020204" pitchFamily="34" charset="-122"/>
-                <a:sym typeface="+mn-ea"/>
-              </a:rPr>
-              <a:t>3</a:t>
-            </a:r>
-            <a:r>
-              <a:rPr lang="en-US" altLang="zh-CN" sz="2800" b="1" kern="4000" spc="300" dirty="0" smtClean="0">
-                <a:latin typeface="微软雅黑" panose="020B0503020204020204" pitchFamily="34" charset="-122"/>
-                <a:ea typeface="微软雅黑" panose="020B0503020204020204" pitchFamily="34" charset="-122"/>
-                <a:cs typeface="微软雅黑" panose="020B0503020204020204" pitchFamily="34" charset="-122"/>
-                <a:sym typeface="+mn-ea"/>
-              </a:rPr>
-              <a:t>/3)</a:t>
-            </a:r>
-            <a:r>
-              <a:rPr lang="zh-CN" altLang="en-US" sz="2800" b="1" kern="4000" spc="300" dirty="0" smtClean="0">
-                <a:solidFill>
-                  <a:srgbClr val="C00000"/>
-                </a:solidFill>
-                <a:latin typeface="微软雅黑" panose="020B0503020204020204" pitchFamily="34" charset="-122"/>
-                <a:ea typeface="微软雅黑" panose="020B0503020204020204" pitchFamily="34" charset="-122"/>
-                <a:cs typeface="微软雅黑" panose="020B0503020204020204" pitchFamily="34" charset="-122"/>
-              </a:rPr>
-              <a:t>丨</a:t>
-            </a:r>
-            <a:r>
-              <a:rPr lang="zh-CN" altLang="en-US" sz="2800" b="1" kern="4000" spc="300" dirty="0">
-                <a:solidFill>
-                  <a:srgbClr val="C00000"/>
-                </a:solidFill>
-                <a:latin typeface="微软雅黑" panose="020B0503020204020204" pitchFamily="34" charset="-122"/>
-                <a:ea typeface="微软雅黑" panose="020B0503020204020204" pitchFamily="34" charset="-122"/>
-                <a:cs typeface="微软雅黑" panose="020B0503020204020204" pitchFamily="34" charset="-122"/>
-              </a:rPr>
-              <a:t>架构</a:t>
-            </a:r>
-            <a:r>
-              <a:rPr lang="zh-CN" sz="2800" b="1" kern="4000" spc="300" dirty="0" smtClean="0">
-                <a:solidFill>
-                  <a:srgbClr val="C00000"/>
-                </a:solidFill>
-                <a:latin typeface="微软雅黑" panose="020B0503020204020204" pitchFamily="34" charset="-122"/>
-                <a:ea typeface="微软雅黑" panose="020B0503020204020204" pitchFamily="34" charset="-122"/>
-                <a:cs typeface="微软雅黑" panose="020B0503020204020204" pitchFamily="34" charset="-122"/>
-              </a:rPr>
-              <a:t>能力</a:t>
-            </a:r>
-            <a:endParaRPr lang="zh-CN" sz="2800" b="1" kern="4000" spc="300" dirty="0" smtClean="0">
-              <a:solidFill>
-                <a:srgbClr val="C00000"/>
-              </a:solidFill>
-              <a:latin typeface="微软雅黑" panose="020B0503020204020204" pitchFamily="34" charset="-122"/>
-              <a:ea typeface="微软雅黑" panose="020B0503020204020204" pitchFamily="34" charset="-122"/>
-              <a:cs typeface="微软雅黑" panose="020B0503020204020204" pitchFamily="34" charset="-122"/>
-            </a:endParaRPr>
-          </a:p>
-        </p:txBody>
-      </p:sp>
-      <p:sp>
-        <p:nvSpPr>
-          <p:cNvPr id="6" name="矩形 5"/>
-          <p:cNvSpPr/>
-          <p:nvPr/>
-        </p:nvSpPr>
-        <p:spPr>
-          <a:xfrm>
-            <a:off x="296545" y="864235"/>
-            <a:ext cx="11558270" cy="1065530"/>
-          </a:xfrm>
-          <a:prstGeom prst="rect">
-            <a:avLst/>
-          </a:prstGeom>
-          <a:ln w="12700">
-            <a:solidFill>
-              <a:srgbClr val="C00000"/>
-            </a:solidFill>
-          </a:ln>
-        </p:spPr>
-        <p:txBody>
-          <a:bodyPr wrap="square">
-            <a:spAutoFit/>
-          </a:bodyPr>
-          <a:p>
-            <a:pPr defTabSz="914400" fontAlgn="ctr">
-              <a:lnSpc>
-                <a:spcPts val="1900"/>
-              </a:lnSpc>
-              <a:spcBef>
-                <a:spcPts val="0"/>
-              </a:spcBef>
-              <a:spcAft>
-                <a:spcPts val="0"/>
-              </a:spcAft>
-              <a:defRPr/>
-            </a:pPr>
-            <a:r>
-              <a:rPr lang="zh-CN" altLang="en-US" sz="1400" b="1">
-                <a:solidFill>
-                  <a:srgbClr val="C00000"/>
-                </a:solidFill>
-                <a:latin typeface="微软雅黑" panose="020B0503020204020204" pitchFamily="34" charset="-122"/>
-                <a:ea typeface="微软雅黑" panose="020B0503020204020204" pitchFamily="34" charset="-122"/>
-                <a:sym typeface="+mn-ea"/>
-              </a:rPr>
-              <a:t>情</a:t>
-            </a:r>
-            <a:r>
-              <a:rPr lang="zh-CN" altLang="en-US" sz="1400" b="1" smtClean="0">
-                <a:solidFill>
-                  <a:srgbClr val="C00000"/>
-                </a:solidFill>
-                <a:latin typeface="微软雅黑" panose="020B0503020204020204" pitchFamily="34" charset="-122"/>
-                <a:ea typeface="微软雅黑" panose="020B0503020204020204" pitchFamily="34" charset="-122"/>
-                <a:sym typeface="+mn-ea"/>
-              </a:rPr>
-              <a:t>景</a:t>
-            </a:r>
-            <a:r>
-              <a:rPr lang="zh-CN" altLang="en-US" sz="1400" b="1">
-                <a:solidFill>
-                  <a:srgbClr val="C00000"/>
-                </a:solidFill>
-                <a:latin typeface="微软雅黑" panose="020B0503020204020204" pitchFamily="34" charset="-122"/>
-                <a:ea typeface="微软雅黑" panose="020B0503020204020204" pitchFamily="34" charset="-122"/>
-                <a:sym typeface="+mn-ea"/>
-              </a:rPr>
-              <a:t>：</a:t>
-            </a:r>
-            <a:r>
-              <a:rPr sz="1400" smtClean="0">
-                <a:latin typeface="微软雅黑" panose="020B0503020204020204" pitchFamily="34" charset="-122"/>
-                <a:ea typeface="微软雅黑" panose="020B0503020204020204" pitchFamily="34" charset="-122"/>
-                <a:cs typeface="微软雅黑" panose="020B0503020204020204" pitchFamily="34" charset="-122"/>
-                <a:sym typeface="+mn-ea"/>
-              </a:rPr>
-              <a:t>SISP（快件信息化服务平台）</a:t>
-            </a:r>
-            <a:r>
-              <a:rPr lang="zh-CN" altLang="en-US" sz="1400" smtClean="0">
-                <a:latin typeface="微软雅黑" panose="020B0503020204020204" pitchFamily="34" charset="-122"/>
-                <a:ea typeface="微软雅黑" panose="020B0503020204020204" pitchFamily="34" charset="-122"/>
-                <a:cs typeface="微软雅黑" panose="020B0503020204020204" pitchFamily="34" charset="-122"/>
-                <a:sym typeface="+mn-ea"/>
-              </a:rPr>
-              <a:t>提供KAFKA路由翻译推送服务、（运单、路由、图片、备注等）接口服务（</a:t>
-            </a:r>
-            <a:r>
-              <a:rPr lang="en-US" altLang="zh-CN" sz="1400" smtClean="0">
-                <a:solidFill>
-                  <a:srgbClr val="FF0000"/>
-                </a:solidFill>
-                <a:latin typeface="微软雅黑" panose="020B0503020204020204" pitchFamily="34" charset="-122"/>
-                <a:ea typeface="微软雅黑" panose="020B0503020204020204" pitchFamily="34" charset="-122"/>
-                <a:cs typeface="微软雅黑" panose="020B0503020204020204" pitchFamily="34" charset="-122"/>
-                <a:sym typeface="+mn-ea"/>
-              </a:rPr>
-              <a:t>30000tps</a:t>
-            </a:r>
-            <a:r>
-              <a:rPr lang="zh-CN" altLang="en-US" sz="1400" smtClean="0">
-                <a:latin typeface="微软雅黑" panose="020B0503020204020204" pitchFamily="34" charset="-122"/>
-                <a:ea typeface="微软雅黑" panose="020B0503020204020204" pitchFamily="34" charset="-122"/>
-                <a:cs typeface="微软雅黑" panose="020B0503020204020204" pitchFamily="34" charset="-122"/>
-                <a:sym typeface="+mn-ea"/>
-              </a:rPr>
-              <a:t>），并有内网</a:t>
-            </a:r>
-            <a:r>
-              <a:rPr lang="en-US" altLang="zh-CN" sz="1400" smtClean="0">
-                <a:solidFill>
-                  <a:srgbClr val="FF0000"/>
-                </a:solidFill>
-                <a:latin typeface="微软雅黑" panose="020B0503020204020204" pitchFamily="34" charset="-122"/>
-                <a:ea typeface="微软雅黑" panose="020B0503020204020204" pitchFamily="34" charset="-122"/>
-                <a:cs typeface="微软雅黑" panose="020B0503020204020204" pitchFamily="34" charset="-122"/>
-                <a:sym typeface="+mn-ea"/>
-              </a:rPr>
-              <a:t>40</a:t>
-            </a:r>
-            <a:r>
-              <a:rPr lang="zh-CN" altLang="en-US" sz="1400" smtClean="0">
-                <a:solidFill>
-                  <a:srgbClr val="FF0000"/>
-                </a:solidFill>
-                <a:latin typeface="微软雅黑" panose="020B0503020204020204" pitchFamily="34" charset="-122"/>
-                <a:ea typeface="微软雅黑" panose="020B0503020204020204" pitchFamily="34" charset="-122"/>
-                <a:cs typeface="微软雅黑" panose="020B0503020204020204" pitchFamily="34" charset="-122"/>
-                <a:sym typeface="+mn-ea"/>
-              </a:rPr>
-              <a:t>万</a:t>
-            </a:r>
-            <a:r>
-              <a:rPr lang="zh-CN" altLang="en-US" sz="1400" smtClean="0">
-                <a:latin typeface="微软雅黑" panose="020B0503020204020204" pitchFamily="34" charset="-122"/>
-                <a:ea typeface="微软雅黑" panose="020B0503020204020204" pitchFamily="34" charset="-122"/>
-                <a:cs typeface="微软雅黑" panose="020B0503020204020204" pitchFamily="34" charset="-122"/>
-                <a:sym typeface="+mn-ea"/>
-              </a:rPr>
-              <a:t>用户的核心查询服务系统的WEB界面。</a:t>
-            </a:r>
-            <a:endParaRPr lang="zh-CN" altLang="en-US" sz="1400" smtClean="0">
-              <a:latin typeface="微软雅黑" panose="020B0503020204020204" pitchFamily="34" charset="-122"/>
-              <a:ea typeface="微软雅黑" panose="020B0503020204020204" pitchFamily="34" charset="-122"/>
-              <a:cs typeface="微软雅黑" panose="020B0503020204020204" pitchFamily="34" charset="-122"/>
-              <a:sym typeface="+mn-ea"/>
-            </a:endParaRPr>
-          </a:p>
-          <a:p>
-            <a:pPr defTabSz="914400" fontAlgn="ctr">
-              <a:lnSpc>
-                <a:spcPts val="1900"/>
-              </a:lnSpc>
-              <a:spcBef>
-                <a:spcPts val="0"/>
-              </a:spcBef>
-              <a:spcAft>
-                <a:spcPts val="0"/>
-              </a:spcAft>
-              <a:defRPr/>
-            </a:pPr>
-            <a:r>
-              <a:rPr lang="zh-CN" altLang="en-US" sz="1400" b="1">
-                <a:solidFill>
-                  <a:srgbClr val="C00000"/>
-                </a:solidFill>
-                <a:latin typeface="微软雅黑" panose="020B0503020204020204" pitchFamily="34" charset="-122"/>
-                <a:ea typeface="微软雅黑" panose="020B0503020204020204" pitchFamily="34" charset="-122"/>
-                <a:sym typeface="+mn-ea"/>
-              </a:rPr>
-              <a:t>困扰</a:t>
-            </a:r>
-            <a:r>
-              <a:rPr lang="zh-CN" altLang="en-US" sz="1400" smtClean="0">
-                <a:latin typeface="微软雅黑" panose="020B0503020204020204" pitchFamily="34" charset="-122"/>
-                <a:ea typeface="微软雅黑" panose="020B0503020204020204" pitchFamily="34" charset="-122"/>
-                <a:cs typeface="微软雅黑" panose="020B0503020204020204" pitchFamily="34" charset="-122"/>
-                <a:sym typeface="+mn-ea"/>
-              </a:rPr>
-              <a:t>：版本发布只能在深夜；业务功能无法提供试点验证；功能验证、异常版本回滚非常繁琐、复杂和耗时。</a:t>
-            </a:r>
-            <a:endParaRPr lang="zh-CN" altLang="en-US" sz="1400" smtClean="0">
-              <a:latin typeface="微软雅黑" panose="020B0503020204020204" pitchFamily="34" charset="-122"/>
-              <a:ea typeface="微软雅黑" panose="020B0503020204020204" pitchFamily="34" charset="-122"/>
-              <a:cs typeface="微软雅黑" panose="020B0503020204020204" pitchFamily="34" charset="-122"/>
-            </a:endParaRPr>
-          </a:p>
-          <a:p>
-            <a:pPr defTabSz="914400" fontAlgn="ctr">
-              <a:lnSpc>
-                <a:spcPts val="1900"/>
-              </a:lnSpc>
-              <a:spcBef>
-                <a:spcPts val="0"/>
-              </a:spcBef>
-              <a:spcAft>
-                <a:spcPts val="0"/>
-              </a:spcAft>
-              <a:defRPr/>
-            </a:pPr>
-            <a:r>
-              <a:rPr lang="zh-CN" altLang="en-US" sz="1400" b="1">
-                <a:solidFill>
-                  <a:srgbClr val="C00000"/>
-                </a:solidFill>
-                <a:latin typeface="微软雅黑" panose="020B0503020204020204" pitchFamily="34" charset="-122"/>
-                <a:ea typeface="微软雅黑" panose="020B0503020204020204" pitchFamily="34" charset="-122"/>
-                <a:sym typeface="+mn-ea"/>
-              </a:rPr>
-              <a:t>任务：</a:t>
-            </a:r>
-            <a:r>
-              <a:rPr lang="zh-CN" altLang="en-US" sz="1400">
-                <a:latin typeface="微软雅黑" panose="020B0503020204020204" pitchFamily="34" charset="-122"/>
-                <a:ea typeface="微软雅黑" panose="020B0503020204020204" pitchFamily="34" charset="-122"/>
-                <a:sym typeface="+mn-ea"/>
-              </a:rPr>
-              <a:t>让</a:t>
-            </a:r>
-            <a:r>
-              <a:rPr lang="zh-CN" altLang="en-US" sz="1400" smtClean="0">
-                <a:latin typeface="微软雅黑" panose="020B0503020204020204" pitchFamily="34" charset="-122"/>
-                <a:ea typeface="微软雅黑" panose="020B0503020204020204" pitchFamily="34" charset="-122"/>
-                <a:cs typeface="微软雅黑" panose="020B0503020204020204" pitchFamily="34" charset="-122"/>
-                <a:sym typeface="+mn-ea"/>
-              </a:rPr>
-              <a:t>快件信息化服务平台</a:t>
-            </a:r>
-            <a:r>
-              <a:rPr lang="zh-CN" altLang="en-US" sz="1400">
-                <a:latin typeface="微软雅黑" panose="020B0503020204020204" pitchFamily="34" charset="-122"/>
-                <a:ea typeface="微软雅黑" panose="020B0503020204020204" pitchFamily="34" charset="-122"/>
-                <a:sym typeface="+mn-ea"/>
-              </a:rPr>
-              <a:t>KAFKA、REST服务和WEB界面支持灰度，并支持不同应用不同粒度的进行试点验证。</a:t>
-            </a:r>
-            <a:endParaRPr lang="zh-CN" altLang="en-US" sz="1400">
-              <a:latin typeface="微软雅黑" panose="020B0503020204020204" pitchFamily="34" charset="-122"/>
-              <a:ea typeface="微软雅黑" panose="020B0503020204020204" pitchFamily="34" charset="-122"/>
-            </a:endParaRPr>
-          </a:p>
-        </p:txBody>
-      </p:sp>
-      <p:sp>
-        <p:nvSpPr>
-          <p:cNvPr id="10" name="矩形 9"/>
-          <p:cNvSpPr/>
-          <p:nvPr/>
-        </p:nvSpPr>
-        <p:spPr>
-          <a:xfrm>
-            <a:off x="304165" y="2005330"/>
-            <a:ext cx="7547610" cy="4788000"/>
-          </a:xfrm>
-          <a:prstGeom prst="rect">
-            <a:avLst/>
-          </a:prstGeom>
-          <a:ln w="12700">
-            <a:solidFill>
-              <a:srgbClr val="C00000"/>
-            </a:solidFill>
-          </a:ln>
-        </p:spPr>
-        <p:txBody>
-          <a:bodyPr wrap="square">
-            <a:spAutoFit/>
-          </a:bodyPr>
-          <a:p>
-            <a:pPr defTabSz="914400" fontAlgn="ctr">
-              <a:lnSpc>
-                <a:spcPct val="150000"/>
-              </a:lnSpc>
-              <a:spcBef>
-                <a:spcPts val="0"/>
-              </a:spcBef>
-              <a:spcAft>
-                <a:spcPts val="0"/>
-              </a:spcAft>
-              <a:tabLst>
-                <a:tab pos="0" algn="l"/>
-              </a:tabLst>
-              <a:defRPr/>
-            </a:pPr>
-            <a:r>
-              <a:rPr lang="zh-CN" altLang="en-US" sz="1400" b="1" smtClean="0">
-                <a:solidFill>
-                  <a:srgbClr val="C00000"/>
-                </a:solidFill>
-                <a:latin typeface="微软雅黑" panose="020B0503020204020204" pitchFamily="34" charset="-122"/>
-                <a:ea typeface="微软雅黑" panose="020B0503020204020204" pitchFamily="34" charset="-122"/>
-                <a:cs typeface="微软雅黑" panose="020B0503020204020204" pitchFamily="34" charset="-122"/>
-              </a:rPr>
-              <a:t>我的行动：</a:t>
-            </a:r>
-            <a:endParaRPr lang="zh-CN" altLang="en-US" sz="1400" b="1" smtClean="0">
-              <a:solidFill>
-                <a:srgbClr val="C00000"/>
-              </a:solidFill>
-              <a:latin typeface="微软雅黑" panose="020B0503020204020204" pitchFamily="34" charset="-122"/>
-              <a:ea typeface="微软雅黑" panose="020B0503020204020204" pitchFamily="34" charset="-122"/>
-              <a:cs typeface="微软雅黑" panose="020B0503020204020204" pitchFamily="34" charset="-122"/>
-            </a:endParaRPr>
-          </a:p>
-          <a:p>
-            <a:pPr defTabSz="914400" fontAlgn="ctr">
-              <a:lnSpc>
-                <a:spcPct val="126000"/>
-              </a:lnSpc>
-              <a:spcBef>
-                <a:spcPts val="0"/>
-              </a:spcBef>
-              <a:spcAft>
-                <a:spcPts val="0"/>
-              </a:spcAft>
-              <a:tabLst>
-                <a:tab pos="0" algn="l"/>
-              </a:tabLst>
-              <a:defRPr/>
-            </a:pPr>
-            <a:r>
-              <a:rPr lang="en-US" altLang="zh-CN" sz="1400" b="1" smtClean="0">
-                <a:solidFill>
-                  <a:schemeClr val="accent1">
-                    <a:lumMod val="75000"/>
-                  </a:schemeClr>
-                </a:solidFill>
-                <a:latin typeface="微软雅黑" panose="020B0503020204020204" pitchFamily="34" charset="-122"/>
-                <a:ea typeface="微软雅黑" panose="020B0503020204020204" pitchFamily="34" charset="-122"/>
-                <a:cs typeface="微软雅黑" panose="020B0503020204020204" pitchFamily="34" charset="-122"/>
-                <a:sym typeface="+mn-ea"/>
-              </a:rPr>
-              <a:t>1. </a:t>
-            </a:r>
-            <a:r>
-              <a:rPr lang="zh-CN" altLang="en-US" sz="1400" b="1" smtClean="0">
-                <a:solidFill>
-                  <a:schemeClr val="accent1">
-                    <a:lumMod val="75000"/>
-                  </a:schemeClr>
-                </a:solidFill>
-                <a:latin typeface="微软雅黑" panose="020B0503020204020204" pitchFamily="34" charset="-122"/>
-                <a:ea typeface="微软雅黑" panose="020B0503020204020204" pitchFamily="34" charset="-122"/>
-                <a:cs typeface="微软雅黑" panose="020B0503020204020204" pitchFamily="34" charset="-122"/>
-                <a:sym typeface="+mn-ea"/>
-              </a:rPr>
-              <a:t>调研分析</a:t>
-            </a:r>
-            <a:endParaRPr lang="zh-CN" altLang="en-US" sz="1400" b="1" smtClean="0">
-              <a:solidFill>
-                <a:schemeClr val="accent1">
-                  <a:lumMod val="75000"/>
-                </a:schemeClr>
-              </a:solidFill>
-              <a:latin typeface="微软雅黑" panose="020B0503020204020204" pitchFamily="34" charset="-122"/>
-              <a:ea typeface="微软雅黑" panose="020B0503020204020204" pitchFamily="34" charset="-122"/>
-              <a:cs typeface="微软雅黑" panose="020B0503020204020204" pitchFamily="34" charset="-122"/>
-              <a:sym typeface="+mn-ea"/>
-            </a:endParaRPr>
-          </a:p>
-          <a:p>
-            <a:pPr marL="180975" defTabSz="914400" fontAlgn="ctr">
-              <a:lnSpc>
-                <a:spcPct val="126000"/>
-              </a:lnSpc>
-              <a:spcBef>
-                <a:spcPts val="0"/>
-              </a:spcBef>
-              <a:spcAft>
-                <a:spcPts val="0"/>
-              </a:spcAft>
-              <a:tabLst>
-                <a:tab pos="0" algn="l"/>
-              </a:tabLst>
-              <a:defRPr/>
-            </a:pPr>
-            <a:r>
-              <a:rPr lang="zh-CN" altLang="en-US" sz="1400" smtClean="0">
-                <a:latin typeface="微软雅黑" panose="020B0503020204020204" pitchFamily="34" charset="-122"/>
-                <a:ea typeface="微软雅黑" panose="020B0503020204020204" pitchFamily="34" charset="-122"/>
-                <a:cs typeface="微软雅黑" panose="020B0503020204020204" pitchFamily="34" charset="-122"/>
-                <a:sym typeface="+mn-ea"/>
-              </a:rPr>
-              <a:t>参考了业界的蓝绿发布和金丝雀发布，并结合系统自身的特点和业务场景，设计了满足KAFKA、REST、WEB三种场景的灰度架构。</a:t>
-            </a:r>
-            <a:endParaRPr lang="zh-CN" altLang="en-US" sz="1400" smtClean="0">
-              <a:latin typeface="微软雅黑" panose="020B0503020204020204" pitchFamily="34" charset="-122"/>
-              <a:ea typeface="微软雅黑" panose="020B0503020204020204" pitchFamily="34" charset="-122"/>
-              <a:cs typeface="微软雅黑" panose="020B0503020204020204" pitchFamily="34" charset="-122"/>
-              <a:sym typeface="+mn-ea"/>
-            </a:endParaRPr>
-          </a:p>
-          <a:p>
-            <a:pPr defTabSz="914400" fontAlgn="ctr">
-              <a:lnSpc>
-                <a:spcPct val="126000"/>
-              </a:lnSpc>
-              <a:spcBef>
-                <a:spcPts val="0"/>
-              </a:spcBef>
-              <a:spcAft>
-                <a:spcPts val="0"/>
-              </a:spcAft>
-              <a:tabLst>
-                <a:tab pos="0" algn="l"/>
-              </a:tabLst>
-              <a:defRPr/>
-            </a:pPr>
-            <a:r>
-              <a:rPr lang="en-US" altLang="zh-CN" sz="1400" b="1" smtClean="0">
-                <a:solidFill>
-                  <a:schemeClr val="accent1">
-                    <a:lumMod val="75000"/>
-                  </a:schemeClr>
-                </a:solidFill>
-                <a:latin typeface="微软雅黑" panose="020B0503020204020204" pitchFamily="34" charset="-122"/>
-                <a:ea typeface="微软雅黑" panose="020B0503020204020204" pitchFamily="34" charset="-122"/>
-                <a:cs typeface="微软雅黑" panose="020B0503020204020204" pitchFamily="34" charset="-122"/>
-              </a:rPr>
-              <a:t>2. </a:t>
-            </a:r>
-            <a:r>
-              <a:rPr lang="zh-CN" altLang="en-US" sz="1400" b="1" smtClean="0">
-                <a:solidFill>
-                  <a:schemeClr val="accent1">
-                    <a:lumMod val="75000"/>
-                  </a:schemeClr>
-                </a:solidFill>
-                <a:latin typeface="微软雅黑" panose="020B0503020204020204" pitchFamily="34" charset="-122"/>
-                <a:ea typeface="微软雅黑" panose="020B0503020204020204" pitchFamily="34" charset="-122"/>
-                <a:cs typeface="微软雅黑" panose="020B0503020204020204" pitchFamily="34" charset="-122"/>
-              </a:rPr>
-              <a:t>架构和系统设计</a:t>
-            </a:r>
-            <a:endParaRPr lang="zh-CN" altLang="en-US" sz="1400" b="1" smtClean="0">
-              <a:solidFill>
-                <a:schemeClr val="accent1">
-                  <a:lumMod val="75000"/>
-                </a:schemeClr>
-              </a:solidFill>
-              <a:latin typeface="微软雅黑" panose="020B0503020204020204" pitchFamily="34" charset="-122"/>
-              <a:ea typeface="微软雅黑" panose="020B0503020204020204" pitchFamily="34" charset="-122"/>
-              <a:cs typeface="微软雅黑" panose="020B0503020204020204" pitchFamily="34" charset="-122"/>
-            </a:endParaRPr>
-          </a:p>
-          <a:p>
-            <a:pPr marL="466725" indent="-285750" defTabSz="914400" fontAlgn="ctr">
-              <a:lnSpc>
-                <a:spcPct val="126000"/>
-              </a:lnSpc>
-              <a:spcBef>
-                <a:spcPts val="0"/>
-              </a:spcBef>
-              <a:spcAft>
-                <a:spcPts val="0"/>
-              </a:spcAft>
-              <a:buFont typeface="Wingdings" panose="05000000000000000000" charset="0"/>
-              <a:buChar char="u"/>
-              <a:tabLst>
-                <a:tab pos="0" algn="l"/>
-              </a:tabLst>
-              <a:defRPr/>
-            </a:pPr>
-            <a:r>
-              <a:rPr lang="zh-CN" altLang="en-US" sz="1400" smtClean="0">
-                <a:latin typeface="微软雅黑" panose="020B0503020204020204" pitchFamily="34" charset="-122"/>
-                <a:ea typeface="微软雅黑" panose="020B0503020204020204" pitchFamily="34" charset="-122"/>
-                <a:cs typeface="微软雅黑" panose="020B0503020204020204" pitchFamily="34" charset="-122"/>
-              </a:rPr>
-              <a:t>加入</a:t>
-            </a:r>
-            <a:r>
-              <a:rPr lang="zh-CN" altLang="en-US" sz="1400" b="1" smtClean="0">
-                <a:latin typeface="微软雅黑" panose="020B0503020204020204" pitchFamily="34" charset="-122"/>
-                <a:ea typeface="微软雅黑" panose="020B0503020204020204" pitchFamily="34" charset="-122"/>
-                <a:cs typeface="微软雅黑" panose="020B0503020204020204" pitchFamily="34" charset="-122"/>
-              </a:rPr>
-              <a:t>分流层</a:t>
-            </a:r>
-            <a:r>
-              <a:rPr lang="zh-CN" altLang="en-US" sz="1400" smtClean="0">
-                <a:latin typeface="微软雅黑" panose="020B0503020204020204" pitchFamily="34" charset="-122"/>
-                <a:ea typeface="微软雅黑" panose="020B0503020204020204" pitchFamily="34" charset="-122"/>
-                <a:cs typeface="微软雅黑" panose="020B0503020204020204" pitchFamily="34" charset="-122"/>
-              </a:rPr>
-              <a:t>：</a:t>
-            </a:r>
-            <a:r>
-              <a:rPr lang="en-US" altLang="zh-CN" sz="1400" smtClean="0">
-                <a:latin typeface="微软雅黑" panose="020B0503020204020204" pitchFamily="34" charset="-122"/>
-                <a:ea typeface="微软雅黑" panose="020B0503020204020204" pitchFamily="34" charset="-122"/>
-                <a:cs typeface="微软雅黑" panose="020B0503020204020204" pitchFamily="34" charset="-122"/>
-              </a:rPr>
-              <a:t>API</a:t>
-            </a:r>
-            <a:r>
-              <a:rPr lang="zh-CN" altLang="en-US" sz="1400" smtClean="0">
-                <a:latin typeface="微软雅黑" panose="020B0503020204020204" pitchFamily="34" charset="-122"/>
-                <a:ea typeface="微软雅黑" panose="020B0503020204020204" pitchFamily="34" charset="-122"/>
-                <a:cs typeface="微软雅黑" panose="020B0503020204020204" pitchFamily="34" charset="-122"/>
-              </a:rPr>
-              <a:t>网关、</a:t>
-            </a:r>
-            <a:r>
-              <a:rPr lang="en-US" altLang="zh-CN" sz="1400" smtClean="0">
-                <a:latin typeface="微软雅黑" panose="020B0503020204020204" pitchFamily="34" charset="-122"/>
-                <a:ea typeface="微软雅黑" panose="020B0503020204020204" pitchFamily="34" charset="-122"/>
-                <a:cs typeface="微软雅黑" panose="020B0503020204020204" pitchFamily="34" charset="-122"/>
-              </a:rPr>
-              <a:t>SISP-WEB-SHUNT</a:t>
-            </a:r>
-            <a:r>
-              <a:rPr lang="zh-CN" altLang="en-US" sz="1400" smtClean="0">
-                <a:latin typeface="微软雅黑" panose="020B0503020204020204" pitchFamily="34" charset="-122"/>
-                <a:ea typeface="微软雅黑" panose="020B0503020204020204" pitchFamily="34" charset="-122"/>
-                <a:cs typeface="微软雅黑" panose="020B0503020204020204" pitchFamily="34" charset="-122"/>
-              </a:rPr>
-              <a:t>、</a:t>
-            </a:r>
-            <a:r>
-              <a:rPr lang="en-US" altLang="zh-CN" sz="1400" smtClean="0">
-                <a:latin typeface="微软雅黑" panose="020B0503020204020204" pitchFamily="34" charset="-122"/>
-                <a:ea typeface="微软雅黑" panose="020B0503020204020204" pitchFamily="34" charset="-122"/>
-                <a:cs typeface="微软雅黑" panose="020B0503020204020204" pitchFamily="34" charset="-122"/>
-              </a:rPr>
-              <a:t>SISP-PUSH-SHUNT</a:t>
-            </a:r>
-            <a:endParaRPr lang="en-US" altLang="zh-CN" sz="1400" smtClean="0">
-              <a:latin typeface="微软雅黑" panose="020B0503020204020204" pitchFamily="34" charset="-122"/>
-              <a:ea typeface="微软雅黑" panose="020B0503020204020204" pitchFamily="34" charset="-122"/>
-              <a:cs typeface="微软雅黑" panose="020B0503020204020204" pitchFamily="34" charset="-122"/>
-            </a:endParaRPr>
-          </a:p>
-          <a:p>
-            <a:pPr marL="466725" indent="-285750" defTabSz="914400" fontAlgn="ctr">
-              <a:lnSpc>
-                <a:spcPct val="126000"/>
-              </a:lnSpc>
-              <a:spcBef>
-                <a:spcPts val="0"/>
-              </a:spcBef>
-              <a:spcAft>
-                <a:spcPts val="0"/>
-              </a:spcAft>
-              <a:buFont typeface="Wingdings" panose="05000000000000000000" charset="0"/>
-              <a:buChar char="u"/>
-              <a:tabLst>
-                <a:tab pos="0" algn="l"/>
-              </a:tabLst>
-              <a:defRPr/>
-            </a:pPr>
-            <a:r>
-              <a:rPr lang="zh-CN" altLang="en-US" sz="1400" smtClean="0">
-                <a:latin typeface="微软雅黑" panose="020B0503020204020204" pitchFamily="34" charset="-122"/>
-                <a:ea typeface="微软雅黑" panose="020B0503020204020204" pitchFamily="34" charset="-122"/>
-                <a:cs typeface="微软雅黑" panose="020B0503020204020204" pitchFamily="34" charset="-122"/>
-              </a:rPr>
-              <a:t>基于业务场景</a:t>
-            </a:r>
-            <a:r>
-              <a:rPr lang="zh-CN" altLang="en-US" sz="1400" b="1" smtClean="0">
-                <a:latin typeface="微软雅黑" panose="020B0503020204020204" pitchFamily="34" charset="-122"/>
-                <a:ea typeface="微软雅黑" panose="020B0503020204020204" pitchFamily="34" charset="-122"/>
-                <a:cs typeface="微软雅黑" panose="020B0503020204020204" pitchFamily="34" charset="-122"/>
-              </a:rPr>
-              <a:t>定制灰度规则</a:t>
-            </a:r>
-            <a:r>
-              <a:rPr lang="zh-CN" altLang="en-US" sz="1400" smtClean="0">
-                <a:latin typeface="微软雅黑" panose="020B0503020204020204" pitchFamily="34" charset="-122"/>
-                <a:ea typeface="微软雅黑" panose="020B0503020204020204" pitchFamily="34" charset="-122"/>
-                <a:cs typeface="微软雅黑" panose="020B0503020204020204" pitchFamily="34" charset="-122"/>
-              </a:rPr>
-              <a:t>：接口基于请求头系统编码；</a:t>
-            </a:r>
-            <a:r>
-              <a:rPr lang="en-US" altLang="zh-CN" sz="1400" smtClean="0">
-                <a:latin typeface="微软雅黑" panose="020B0503020204020204" pitchFamily="34" charset="-122"/>
-                <a:ea typeface="微软雅黑" panose="020B0503020204020204" pitchFamily="34" charset="-122"/>
-                <a:cs typeface="微软雅黑" panose="020B0503020204020204" pitchFamily="34" charset="-122"/>
-              </a:rPr>
-              <a:t>WEB</a:t>
-            </a:r>
-            <a:r>
-              <a:rPr lang="zh-CN" altLang="en-US" sz="1400" smtClean="0">
-                <a:latin typeface="微软雅黑" panose="020B0503020204020204" pitchFamily="34" charset="-122"/>
-                <a:ea typeface="微软雅黑" panose="020B0503020204020204" pitchFamily="34" charset="-122"/>
-                <a:cs typeface="微软雅黑" panose="020B0503020204020204" pitchFamily="34" charset="-122"/>
-              </a:rPr>
-              <a:t>基于用户（网点、区域等）；</a:t>
-            </a:r>
-            <a:r>
-              <a:rPr lang="en-US" altLang="zh-CN" sz="1400" smtClean="0">
-                <a:latin typeface="微软雅黑" panose="020B0503020204020204" pitchFamily="34" charset="-122"/>
-                <a:ea typeface="微软雅黑" panose="020B0503020204020204" pitchFamily="34" charset="-122"/>
-                <a:cs typeface="微软雅黑" panose="020B0503020204020204" pitchFamily="34" charset="-122"/>
-              </a:rPr>
-              <a:t>kafka</a:t>
-            </a:r>
-            <a:r>
-              <a:rPr lang="zh-CN" altLang="en-US" sz="1400" smtClean="0">
-                <a:latin typeface="微软雅黑" panose="020B0503020204020204" pitchFamily="34" charset="-122"/>
-                <a:ea typeface="微软雅黑" panose="020B0503020204020204" pitchFamily="34" charset="-122"/>
-                <a:cs typeface="微软雅黑" panose="020B0503020204020204" pitchFamily="34" charset="-122"/>
-              </a:rPr>
-              <a:t>基于消息数据本身（主题、网点、区域等）</a:t>
-            </a:r>
-            <a:endParaRPr lang="zh-CN" altLang="en-US" sz="1400" smtClean="0">
-              <a:latin typeface="微软雅黑" panose="020B0503020204020204" pitchFamily="34" charset="-122"/>
-              <a:ea typeface="微软雅黑" panose="020B0503020204020204" pitchFamily="34" charset="-122"/>
-              <a:cs typeface="微软雅黑" panose="020B0503020204020204" pitchFamily="34" charset="-122"/>
-              <a:sym typeface="+mn-ea"/>
-            </a:endParaRPr>
-          </a:p>
-          <a:p>
-            <a:pPr marL="466725" indent="-285750" defTabSz="914400" fontAlgn="ctr">
-              <a:lnSpc>
-                <a:spcPct val="126000"/>
-              </a:lnSpc>
-              <a:spcBef>
-                <a:spcPts val="0"/>
-              </a:spcBef>
-              <a:spcAft>
-                <a:spcPts val="0"/>
-              </a:spcAft>
-              <a:buFont typeface="Wingdings" panose="05000000000000000000" charset="0"/>
-              <a:buChar char="u"/>
-              <a:tabLst>
-                <a:tab pos="0" algn="l"/>
-              </a:tabLst>
-              <a:defRPr/>
-            </a:pPr>
-            <a:r>
-              <a:rPr lang="zh-CN" altLang="en-US" sz="1400" b="1" smtClean="0">
-                <a:latin typeface="微软雅黑" panose="020B0503020204020204" pitchFamily="34" charset="-122"/>
-                <a:ea typeface="微软雅黑" panose="020B0503020204020204" pitchFamily="34" charset="-122"/>
-                <a:cs typeface="微软雅黑" panose="020B0503020204020204" pitchFamily="34" charset="-122"/>
-                <a:sym typeface="+mn-ea"/>
-              </a:rPr>
-              <a:t>接口隔离原则</a:t>
-            </a:r>
-            <a:r>
-              <a:rPr lang="zh-CN" altLang="en-US" sz="1400" smtClean="0">
-                <a:latin typeface="微软雅黑" panose="020B0503020204020204" pitchFamily="34" charset="-122"/>
-                <a:ea typeface="微软雅黑" panose="020B0503020204020204" pitchFamily="34" charset="-122"/>
-                <a:cs typeface="微软雅黑" panose="020B0503020204020204" pitchFamily="34" charset="-122"/>
-                <a:sym typeface="+mn-ea"/>
-              </a:rPr>
-              <a:t>，让A/B 环境的</a:t>
-            </a:r>
-            <a:r>
-              <a:rPr lang="en-US" altLang="zh-CN" sz="1400" smtClean="0">
-                <a:latin typeface="微软雅黑" panose="020B0503020204020204" pitchFamily="34" charset="-122"/>
-                <a:ea typeface="微软雅黑" panose="020B0503020204020204" pitchFamily="34" charset="-122"/>
-                <a:cs typeface="微软雅黑" panose="020B0503020204020204" pitchFamily="34" charset="-122"/>
-                <a:sym typeface="+mn-ea"/>
-              </a:rPr>
-              <a:t>KAFKA/WEB</a:t>
-            </a:r>
-            <a:r>
-              <a:rPr lang="zh-CN" altLang="en-US" sz="1400" smtClean="0">
-                <a:latin typeface="微软雅黑" panose="020B0503020204020204" pitchFamily="34" charset="-122"/>
-                <a:ea typeface="微软雅黑" panose="020B0503020204020204" pitchFamily="34" charset="-122"/>
-                <a:cs typeface="微软雅黑" panose="020B0503020204020204" pitchFamily="34" charset="-122"/>
-                <a:sym typeface="+mn-ea"/>
-              </a:rPr>
-              <a:t>对应</a:t>
-            </a:r>
-            <a:r>
-              <a:rPr lang="en-US" altLang="zh-CN" sz="1400" smtClean="0">
-                <a:latin typeface="微软雅黑" panose="020B0503020204020204" pitchFamily="34" charset="-122"/>
-                <a:ea typeface="微软雅黑" panose="020B0503020204020204" pitchFamily="34" charset="-122"/>
-                <a:cs typeface="微软雅黑" panose="020B0503020204020204" pitchFamily="34" charset="-122"/>
-                <a:sym typeface="+mn-ea"/>
-              </a:rPr>
-              <a:t>A/B</a:t>
-            </a:r>
-            <a:r>
-              <a:rPr lang="zh-CN" altLang="en-US" sz="1400" smtClean="0">
-                <a:latin typeface="微软雅黑" panose="020B0503020204020204" pitchFamily="34" charset="-122"/>
-                <a:ea typeface="微软雅黑" panose="020B0503020204020204" pitchFamily="34" charset="-122"/>
-                <a:cs typeface="微软雅黑" panose="020B0503020204020204" pitchFamily="34" charset="-122"/>
-                <a:sym typeface="+mn-ea"/>
-              </a:rPr>
-              <a:t>环境应用，达到环境级别的隔离；</a:t>
-            </a:r>
-            <a:endParaRPr lang="zh-CN" altLang="en-US" sz="1400" smtClean="0">
-              <a:latin typeface="微软雅黑" panose="020B0503020204020204" pitchFamily="34" charset="-122"/>
-              <a:ea typeface="微软雅黑" panose="020B0503020204020204" pitchFamily="34" charset="-122"/>
-              <a:cs typeface="微软雅黑" panose="020B0503020204020204" pitchFamily="34" charset="-122"/>
-              <a:sym typeface="+mn-ea"/>
-            </a:endParaRPr>
-          </a:p>
-          <a:p>
-            <a:pPr marL="466725" indent="-285750" defTabSz="914400" fontAlgn="ctr">
-              <a:lnSpc>
-                <a:spcPct val="126000"/>
-              </a:lnSpc>
-              <a:spcBef>
-                <a:spcPts val="0"/>
-              </a:spcBef>
-              <a:spcAft>
-                <a:spcPts val="0"/>
-              </a:spcAft>
-              <a:buFont typeface="Wingdings" panose="05000000000000000000" charset="0"/>
-              <a:buChar char="u"/>
-              <a:tabLst>
-                <a:tab pos="0" algn="l"/>
-              </a:tabLst>
-              <a:defRPr/>
-            </a:pPr>
-            <a:r>
-              <a:rPr lang="zh-CN" altLang="en-US" sz="1400" b="1" smtClean="0">
-                <a:latin typeface="微软雅黑" panose="020B0503020204020204" pitchFamily="34" charset="-122"/>
-                <a:ea typeface="微软雅黑" panose="020B0503020204020204" pitchFamily="34" charset="-122"/>
-                <a:cs typeface="微软雅黑" panose="020B0503020204020204" pitchFamily="34" charset="-122"/>
-                <a:sym typeface="+mn-ea"/>
-              </a:rPr>
-              <a:t>模板模式</a:t>
-            </a:r>
-            <a:r>
-              <a:rPr lang="zh-CN" altLang="en-US" sz="1400" smtClean="0">
-                <a:latin typeface="微软雅黑" panose="020B0503020204020204" pitchFamily="34" charset="-122"/>
-                <a:ea typeface="微软雅黑" panose="020B0503020204020204" pitchFamily="34" charset="-122"/>
-                <a:cs typeface="微软雅黑" panose="020B0503020204020204" pitchFamily="34" charset="-122"/>
-                <a:sym typeface="+mn-ea"/>
-              </a:rPr>
-              <a:t>来控制整个</a:t>
-            </a:r>
-            <a:r>
-              <a:rPr lang="en-US" altLang="zh-CN" sz="1400" smtClean="0">
-                <a:latin typeface="微软雅黑" panose="020B0503020204020204" pitchFamily="34" charset="-122"/>
-                <a:ea typeface="微软雅黑" panose="020B0503020204020204" pitchFamily="34" charset="-122"/>
-                <a:cs typeface="微软雅黑" panose="020B0503020204020204" pitchFamily="34" charset="-122"/>
-                <a:sym typeface="+mn-ea"/>
-              </a:rPr>
-              <a:t>KAFKA</a:t>
-            </a:r>
-            <a:r>
-              <a:rPr lang="zh-CN" altLang="en-US" sz="1400" smtClean="0">
-                <a:latin typeface="微软雅黑" panose="020B0503020204020204" pitchFamily="34" charset="-122"/>
-                <a:ea typeface="微软雅黑" panose="020B0503020204020204" pitchFamily="34" charset="-122"/>
-                <a:cs typeface="微软雅黑" panose="020B0503020204020204" pitchFamily="34" charset="-122"/>
-                <a:sym typeface="+mn-ea"/>
-              </a:rPr>
-              <a:t>灰度的处理过程，整个处理过程拆分为：报文解码、获取业务数据、获取灰度配置、寻找A</a:t>
-            </a:r>
-            <a:r>
-              <a:rPr lang="en-US" altLang="zh-CN" sz="1400" smtClean="0">
-                <a:latin typeface="微软雅黑" panose="020B0503020204020204" pitchFamily="34" charset="-122"/>
-                <a:ea typeface="微软雅黑" panose="020B0503020204020204" pitchFamily="34" charset="-122"/>
-                <a:cs typeface="微软雅黑" panose="020B0503020204020204" pitchFamily="34" charset="-122"/>
-                <a:sym typeface="+mn-ea"/>
-              </a:rPr>
-              <a:t>/</a:t>
-            </a:r>
-            <a:r>
-              <a:rPr lang="zh-CN" altLang="en-US" sz="1400" smtClean="0">
-                <a:latin typeface="微软雅黑" panose="020B0503020204020204" pitchFamily="34" charset="-122"/>
-                <a:ea typeface="微软雅黑" panose="020B0503020204020204" pitchFamily="34" charset="-122"/>
-                <a:cs typeface="微软雅黑" panose="020B0503020204020204" pitchFamily="34" charset="-122"/>
-                <a:sym typeface="+mn-ea"/>
-              </a:rPr>
-              <a:t>B环境和数据分流五个部分；</a:t>
-            </a:r>
-            <a:endParaRPr lang="zh-CN" altLang="en-US" sz="1400" smtClean="0">
-              <a:latin typeface="微软雅黑" panose="020B0503020204020204" pitchFamily="34" charset="-122"/>
-              <a:ea typeface="微软雅黑" panose="020B0503020204020204" pitchFamily="34" charset="-122"/>
-              <a:cs typeface="微软雅黑" panose="020B0503020204020204" pitchFamily="34" charset="-122"/>
-              <a:sym typeface="+mn-ea"/>
-            </a:endParaRPr>
-          </a:p>
-          <a:p>
-            <a:pPr marL="466725" indent="-285750" defTabSz="914400" fontAlgn="ctr">
-              <a:lnSpc>
-                <a:spcPct val="126000"/>
-              </a:lnSpc>
-              <a:spcBef>
-                <a:spcPts val="0"/>
-              </a:spcBef>
-              <a:spcAft>
-                <a:spcPts val="0"/>
-              </a:spcAft>
-              <a:buFont typeface="Wingdings" panose="05000000000000000000" charset="0"/>
-              <a:buChar char="u"/>
-              <a:tabLst>
-                <a:tab pos="0" algn="l"/>
-              </a:tabLst>
-              <a:defRPr/>
-            </a:pPr>
-            <a:r>
-              <a:rPr lang="zh-CN" altLang="en-US" sz="1400" b="1" smtClean="0">
-                <a:latin typeface="微软雅黑" panose="020B0503020204020204" pitchFamily="34" charset="-122"/>
-                <a:ea typeface="微软雅黑" panose="020B0503020204020204" pitchFamily="34" charset="-122"/>
-                <a:cs typeface="微软雅黑" panose="020B0503020204020204" pitchFamily="34" charset="-122"/>
-                <a:sym typeface="+mn-ea"/>
-              </a:rPr>
-              <a:t>策略模式：</a:t>
-            </a:r>
-            <a:r>
-              <a:rPr lang="zh-CN" altLang="en-US" sz="1400" smtClean="0">
-                <a:latin typeface="微软雅黑" panose="020B0503020204020204" pitchFamily="34" charset="-122"/>
-                <a:ea typeface="微软雅黑" panose="020B0503020204020204" pitchFamily="34" charset="-122"/>
-                <a:cs typeface="微软雅黑" panose="020B0503020204020204" pitchFamily="34" charset="-122"/>
-                <a:sym typeface="+mn-ea"/>
-              </a:rPr>
-              <a:t>来对每个部分进行扩展，达到同一个功能有不同的实现方式；</a:t>
-            </a:r>
-            <a:endParaRPr lang="zh-CN" altLang="en-US" sz="1400" smtClean="0">
-              <a:latin typeface="微软雅黑" panose="020B0503020204020204" pitchFamily="34" charset="-122"/>
-              <a:ea typeface="微软雅黑" panose="020B0503020204020204" pitchFamily="34" charset="-122"/>
-              <a:cs typeface="微软雅黑" panose="020B0503020204020204" pitchFamily="34" charset="-122"/>
-              <a:sym typeface="+mn-ea"/>
-            </a:endParaRPr>
-          </a:p>
-          <a:p>
-            <a:pPr marL="466725" indent="-285750" defTabSz="914400" fontAlgn="ctr">
-              <a:lnSpc>
-                <a:spcPct val="126000"/>
-              </a:lnSpc>
-              <a:spcBef>
-                <a:spcPts val="0"/>
-              </a:spcBef>
-              <a:spcAft>
-                <a:spcPts val="0"/>
-              </a:spcAft>
-              <a:buFont typeface="Wingdings" panose="05000000000000000000" charset="0"/>
-              <a:buChar char="u"/>
-              <a:tabLst>
-                <a:tab pos="0" algn="l"/>
-              </a:tabLst>
-              <a:defRPr/>
-            </a:pPr>
-            <a:r>
-              <a:rPr lang="zh-CN" altLang="en-US" sz="1400" b="1" smtClean="0">
-                <a:latin typeface="微软雅黑" panose="020B0503020204020204" pitchFamily="34" charset="-122"/>
-                <a:ea typeface="微软雅黑" panose="020B0503020204020204" pitchFamily="34" charset="-122"/>
-                <a:cs typeface="微软雅黑" panose="020B0503020204020204" pitchFamily="34" charset="-122"/>
-                <a:sym typeface="+mn-ea"/>
-              </a:rPr>
-              <a:t>约定大于配置原则：</a:t>
-            </a:r>
-            <a:r>
-              <a:rPr lang="zh-CN" altLang="en-US" sz="1400" smtClean="0">
-                <a:latin typeface="微软雅黑" panose="020B0503020204020204" pitchFamily="34" charset="-122"/>
-                <a:ea typeface="微软雅黑" panose="020B0503020204020204" pitchFamily="34" charset="-122"/>
-                <a:cs typeface="微软雅黑" panose="020B0503020204020204" pitchFamily="34" charset="-122"/>
-                <a:sym typeface="+mn-ea"/>
-              </a:rPr>
-              <a:t>支持</a:t>
-            </a:r>
-            <a:r>
-              <a:rPr lang="en-US" altLang="zh-CN" sz="1400" smtClean="0">
-                <a:latin typeface="微软雅黑" panose="020B0503020204020204" pitchFamily="34" charset="-122"/>
-                <a:ea typeface="微软雅黑" panose="020B0503020204020204" pitchFamily="34" charset="-122"/>
-                <a:cs typeface="微软雅黑" panose="020B0503020204020204" pitchFamily="34" charset="-122"/>
-                <a:sym typeface="+mn-ea"/>
-              </a:rPr>
-              <a:t>KAFKA</a:t>
-            </a:r>
-            <a:r>
-              <a:rPr lang="zh-CN" altLang="en-US" sz="1400" smtClean="0">
-                <a:latin typeface="微软雅黑" panose="020B0503020204020204" pitchFamily="34" charset="-122"/>
-                <a:ea typeface="微软雅黑" panose="020B0503020204020204" pitchFamily="34" charset="-122"/>
-                <a:cs typeface="微软雅黑" panose="020B0503020204020204" pitchFamily="34" charset="-122"/>
-                <a:sym typeface="+mn-ea"/>
-              </a:rPr>
-              <a:t>生产者</a:t>
-            </a:r>
-            <a:r>
-              <a:rPr lang="en-US" altLang="zh-CN" sz="1400" smtClean="0">
-                <a:latin typeface="微软雅黑" panose="020B0503020204020204" pitchFamily="34" charset="-122"/>
-                <a:ea typeface="微软雅黑" panose="020B0503020204020204" pitchFamily="34" charset="-122"/>
-                <a:cs typeface="微软雅黑" panose="020B0503020204020204" pitchFamily="34" charset="-122"/>
-                <a:sym typeface="+mn-ea"/>
-              </a:rPr>
-              <a:t>/</a:t>
-            </a:r>
-            <a:r>
-              <a:rPr lang="zh-CN" altLang="en-US" sz="1400" smtClean="0">
-                <a:latin typeface="微软雅黑" panose="020B0503020204020204" pitchFamily="34" charset="-122"/>
-                <a:ea typeface="微软雅黑" panose="020B0503020204020204" pitchFamily="34" charset="-122"/>
-                <a:cs typeface="微软雅黑" panose="020B0503020204020204" pitchFamily="34" charset="-122"/>
-                <a:sym typeface="+mn-ea"/>
-              </a:rPr>
-              <a:t>消费者的动态管理，减少大量重复的配置，提升服务能力</a:t>
-            </a:r>
-            <a:endParaRPr lang="zh-CN" altLang="en-US" sz="1400" smtClean="0">
-              <a:latin typeface="微软雅黑" panose="020B0503020204020204" pitchFamily="34" charset="-122"/>
-              <a:ea typeface="微软雅黑" panose="020B0503020204020204" pitchFamily="34" charset="-122"/>
-              <a:cs typeface="微软雅黑" panose="020B0503020204020204" pitchFamily="34" charset="-122"/>
-              <a:sym typeface="+mn-ea"/>
-            </a:endParaRPr>
-          </a:p>
-          <a:p>
-            <a:pPr marL="285750" indent="-285750" defTabSz="914400" fontAlgn="ctr">
-              <a:lnSpc>
-                <a:spcPct val="126000"/>
-              </a:lnSpc>
-              <a:spcBef>
-                <a:spcPts val="0"/>
-              </a:spcBef>
-              <a:spcAft>
-                <a:spcPts val="0"/>
-              </a:spcAft>
-              <a:defRPr/>
-            </a:pPr>
-            <a:r>
-              <a:rPr lang="en-US" altLang="zh-CN" sz="1400" b="1" smtClean="0">
-                <a:solidFill>
-                  <a:schemeClr val="accent1">
-                    <a:lumMod val="75000"/>
-                  </a:schemeClr>
-                </a:solidFill>
-                <a:latin typeface="微软雅黑" panose="020B0503020204020204" pitchFamily="34" charset="-122"/>
-                <a:ea typeface="微软雅黑" panose="020B0503020204020204" pitchFamily="34" charset="-122"/>
-                <a:cs typeface="微软雅黑" panose="020B0503020204020204" pitchFamily="34" charset="-122"/>
-              </a:rPr>
-              <a:t>3. </a:t>
-            </a:r>
-            <a:r>
-              <a:rPr lang="zh-CN" altLang="en-US" sz="1400" b="1" smtClean="0">
-                <a:solidFill>
-                  <a:schemeClr val="accent1">
-                    <a:lumMod val="75000"/>
-                  </a:schemeClr>
-                </a:solidFill>
-                <a:latin typeface="微软雅黑" panose="020B0503020204020204" pitchFamily="34" charset="-122"/>
-                <a:ea typeface="微软雅黑" panose="020B0503020204020204" pitchFamily="34" charset="-122"/>
-                <a:cs typeface="微软雅黑" panose="020B0503020204020204" pitchFamily="34" charset="-122"/>
-              </a:rPr>
-              <a:t>上线发布</a:t>
-            </a:r>
-            <a:endParaRPr lang="zh-CN" altLang="en-US" sz="1400" b="1" smtClean="0">
-              <a:solidFill>
-                <a:schemeClr val="accent1">
-                  <a:lumMod val="75000"/>
-                </a:schemeClr>
-              </a:solidFill>
-              <a:latin typeface="微软雅黑" panose="020B0503020204020204" pitchFamily="34" charset="-122"/>
-              <a:ea typeface="微软雅黑" panose="020B0503020204020204" pitchFamily="34" charset="-122"/>
-              <a:cs typeface="微软雅黑" panose="020B0503020204020204" pitchFamily="34" charset="-122"/>
-            </a:endParaRPr>
-          </a:p>
-          <a:p>
-            <a:pPr marL="189230" indent="0" defTabSz="914400" fontAlgn="ctr">
-              <a:lnSpc>
-                <a:spcPct val="126000"/>
-              </a:lnSpc>
-              <a:spcBef>
-                <a:spcPts val="0"/>
-              </a:spcBef>
-              <a:spcAft>
-                <a:spcPts val="0"/>
-              </a:spcAft>
-              <a:buFont typeface="Arial" panose="020B0604020202020204" pitchFamily="34" charset="0"/>
-              <a:buNone/>
-              <a:defRPr/>
-            </a:pPr>
-            <a:r>
-              <a:rPr lang="zh-CN" altLang="en-US" sz="1400" smtClean="0">
-                <a:latin typeface="微软雅黑" panose="020B0503020204020204" pitchFamily="34" charset="-122"/>
-                <a:ea typeface="微软雅黑" panose="020B0503020204020204" pitchFamily="34" charset="-122"/>
-                <a:cs typeface="微软雅黑" panose="020B0503020204020204" pitchFamily="34" charset="-122"/>
-                <a:sym typeface="+mn-ea"/>
-              </a:rPr>
-              <a:t>对整个上线发布过程进行</a:t>
-            </a:r>
-            <a:r>
-              <a:rPr lang="zh-CN" altLang="en-US" sz="1400" b="1" smtClean="0">
-                <a:latin typeface="微软雅黑" panose="020B0503020204020204" pitchFamily="34" charset="-122"/>
-                <a:ea typeface="微软雅黑" panose="020B0503020204020204" pitchFamily="34" charset="-122"/>
-                <a:cs typeface="微软雅黑" panose="020B0503020204020204" pitchFamily="34" charset="-122"/>
-                <a:sym typeface="+mn-ea"/>
-              </a:rPr>
-              <a:t>上线推演</a:t>
-            </a:r>
-            <a:r>
-              <a:rPr lang="zh-CN" altLang="en-US" sz="1400" smtClean="0">
-                <a:latin typeface="微软雅黑" panose="020B0503020204020204" pitchFamily="34" charset="-122"/>
-                <a:ea typeface="微软雅黑" panose="020B0503020204020204" pitchFamily="34" charset="-122"/>
-                <a:cs typeface="微软雅黑" panose="020B0503020204020204" pitchFamily="34" charset="-122"/>
-                <a:sym typeface="+mn-ea"/>
-              </a:rPr>
-              <a:t>，整理出灰度上线部署方案、发布前资源检查清单、发布步骤执行清单、发布后验证检查清单和灰度发布回归方案等文档。</a:t>
-            </a:r>
-            <a:endParaRPr lang="zh-CN" altLang="en-US" sz="1400" smtClean="0">
-              <a:latin typeface="微软雅黑" panose="020B0503020204020204" pitchFamily="34" charset="-122"/>
-              <a:ea typeface="微软雅黑" panose="020B0503020204020204" pitchFamily="34" charset="-122"/>
-              <a:cs typeface="微软雅黑" panose="020B0503020204020204" pitchFamily="34" charset="-122"/>
-              <a:sym typeface="+mn-ea"/>
-            </a:endParaRPr>
-          </a:p>
-        </p:txBody>
-      </p:sp>
-      <p:sp>
-        <p:nvSpPr>
-          <p:cNvPr id="11" name="矩形 10"/>
-          <p:cNvSpPr/>
-          <p:nvPr/>
-        </p:nvSpPr>
-        <p:spPr>
-          <a:xfrm>
-            <a:off x="7933055" y="1992630"/>
-            <a:ext cx="3921760" cy="4810760"/>
-          </a:xfrm>
-          <a:prstGeom prst="rect">
-            <a:avLst/>
-          </a:prstGeom>
-          <a:ln w="12700">
-            <a:solidFill>
-              <a:srgbClr val="C00000"/>
-            </a:solidFill>
-          </a:ln>
-        </p:spPr>
-        <p:txBody>
-          <a:bodyPr wrap="square">
-            <a:spAutoFit/>
-          </a:bodyPr>
-          <a:p>
-            <a:pPr defTabSz="914400" fontAlgn="ctr">
-              <a:lnSpc>
-                <a:spcPts val="2100"/>
-              </a:lnSpc>
-              <a:spcBef>
-                <a:spcPts val="0"/>
-              </a:spcBef>
-              <a:spcAft>
-                <a:spcPts val="0"/>
-              </a:spcAft>
-              <a:defRPr/>
-            </a:pPr>
-            <a:r>
-              <a:rPr lang="zh-CN" altLang="en-US" sz="1400" b="1" smtClean="0">
-                <a:solidFill>
-                  <a:srgbClr val="C00000"/>
-                </a:solidFill>
-                <a:latin typeface="微软雅黑" panose="020B0503020204020204" pitchFamily="34" charset="-122"/>
-                <a:ea typeface="微软雅黑" panose="020B0503020204020204" pitchFamily="34" charset="-122"/>
-                <a:cs typeface="微软雅黑" panose="020B0503020204020204" pitchFamily="34" charset="-122"/>
-              </a:rPr>
-              <a:t>结果：</a:t>
-            </a:r>
-            <a:endParaRPr lang="en-US" altLang="zh-CN" sz="1400" b="1">
-              <a:solidFill>
-                <a:srgbClr val="C00000"/>
-              </a:solidFill>
-              <a:latin typeface="微软雅黑" panose="020B0503020204020204" pitchFamily="34" charset="-122"/>
-              <a:ea typeface="微软雅黑" panose="020B0503020204020204" pitchFamily="34" charset="-122"/>
-              <a:cs typeface="微软雅黑" panose="020B0503020204020204" pitchFamily="34" charset="-122"/>
-            </a:endParaRPr>
-          </a:p>
-          <a:p>
-            <a:pPr algn="l" defTabSz="914400" fontAlgn="ctr">
-              <a:lnSpc>
-                <a:spcPts val="1900"/>
-              </a:lnSpc>
-              <a:spcBef>
-                <a:spcPts val="0"/>
-              </a:spcBef>
-              <a:spcAft>
-                <a:spcPts val="0"/>
-              </a:spcAft>
-              <a:buClrTx/>
-              <a:buSzTx/>
-              <a:buFontTx/>
-              <a:tabLst>
-                <a:tab pos="0" algn="l"/>
-              </a:tabLst>
-              <a:defRPr/>
-            </a:pPr>
-            <a:r>
-              <a:rPr lang="en-US" altLang="zh-CN" sz="1400" b="1" smtClean="0">
-                <a:solidFill>
-                  <a:schemeClr val="accent1">
-                    <a:lumMod val="75000"/>
-                  </a:schemeClr>
-                </a:solidFill>
-                <a:latin typeface="微软雅黑" panose="020B0503020204020204" pitchFamily="34" charset="-122"/>
-                <a:ea typeface="微软雅黑" panose="020B0503020204020204" pitchFamily="34" charset="-122"/>
-                <a:cs typeface="微软雅黑" panose="020B0503020204020204" pitchFamily="34" charset="-122"/>
-              </a:rPr>
-              <a:t>1. 功能上线</a:t>
-            </a:r>
-            <a:endParaRPr lang="en-US" altLang="zh-CN" sz="1400" b="1" smtClean="0">
-              <a:solidFill>
-                <a:schemeClr val="accent1">
-                  <a:lumMod val="75000"/>
-                </a:schemeClr>
-              </a:solidFill>
-              <a:latin typeface="微软雅黑" panose="020B0503020204020204" pitchFamily="34" charset="-122"/>
-              <a:ea typeface="微软雅黑" panose="020B0503020204020204" pitchFamily="34" charset="-122"/>
-              <a:cs typeface="微软雅黑" panose="020B0503020204020204" pitchFamily="34" charset="-122"/>
-            </a:endParaRPr>
-          </a:p>
-          <a:p>
-            <a:pPr defTabSz="914400" fontAlgn="ctr">
-              <a:lnSpc>
-                <a:spcPts val="2100"/>
-              </a:lnSpc>
-              <a:spcBef>
-                <a:spcPts val="0"/>
-              </a:spcBef>
-              <a:spcAft>
-                <a:spcPts val="0"/>
-              </a:spcAft>
-              <a:defRPr/>
-            </a:pPr>
-            <a:r>
-              <a:rPr lang="zh-CN" altLang="en-US" sz="1400" smtClean="0">
-                <a:latin typeface="微软雅黑" panose="020B0503020204020204" pitchFamily="34" charset="-122"/>
-                <a:ea typeface="微软雅黑" panose="020B0503020204020204" pitchFamily="34" charset="-122"/>
-                <a:cs typeface="微软雅黑" panose="020B0503020204020204" pitchFamily="34" charset="-122"/>
-              </a:rPr>
-              <a:t>灰度架构成功上线后。通过控制流量，可以在白天进行版本发布，解放运维同事和研发同事</a:t>
-            </a:r>
-            <a:endParaRPr lang="zh-CN" altLang="en-US" sz="1400" smtClean="0">
-              <a:latin typeface="微软雅黑" panose="020B0503020204020204" pitchFamily="34" charset="-122"/>
-              <a:ea typeface="微软雅黑" panose="020B0503020204020204" pitchFamily="34" charset="-122"/>
-              <a:cs typeface="微软雅黑" panose="020B0503020204020204" pitchFamily="34" charset="-122"/>
-            </a:endParaRPr>
-          </a:p>
-          <a:p>
-            <a:pPr algn="l" defTabSz="914400" fontAlgn="ctr">
-              <a:lnSpc>
-                <a:spcPts val="1900"/>
-              </a:lnSpc>
-              <a:spcBef>
-                <a:spcPts val="0"/>
-              </a:spcBef>
-              <a:spcAft>
-                <a:spcPts val="0"/>
-              </a:spcAft>
-              <a:buClrTx/>
-              <a:buSzTx/>
-              <a:buFontTx/>
-              <a:tabLst>
-                <a:tab pos="0" algn="l"/>
-              </a:tabLst>
-              <a:defRPr/>
-            </a:pPr>
-            <a:r>
-              <a:rPr lang="en-US" altLang="zh-CN" sz="1400" b="1" smtClean="0">
-                <a:solidFill>
-                  <a:schemeClr val="accent1">
-                    <a:lumMod val="75000"/>
-                  </a:schemeClr>
-                </a:solidFill>
-                <a:latin typeface="微软雅黑" panose="020B0503020204020204" pitchFamily="34" charset="-122"/>
-                <a:ea typeface="微软雅黑" panose="020B0503020204020204" pitchFamily="34" charset="-122"/>
-                <a:cs typeface="微软雅黑" panose="020B0503020204020204" pitchFamily="34" charset="-122"/>
-              </a:rPr>
-              <a:t>2. 试点验证</a:t>
-            </a:r>
-            <a:endParaRPr lang="en-US" altLang="zh-CN" sz="1400" b="1" smtClean="0">
-              <a:solidFill>
-                <a:schemeClr val="accent1">
-                  <a:lumMod val="75000"/>
-                </a:schemeClr>
-              </a:solidFill>
-              <a:latin typeface="微软雅黑" panose="020B0503020204020204" pitchFamily="34" charset="-122"/>
-              <a:ea typeface="微软雅黑" panose="020B0503020204020204" pitchFamily="34" charset="-122"/>
-              <a:cs typeface="微软雅黑" panose="020B0503020204020204" pitchFamily="34" charset="-122"/>
-            </a:endParaRPr>
-          </a:p>
-          <a:p>
-            <a:pPr defTabSz="914400" fontAlgn="ctr">
-              <a:lnSpc>
-                <a:spcPts val="2100"/>
-              </a:lnSpc>
-              <a:spcBef>
-                <a:spcPts val="0"/>
-              </a:spcBef>
-              <a:spcAft>
-                <a:spcPts val="0"/>
-              </a:spcAft>
-              <a:defRPr/>
-            </a:pPr>
-            <a:r>
-              <a:rPr lang="zh-CN" altLang="en-US" sz="1400" smtClean="0">
-                <a:latin typeface="微软雅黑" panose="020B0503020204020204" pitchFamily="34" charset="-122"/>
-                <a:ea typeface="微软雅黑" panose="020B0503020204020204" pitchFamily="34" charset="-122"/>
-                <a:cs typeface="微软雅黑" panose="020B0503020204020204" pitchFamily="34" charset="-122"/>
-              </a:rPr>
-              <a:t>可以支持不同应用不同粒度的灰度（系统编码、网点、城市、大区、主题等）试点，方便业务验证和推广。</a:t>
-            </a:r>
-            <a:endParaRPr lang="zh-CN" altLang="en-US" sz="1400" smtClean="0">
-              <a:latin typeface="微软雅黑" panose="020B0503020204020204" pitchFamily="34" charset="-122"/>
-              <a:ea typeface="微软雅黑" panose="020B0503020204020204" pitchFamily="34" charset="-122"/>
-              <a:cs typeface="微软雅黑" panose="020B0503020204020204" pitchFamily="34" charset="-122"/>
-            </a:endParaRPr>
-          </a:p>
-          <a:p>
-            <a:pPr algn="l" defTabSz="914400" fontAlgn="ctr">
-              <a:lnSpc>
-                <a:spcPts val="1900"/>
-              </a:lnSpc>
-              <a:spcBef>
-                <a:spcPts val="0"/>
-              </a:spcBef>
-              <a:spcAft>
-                <a:spcPts val="0"/>
-              </a:spcAft>
-              <a:buClrTx/>
-              <a:buSzTx/>
-              <a:buFontTx/>
-              <a:tabLst>
-                <a:tab pos="0" algn="l"/>
-              </a:tabLst>
-              <a:defRPr/>
-            </a:pPr>
-            <a:r>
-              <a:rPr lang="en-US" altLang="zh-CN" sz="1400" b="1" smtClean="0">
-                <a:solidFill>
-                  <a:schemeClr val="accent1">
-                    <a:lumMod val="75000"/>
-                  </a:schemeClr>
-                </a:solidFill>
-                <a:latin typeface="微软雅黑" panose="020B0503020204020204" pitchFamily="34" charset="-122"/>
-                <a:ea typeface="微软雅黑" panose="020B0503020204020204" pitchFamily="34" charset="-122"/>
-                <a:cs typeface="微软雅黑" panose="020B0503020204020204" pitchFamily="34" charset="-122"/>
-                <a:sym typeface="+mn-ea"/>
-              </a:rPr>
-              <a:t>3. 复用组件</a:t>
-            </a:r>
-            <a:endParaRPr lang="en-US" altLang="zh-CN" sz="1400" b="1" smtClean="0">
-              <a:solidFill>
-                <a:schemeClr val="accent1">
-                  <a:lumMod val="75000"/>
-                </a:schemeClr>
-              </a:solidFill>
-              <a:latin typeface="微软雅黑" panose="020B0503020204020204" pitchFamily="34" charset="-122"/>
-              <a:ea typeface="微软雅黑" panose="020B0503020204020204" pitchFamily="34" charset="-122"/>
-              <a:cs typeface="微软雅黑" panose="020B0503020204020204" pitchFamily="34" charset="-122"/>
-            </a:endParaRPr>
-          </a:p>
-          <a:p>
-            <a:pPr defTabSz="914400" fontAlgn="ctr">
-              <a:lnSpc>
-                <a:spcPts val="2100"/>
-              </a:lnSpc>
-              <a:spcBef>
-                <a:spcPts val="0"/>
-              </a:spcBef>
-              <a:spcAft>
-                <a:spcPts val="0"/>
-              </a:spcAft>
-              <a:defRPr/>
-            </a:pPr>
-            <a:r>
-              <a:rPr lang="zh-CN" altLang="en-US" sz="1400" smtClean="0">
-                <a:latin typeface="微软雅黑" panose="020B0503020204020204" pitchFamily="34" charset="-122"/>
-                <a:ea typeface="微软雅黑" panose="020B0503020204020204" pitchFamily="34" charset="-122"/>
-                <a:cs typeface="微软雅黑" panose="020B0503020204020204" pitchFamily="34" charset="-122"/>
-                <a:sym typeface="+mn-ea"/>
-              </a:rPr>
-              <a:t>抽象出灰度框架和相关的可复用组件，和业务解耦，能够在其他系统复用。</a:t>
-            </a:r>
-            <a:endParaRPr lang="zh-CN" altLang="en-US" sz="1400" smtClean="0">
-              <a:latin typeface="微软雅黑" panose="020B0503020204020204" pitchFamily="34" charset="-122"/>
-              <a:ea typeface="微软雅黑" panose="020B0503020204020204" pitchFamily="34" charset="-122"/>
-              <a:cs typeface="微软雅黑" panose="020B0503020204020204" pitchFamily="34" charset="-122"/>
-            </a:endParaRPr>
-          </a:p>
-          <a:p>
-            <a:pPr algn="l" defTabSz="914400" fontAlgn="ctr">
-              <a:lnSpc>
-                <a:spcPts val="1900"/>
-              </a:lnSpc>
-              <a:spcBef>
-                <a:spcPts val="0"/>
-              </a:spcBef>
-              <a:spcAft>
-                <a:spcPts val="0"/>
-              </a:spcAft>
-              <a:buClrTx/>
-              <a:buSzTx/>
-              <a:buFontTx/>
-              <a:tabLst>
-                <a:tab pos="0" algn="l"/>
-              </a:tabLst>
-              <a:defRPr/>
-            </a:pPr>
-            <a:r>
-              <a:rPr lang="en-US" altLang="zh-CN" sz="1400" b="1" smtClean="0">
-                <a:solidFill>
-                  <a:schemeClr val="accent1">
-                    <a:lumMod val="75000"/>
-                  </a:schemeClr>
-                </a:solidFill>
-                <a:latin typeface="微软雅黑" panose="020B0503020204020204" pitchFamily="34" charset="-122"/>
-                <a:ea typeface="微软雅黑" panose="020B0503020204020204" pitchFamily="34" charset="-122"/>
-                <a:cs typeface="微软雅黑" panose="020B0503020204020204" pitchFamily="34" charset="-122"/>
-              </a:rPr>
-              <a:t>4. 配置化</a:t>
-            </a:r>
-            <a:endParaRPr lang="en-US" altLang="zh-CN" sz="1400" b="1" smtClean="0">
-              <a:solidFill>
-                <a:schemeClr val="accent1">
-                  <a:lumMod val="75000"/>
-                </a:schemeClr>
-              </a:solidFill>
-              <a:latin typeface="微软雅黑" panose="020B0503020204020204" pitchFamily="34" charset="-122"/>
-              <a:ea typeface="微软雅黑" panose="020B0503020204020204" pitchFamily="34" charset="-122"/>
-              <a:cs typeface="微软雅黑" panose="020B0503020204020204" pitchFamily="34" charset="-122"/>
-            </a:endParaRPr>
-          </a:p>
-          <a:p>
-            <a:pPr defTabSz="914400" fontAlgn="ctr">
-              <a:lnSpc>
-                <a:spcPts val="2100"/>
-              </a:lnSpc>
-              <a:spcBef>
-                <a:spcPts val="0"/>
-              </a:spcBef>
-              <a:spcAft>
-                <a:spcPts val="0"/>
-              </a:spcAft>
-              <a:defRPr/>
-            </a:pPr>
-            <a:r>
-              <a:rPr lang="zh-CN" altLang="en-US" sz="1400" smtClean="0">
-                <a:latin typeface="微软雅黑" panose="020B0503020204020204" pitchFamily="34" charset="-122"/>
-                <a:ea typeface="微软雅黑" panose="020B0503020204020204" pitchFamily="34" charset="-122"/>
-                <a:cs typeface="微软雅黑" panose="020B0503020204020204" pitchFamily="34" charset="-122"/>
-              </a:rPr>
-              <a:t>通过约定和配置可以对新的业务接入，已接入</a:t>
-            </a:r>
-            <a:r>
-              <a:rPr lang="en-US" altLang="zh-CN" sz="1400" smtClean="0">
-                <a:solidFill>
-                  <a:srgbClr val="FF0000"/>
-                </a:solidFill>
-                <a:latin typeface="微软雅黑" panose="020B0503020204020204" pitchFamily="34" charset="-122"/>
-                <a:ea typeface="微软雅黑" panose="020B0503020204020204" pitchFamily="34" charset="-122"/>
-                <a:cs typeface="微软雅黑" panose="020B0503020204020204" pitchFamily="34" charset="-122"/>
-              </a:rPr>
-              <a:t>20+</a:t>
-            </a:r>
-            <a:r>
-              <a:rPr lang="zh-CN" altLang="en-US" sz="1400" smtClean="0">
-                <a:solidFill>
-                  <a:srgbClr val="FF0000"/>
-                </a:solidFill>
-                <a:latin typeface="微软雅黑" panose="020B0503020204020204" pitchFamily="34" charset="-122"/>
-                <a:ea typeface="微软雅黑" panose="020B0503020204020204" pitchFamily="34" charset="-122"/>
-                <a:cs typeface="微软雅黑" panose="020B0503020204020204" pitchFamily="34" charset="-122"/>
-              </a:rPr>
-              <a:t>个</a:t>
-            </a:r>
-            <a:r>
-              <a:rPr lang="zh-CN" altLang="en-US" sz="1400" smtClean="0">
-                <a:latin typeface="微软雅黑" panose="020B0503020204020204" pitchFamily="34" charset="-122"/>
-                <a:ea typeface="微软雅黑" panose="020B0503020204020204" pitchFamily="34" charset="-122"/>
-                <a:cs typeface="微软雅黑" panose="020B0503020204020204" pitchFamily="34" charset="-122"/>
-              </a:rPr>
-              <a:t>上游</a:t>
-            </a:r>
-            <a:r>
-              <a:rPr lang="en-US" altLang="zh-CN" sz="1400" smtClean="0">
-                <a:latin typeface="微软雅黑" panose="020B0503020204020204" pitchFamily="34" charset="-122"/>
-                <a:ea typeface="微软雅黑" panose="020B0503020204020204" pitchFamily="34" charset="-122"/>
-                <a:cs typeface="微软雅黑" panose="020B0503020204020204" pitchFamily="34" charset="-122"/>
-              </a:rPr>
-              <a:t>KAFKA</a:t>
-            </a:r>
-            <a:r>
-              <a:rPr lang="zh-CN" altLang="en-US" sz="1400" smtClean="0">
-                <a:latin typeface="微软雅黑" panose="020B0503020204020204" pitchFamily="34" charset="-122"/>
-                <a:ea typeface="微软雅黑" panose="020B0503020204020204" pitchFamily="34" charset="-122"/>
-                <a:cs typeface="微软雅黑" panose="020B0503020204020204" pitchFamily="34" charset="-122"/>
-              </a:rPr>
-              <a:t>的数据，无须重复开发，加快新业务的上线。</a:t>
-            </a:r>
-            <a:endParaRPr lang="zh-CN" altLang="en-US" sz="1400" smtClean="0">
-              <a:latin typeface="微软雅黑" panose="020B0503020204020204" pitchFamily="34" charset="-122"/>
-              <a:ea typeface="微软雅黑" panose="020B0503020204020204" pitchFamily="34" charset="-122"/>
-              <a:cs typeface="微软雅黑" panose="020B0503020204020204" pitchFamily="34" charset="-122"/>
-            </a:endParaRPr>
-          </a:p>
-          <a:p>
-            <a:pPr algn="l" defTabSz="914400" fontAlgn="ctr">
-              <a:lnSpc>
-                <a:spcPts val="1900"/>
-              </a:lnSpc>
-              <a:spcBef>
-                <a:spcPts val="0"/>
-              </a:spcBef>
-              <a:spcAft>
-                <a:spcPts val="0"/>
-              </a:spcAft>
-              <a:buClrTx/>
-              <a:buSzTx/>
-              <a:buFontTx/>
-              <a:tabLst>
-                <a:tab pos="0" algn="l"/>
-              </a:tabLst>
-              <a:defRPr/>
-            </a:pPr>
-            <a:r>
-              <a:rPr lang="en-US" altLang="zh-CN" sz="1400" b="1" smtClean="0">
-                <a:solidFill>
-                  <a:schemeClr val="accent1">
-                    <a:lumMod val="75000"/>
-                  </a:schemeClr>
-                </a:solidFill>
-                <a:latin typeface="微软雅黑" panose="020B0503020204020204" pitchFamily="34" charset="-122"/>
-                <a:ea typeface="微软雅黑" panose="020B0503020204020204" pitchFamily="34" charset="-122"/>
-                <a:cs typeface="微软雅黑" panose="020B0503020204020204" pitchFamily="34" charset="-122"/>
-              </a:rPr>
-              <a:t>5. </a:t>
-            </a:r>
-            <a:r>
-              <a:rPr lang="zh-CN" altLang="en-US" sz="1400" b="1" smtClean="0">
-                <a:solidFill>
-                  <a:schemeClr val="accent1">
-                    <a:lumMod val="75000"/>
-                  </a:schemeClr>
-                </a:solidFill>
-                <a:latin typeface="微软雅黑" panose="020B0503020204020204" pitchFamily="34" charset="-122"/>
-                <a:ea typeface="微软雅黑" panose="020B0503020204020204" pitchFamily="34" charset="-122"/>
-                <a:cs typeface="微软雅黑" panose="020B0503020204020204" pitchFamily="34" charset="-122"/>
-              </a:rPr>
-              <a:t>服务升级更安全</a:t>
-            </a:r>
-            <a:endParaRPr lang="en-US" altLang="zh-CN" sz="1400" b="1" smtClean="0">
-              <a:solidFill>
-                <a:schemeClr val="accent1">
-                  <a:lumMod val="75000"/>
-                </a:schemeClr>
-              </a:solidFill>
-              <a:latin typeface="微软雅黑" panose="020B0503020204020204" pitchFamily="34" charset="-122"/>
-              <a:ea typeface="微软雅黑" panose="020B0503020204020204" pitchFamily="34" charset="-122"/>
-              <a:cs typeface="微软雅黑" panose="020B0503020204020204" pitchFamily="34" charset="-122"/>
-            </a:endParaRPr>
-          </a:p>
-          <a:p>
-            <a:pPr defTabSz="914400" fontAlgn="ctr">
-              <a:lnSpc>
-                <a:spcPts val="2100"/>
-              </a:lnSpc>
-              <a:spcBef>
-                <a:spcPts val="0"/>
-              </a:spcBef>
-              <a:spcAft>
-                <a:spcPts val="0"/>
-              </a:spcAft>
-              <a:defRPr/>
-            </a:pPr>
-            <a:r>
-              <a:rPr lang="zh-CN" sz="1400" smtClean="0">
-                <a:latin typeface="微软雅黑" panose="020B0503020204020204" pitchFamily="34" charset="-122"/>
-                <a:ea typeface="微软雅黑" panose="020B0503020204020204" pitchFamily="34" charset="-122"/>
-                <a:cs typeface="微软雅黑" panose="020B0503020204020204" pitchFamily="34" charset="-122"/>
-              </a:rPr>
-              <a:t>服务升级，代码组件优化重构</a:t>
-            </a:r>
-            <a:r>
-              <a:rPr lang="zh-CN" altLang="en-US" sz="1400" smtClean="0">
-                <a:latin typeface="微软雅黑" panose="020B0503020204020204" pitchFamily="34" charset="-122"/>
-                <a:ea typeface="微软雅黑" panose="020B0503020204020204" pitchFamily="34" charset="-122"/>
-                <a:cs typeface="微软雅黑" panose="020B0503020204020204" pitchFamily="34" charset="-122"/>
-              </a:rPr>
-              <a:t>，用户无感知，无需改造，无需切换。</a:t>
-            </a:r>
-            <a:endParaRPr lang="zh-CN" altLang="en-US" sz="1400" smtClean="0">
-              <a:latin typeface="微软雅黑" panose="020B0503020204020204" pitchFamily="34" charset="-122"/>
-              <a:ea typeface="微软雅黑" panose="020B0503020204020204" pitchFamily="34" charset="-122"/>
-              <a:cs typeface="微软雅黑" panose="020B0503020204020204" pitchFamily="34" charset="-122"/>
-            </a:endParaRPr>
-          </a:p>
-        </p:txBody>
-      </p:sp>
-    </p:spTree>
-  </p:cSld>
-  <p:clrMapOvr>
-    <a:masterClrMapping/>
-  </p:clrMapOvr>
-  <p:timing>
-    <p:tnLst>
-      <p:par>
-        <p:cTn id="1" dur="indefinite" restart="never" nodeType="tmRoot"/>
-      </p:par>
-    </p:tnLst>
-  </p:timing>
-</p:sld>
-</file>
-
-<file path=ppt/slides/slide11.xml><?xml version="1.0" encoding="utf-8"?>
-<p:sld xmlns:a="http://schemas.openxmlformats.org/drawingml/2006/main" xmlns:r="http://schemas.openxmlformats.org/officeDocument/2006/relationships" xmlns:p="http://schemas.openxmlformats.org/presentationml/2006/main">
-  <p:cSld>
-    <p:spTree>
-      <p:nvGrpSpPr>
-        <p:cNvPr id="1" name=""/>
-        <p:cNvGrpSpPr/>
-        <p:nvPr/>
-      </p:nvGrpSpPr>
-      <p:grpSpPr>
-        <a:xfrm>
-          <a:off x="0" y="0"/>
-          <a:ext cx="0" cy="0"/>
-          <a:chOff x="0" y="0"/>
-          <a:chExt cx="0" cy="0"/>
-        </a:xfrm>
-      </p:grpSpPr>
       <p:pic>
         <p:nvPicPr>
           <p:cNvPr id="4" name="图片 3"/>
@@ -13795,7 +11898,7 @@
 </p:sld>
 </file>
 
-<file path=ppt/slides/slide12.xml><?xml version="1.0" encoding="utf-8"?>
+<file path=ppt/slides/slide11.xml><?xml version="1.0" encoding="utf-8"?>
 <p:sld xmlns:a="http://schemas.openxmlformats.org/drawingml/2006/main" xmlns:r="http://schemas.openxmlformats.org/officeDocument/2006/relationships" xmlns:p="http://schemas.openxmlformats.org/presentationml/2006/main">
   <p:cSld>
     <p:spTree>
@@ -14379,6 +12482,145 @@
           </a:fontRef>
         </p:style>
       </p:cxnSp>
+      <p:sp>
+        <p:nvSpPr>
+          <p:cNvPr id="4" name="文本框 3"/>
+          <p:cNvSpPr txBox="1"/>
+          <p:nvPr/>
+        </p:nvSpPr>
+        <p:spPr>
+          <a:xfrm>
+            <a:off x="4598670" y="1179830"/>
+            <a:ext cx="1673860" cy="370840"/>
+          </a:xfrm>
+          <a:prstGeom prst="rect">
+            <a:avLst/>
+          </a:prstGeom>
+          <a:noFill/>
+        </p:spPr>
+        <p:txBody>
+          <a:bodyPr wrap="none" rtlCol="0">
+            <a:spAutoFit/>
+          </a:bodyPr>
+          <a:p>
+            <a:pPr>
+              <a:lnSpc>
+                <a:spcPct val="130000"/>
+              </a:lnSpc>
+            </a:pPr>
+            <a:r>
+              <a:rPr lang="en-US" altLang="zh-CN" sz="1400" b="1" dirty="0" smtClean="0">
+                <a:solidFill>
+                  <a:srgbClr val="C00000"/>
+                </a:solidFill>
+                <a:latin typeface="微软雅黑" panose="020B0503020204020204" pitchFamily="34" charset="-122"/>
+                <a:ea typeface="微软雅黑" panose="020B0503020204020204" pitchFamily="34" charset="-122"/>
+                <a:cs typeface="微软雅黑" panose="020B0503020204020204" pitchFamily="34" charset="-122"/>
+              </a:rPr>
+              <a:t>SISP-ADMIN</a:t>
+            </a:r>
+            <a:r>
+              <a:rPr lang="zh-CN" altLang="en-US" sz="1400" b="1" dirty="0" smtClean="0">
+                <a:solidFill>
+                  <a:srgbClr val="C00000"/>
+                </a:solidFill>
+                <a:latin typeface="微软雅黑" panose="020B0503020204020204" pitchFamily="34" charset="-122"/>
+                <a:ea typeface="微软雅黑" panose="020B0503020204020204" pitchFamily="34" charset="-122"/>
+                <a:cs typeface="微软雅黑" panose="020B0503020204020204" pitchFamily="34" charset="-122"/>
+              </a:rPr>
+              <a:t>拆分</a:t>
+            </a:r>
+            <a:endParaRPr lang="zh-CN" altLang="en-US" sz="1400" b="1" dirty="0" smtClean="0">
+              <a:solidFill>
+                <a:srgbClr val="C00000"/>
+              </a:solidFill>
+              <a:latin typeface="微软雅黑" panose="020B0503020204020204" pitchFamily="34" charset="-122"/>
+              <a:ea typeface="微软雅黑" panose="020B0503020204020204" pitchFamily="34" charset="-122"/>
+              <a:cs typeface="微软雅黑" panose="020B0503020204020204" pitchFamily="34" charset="-122"/>
+            </a:endParaRPr>
+          </a:p>
+        </p:txBody>
+      </p:sp>
+      <p:sp>
+        <p:nvSpPr>
+          <p:cNvPr id="10" name="文本框 9"/>
+          <p:cNvSpPr txBox="1"/>
+          <p:nvPr/>
+        </p:nvSpPr>
+        <p:spPr>
+          <a:xfrm>
+            <a:off x="5166360" y="2385060"/>
+            <a:ext cx="538480" cy="370840"/>
+          </a:xfrm>
+          <a:prstGeom prst="rect">
+            <a:avLst/>
+          </a:prstGeom>
+          <a:noFill/>
+        </p:spPr>
+        <p:txBody>
+          <a:bodyPr wrap="none" rtlCol="0">
+            <a:spAutoFit/>
+          </a:bodyPr>
+          <a:p>
+            <a:pPr>
+              <a:lnSpc>
+                <a:spcPct val="130000"/>
+              </a:lnSpc>
+            </a:pPr>
+            <a:r>
+              <a:rPr lang="zh-CN" altLang="en-US" sz="1400" dirty="0" smtClean="0">
+                <a:latin typeface="Arial" panose="020B0604020202020204" pitchFamily="34" charset="0"/>
+                <a:ea typeface="微软雅黑" panose="020B0503020204020204" pitchFamily="34" charset="-122"/>
+              </a:rPr>
+              <a:t>拆分</a:t>
+            </a:r>
+            <a:endParaRPr lang="zh-CN" altLang="en-US" sz="1400" dirty="0" smtClean="0">
+              <a:latin typeface="Arial" panose="020B0604020202020204" pitchFamily="34" charset="0"/>
+              <a:ea typeface="微软雅黑" panose="020B0503020204020204" pitchFamily="34" charset="-122"/>
+            </a:endParaRPr>
+          </a:p>
+        </p:txBody>
+      </p:sp>
+      <p:sp>
+        <p:nvSpPr>
+          <p:cNvPr id="12" name="文本框 11"/>
+          <p:cNvSpPr txBox="1"/>
+          <p:nvPr/>
+        </p:nvSpPr>
+        <p:spPr>
+          <a:xfrm>
+            <a:off x="5166360" y="3886200"/>
+            <a:ext cx="538480" cy="370840"/>
+          </a:xfrm>
+          <a:prstGeom prst="rect">
+            <a:avLst/>
+          </a:prstGeom>
+          <a:noFill/>
+        </p:spPr>
+        <p:txBody>
+          <a:bodyPr wrap="none" rtlCol="0">
+            <a:spAutoFit/>
+          </a:bodyPr>
+          <a:p>
+            <a:pPr>
+              <a:lnSpc>
+                <a:spcPct val="130000"/>
+              </a:lnSpc>
+            </a:pPr>
+            <a:r>
+              <a:rPr lang="zh-CN" altLang="en-US" sz="1400" dirty="0" smtClean="0">
+                <a:latin typeface="Arial" panose="020B0604020202020204" pitchFamily="34" charset="0"/>
+                <a:ea typeface="微软雅黑" panose="020B0503020204020204" pitchFamily="34" charset="-122"/>
+              </a:rPr>
+              <a:t>拆分</a:t>
+            </a:r>
+            <a:endParaRPr lang="zh-CN" altLang="en-US" sz="1400" dirty="0" smtClean="0">
+              <a:latin typeface="Arial" panose="020B0604020202020204" pitchFamily="34" charset="0"/>
+              <a:ea typeface="微软雅黑" panose="020B0503020204020204" pitchFamily="34" charset="-122"/>
+            </a:endParaRPr>
+          </a:p>
+        </p:txBody>
+      </p:sp>
     </p:spTree>
   </p:cSld>
   <p:clrMapOvr>
@@ -14387,14 +12629,427 @@
   <p:timing>
     <p:tnLst>
       <p:par>
-        <p:cTn id="1" dur="indefinite" restart="never" nodeType="tmRoot"/>
+        <p:cTn id="1" dur="indefinite" restart="never" nodeType="tmRoot">
+          <p:childTnLst>
+            <p:seq concurrent="1" nextAc="seek">
+              <p:cTn id="2" dur="indefinite" nodeType="mainSeq">
+                <p:childTnLst>
+                  <p:par>
+                    <p:cTn id="3" fill="hold">
+                      <p:stCondLst>
+                        <p:cond delay="indefinite"/>
+                      </p:stCondLst>
+                      <p:childTnLst>
+                        <p:par>
+                          <p:cTn id="4" fill="hold">
+                            <p:stCondLst>
+                              <p:cond delay="0"/>
+                            </p:stCondLst>
+                            <p:childTnLst>
+                              <p:par>
+                                <p:cTn id="5" presetID="12" presetClass="entr" presetSubtype="4" fill="hold" nodeType="clickEffect">
+                                  <p:stCondLst>
+                                    <p:cond delay="0"/>
+                                  </p:stCondLst>
+                                  <p:childTnLst>
+                                    <p:set>
+                                      <p:cBhvr>
+                                        <p:cTn id="6" dur="1" fill="hold">
+                                          <p:stCondLst>
+                                            <p:cond delay="0"/>
+                                          </p:stCondLst>
+                                        </p:cTn>
+                                        <p:tgtEl>
+                                          <p:spTgt spid="6"/>
+                                        </p:tgtEl>
+                                        <p:attrNameLst>
+                                          <p:attrName>style.visibility</p:attrName>
+                                        </p:attrNameLst>
+                                      </p:cBhvr>
+                                      <p:to>
+                                        <p:strVal val="visible"/>
+                                      </p:to>
+                                    </p:set>
+                                    <p:anim calcmode="lin" valueType="num">
+                                      <p:cBhvr additive="base">
+                                        <p:cTn id="7" dur="500"/>
+                                        <p:tgtEl>
+                                          <p:spTgt spid="6"/>
+                                        </p:tgtEl>
+                                        <p:attrNameLst>
+                                          <p:attrName>ppt_y</p:attrName>
+                                        </p:attrNameLst>
+                                      </p:cBhvr>
+                                      <p:tavLst>
+                                        <p:tav tm="0">
+                                          <p:val>
+                                            <p:strVal val="#ppt_y+#ppt_h*1.125000"/>
+                                          </p:val>
+                                        </p:tav>
+                                        <p:tav tm="100000">
+                                          <p:val>
+                                            <p:strVal val="#ppt_y"/>
+                                          </p:val>
+                                        </p:tav>
+                                      </p:tavLst>
+                                    </p:anim>
+                                    <p:animEffect transition="in" filter="wipe(up)">
+                                      <p:cBhvr>
+                                        <p:cTn id="8" dur="500"/>
+                                        <p:tgtEl>
+                                          <p:spTgt spid="6"/>
+                                        </p:tgtEl>
+                                      </p:cBhvr>
+                                    </p:animEffect>
+                                  </p:childTnLst>
+                                </p:cTn>
+                              </p:par>
+                              <p:par>
+                                <p:cTn id="9" presetID="12" presetClass="entr" presetSubtype="4" fill="hold" grpId="0" nodeType="withEffect">
+                                  <p:stCondLst>
+                                    <p:cond delay="0"/>
+                                  </p:stCondLst>
+                                  <p:childTnLst>
+                                    <p:set>
+                                      <p:cBhvr>
+                                        <p:cTn id="10" dur="1" fill="hold">
+                                          <p:stCondLst>
+                                            <p:cond delay="0"/>
+                                          </p:stCondLst>
+                                        </p:cTn>
+                                        <p:tgtEl>
+                                          <p:spTgt spid="10"/>
+                                        </p:tgtEl>
+                                        <p:attrNameLst>
+                                          <p:attrName>style.visibility</p:attrName>
+                                        </p:attrNameLst>
+                                      </p:cBhvr>
+                                      <p:to>
+                                        <p:strVal val="visible"/>
+                                      </p:to>
+                                    </p:set>
+                                    <p:anim calcmode="lin" valueType="num">
+                                      <p:cBhvr additive="base">
+                                        <p:cTn id="11" dur="500"/>
+                                        <p:tgtEl>
+                                          <p:spTgt spid="10"/>
+                                        </p:tgtEl>
+                                        <p:attrNameLst>
+                                          <p:attrName>ppt_y</p:attrName>
+                                        </p:attrNameLst>
+                                      </p:cBhvr>
+                                      <p:tavLst>
+                                        <p:tav tm="0">
+                                          <p:val>
+                                            <p:strVal val="#ppt_y+#ppt_h*1.125000"/>
+                                          </p:val>
+                                        </p:tav>
+                                        <p:tav tm="100000">
+                                          <p:val>
+                                            <p:strVal val="#ppt_y"/>
+                                          </p:val>
+                                        </p:tav>
+                                      </p:tavLst>
+                                    </p:anim>
+                                    <p:animEffect transition="in" filter="wipe(up)">
+                                      <p:cBhvr>
+                                        <p:cTn id="12" dur="500"/>
+                                        <p:tgtEl>
+                                          <p:spTgt spid="10"/>
+                                        </p:tgtEl>
+                                      </p:cBhvr>
+                                    </p:animEffect>
+                                  </p:childTnLst>
+                                </p:cTn>
+                              </p:par>
+                              <p:par>
+                                <p:cTn id="13" presetID="12" presetClass="entr" presetSubtype="4" fill="hold" grpId="0" nodeType="withEffect">
+                                  <p:stCondLst>
+                                    <p:cond delay="0"/>
+                                  </p:stCondLst>
+                                  <p:childTnLst>
+                                    <p:set>
+                                      <p:cBhvr>
+                                        <p:cTn id="14" dur="1" fill="hold">
+                                          <p:stCondLst>
+                                            <p:cond delay="0"/>
+                                          </p:stCondLst>
+                                        </p:cTn>
+                                        <p:tgtEl>
+                                          <p:spTgt spid="3"/>
+                                        </p:tgtEl>
+                                        <p:attrNameLst>
+                                          <p:attrName>style.visibility</p:attrName>
+                                        </p:attrNameLst>
+                                      </p:cBhvr>
+                                      <p:to>
+                                        <p:strVal val="visible"/>
+                                      </p:to>
+                                    </p:set>
+                                    <p:anim calcmode="lin" valueType="num">
+                                      <p:cBhvr additive="base">
+                                        <p:cTn id="15" dur="500"/>
+                                        <p:tgtEl>
+                                          <p:spTgt spid="3"/>
+                                        </p:tgtEl>
+                                        <p:attrNameLst>
+                                          <p:attrName>ppt_y</p:attrName>
+                                        </p:attrNameLst>
+                                      </p:cBhvr>
+                                      <p:tavLst>
+                                        <p:tav tm="0">
+                                          <p:val>
+                                            <p:strVal val="#ppt_y+#ppt_h*1.125000"/>
+                                          </p:val>
+                                        </p:tav>
+                                        <p:tav tm="100000">
+                                          <p:val>
+                                            <p:strVal val="#ppt_y"/>
+                                          </p:val>
+                                        </p:tav>
+                                      </p:tavLst>
+                                    </p:anim>
+                                    <p:animEffect transition="in" filter="wipe(up)">
+                                      <p:cBhvr>
+                                        <p:cTn id="16" dur="500"/>
+                                        <p:tgtEl>
+                                          <p:spTgt spid="3"/>
+                                        </p:tgtEl>
+                                      </p:cBhvr>
+                                    </p:animEffect>
+                                  </p:childTnLst>
+                                </p:cTn>
+                              </p:par>
+                            </p:childTnLst>
+                          </p:cTn>
+                        </p:par>
+                      </p:childTnLst>
+                    </p:cTn>
+                  </p:par>
+                  <p:par>
+                    <p:cTn id="17" fill="hold">
+                      <p:stCondLst>
+                        <p:cond delay="indefinite"/>
+                      </p:stCondLst>
+                      <p:childTnLst>
+                        <p:par>
+                          <p:cTn id="18" fill="hold">
+                            <p:stCondLst>
+                              <p:cond delay="0"/>
+                            </p:stCondLst>
+                            <p:childTnLst>
+                              <p:par>
+                                <p:cTn id="19" presetID="12" presetClass="entr" presetSubtype="4" fill="hold" nodeType="clickEffect">
+                                  <p:stCondLst>
+                                    <p:cond delay="0"/>
+                                  </p:stCondLst>
+                                  <p:childTnLst>
+                                    <p:set>
+                                      <p:cBhvr>
+                                        <p:cTn id="20" dur="1" fill="hold">
+                                          <p:stCondLst>
+                                            <p:cond delay="0"/>
+                                          </p:stCondLst>
+                                        </p:cTn>
+                                        <p:tgtEl>
+                                          <p:spTgt spid="11"/>
+                                        </p:tgtEl>
+                                        <p:attrNameLst>
+                                          <p:attrName>style.visibility</p:attrName>
+                                        </p:attrNameLst>
+                                      </p:cBhvr>
+                                      <p:to>
+                                        <p:strVal val="visible"/>
+                                      </p:to>
+                                    </p:set>
+                                    <p:anim calcmode="lin" valueType="num">
+                                      <p:cBhvr additive="base">
+                                        <p:cTn id="21" dur="500"/>
+                                        <p:tgtEl>
+                                          <p:spTgt spid="11"/>
+                                        </p:tgtEl>
+                                        <p:attrNameLst>
+                                          <p:attrName>ppt_y</p:attrName>
+                                        </p:attrNameLst>
+                                      </p:cBhvr>
+                                      <p:tavLst>
+                                        <p:tav tm="0">
+                                          <p:val>
+                                            <p:strVal val="#ppt_y+#ppt_h*1.125000"/>
+                                          </p:val>
+                                        </p:tav>
+                                        <p:tav tm="100000">
+                                          <p:val>
+                                            <p:strVal val="#ppt_y"/>
+                                          </p:val>
+                                        </p:tav>
+                                      </p:tavLst>
+                                    </p:anim>
+                                    <p:animEffect transition="in" filter="wipe(up)">
+                                      <p:cBhvr>
+                                        <p:cTn id="22" dur="500"/>
+                                        <p:tgtEl>
+                                          <p:spTgt spid="11"/>
+                                        </p:tgtEl>
+                                      </p:cBhvr>
+                                    </p:animEffect>
+                                  </p:childTnLst>
+                                </p:cTn>
+                              </p:par>
+                              <p:par>
+                                <p:cTn id="23" presetID="12" presetClass="entr" presetSubtype="4" fill="hold" grpId="0" nodeType="withEffect">
+                                  <p:stCondLst>
+                                    <p:cond delay="0"/>
+                                  </p:stCondLst>
+                                  <p:childTnLst>
+                                    <p:set>
+                                      <p:cBhvr>
+                                        <p:cTn id="24" dur="1" fill="hold">
+                                          <p:stCondLst>
+                                            <p:cond delay="0"/>
+                                          </p:stCondLst>
+                                        </p:cTn>
+                                        <p:tgtEl>
+                                          <p:spTgt spid="5"/>
+                                        </p:tgtEl>
+                                        <p:attrNameLst>
+                                          <p:attrName>style.visibility</p:attrName>
+                                        </p:attrNameLst>
+                                      </p:cBhvr>
+                                      <p:to>
+                                        <p:strVal val="visible"/>
+                                      </p:to>
+                                    </p:set>
+                                    <p:anim calcmode="lin" valueType="num">
+                                      <p:cBhvr additive="base">
+                                        <p:cTn id="25" dur="500"/>
+                                        <p:tgtEl>
+                                          <p:spTgt spid="5"/>
+                                        </p:tgtEl>
+                                        <p:attrNameLst>
+                                          <p:attrName>ppt_y</p:attrName>
+                                        </p:attrNameLst>
+                                      </p:cBhvr>
+                                      <p:tavLst>
+                                        <p:tav tm="0">
+                                          <p:val>
+                                            <p:strVal val="#ppt_y+#ppt_h*1.125000"/>
+                                          </p:val>
+                                        </p:tav>
+                                        <p:tav tm="100000">
+                                          <p:val>
+                                            <p:strVal val="#ppt_y"/>
+                                          </p:val>
+                                        </p:tav>
+                                      </p:tavLst>
+                                    </p:anim>
+                                    <p:animEffect transition="in" filter="wipe(up)">
+                                      <p:cBhvr>
+                                        <p:cTn id="26" dur="500"/>
+                                        <p:tgtEl>
+                                          <p:spTgt spid="5"/>
+                                        </p:tgtEl>
+                                      </p:cBhvr>
+                                    </p:animEffect>
+                                  </p:childTnLst>
+                                </p:cTn>
+                              </p:par>
+                              <p:par>
+                                <p:cTn id="27" presetID="12" presetClass="entr" presetSubtype="4" fill="hold" grpId="0" nodeType="withEffect">
+                                  <p:stCondLst>
+                                    <p:cond delay="0"/>
+                                  </p:stCondLst>
+                                  <p:childTnLst>
+                                    <p:set>
+                                      <p:cBhvr>
+                                        <p:cTn id="28" dur="1" fill="hold">
+                                          <p:stCondLst>
+                                            <p:cond delay="0"/>
+                                          </p:stCondLst>
+                                        </p:cTn>
+                                        <p:tgtEl>
+                                          <p:spTgt spid="12"/>
+                                        </p:tgtEl>
+                                        <p:attrNameLst>
+                                          <p:attrName>style.visibility</p:attrName>
+                                        </p:attrNameLst>
+                                      </p:cBhvr>
+                                      <p:to>
+                                        <p:strVal val="visible"/>
+                                      </p:to>
+                                    </p:set>
+                                    <p:anim calcmode="lin" valueType="num">
+                                      <p:cBhvr additive="base">
+                                        <p:cTn id="29" dur="500"/>
+                                        <p:tgtEl>
+                                          <p:spTgt spid="12"/>
+                                        </p:tgtEl>
+                                        <p:attrNameLst>
+                                          <p:attrName>ppt_y</p:attrName>
+                                        </p:attrNameLst>
+                                      </p:cBhvr>
+                                      <p:tavLst>
+                                        <p:tav tm="0">
+                                          <p:val>
+                                            <p:strVal val="#ppt_y+#ppt_h*1.125000"/>
+                                          </p:val>
+                                        </p:tav>
+                                        <p:tav tm="100000">
+                                          <p:val>
+                                            <p:strVal val="#ppt_y"/>
+                                          </p:val>
+                                        </p:tav>
+                                      </p:tavLst>
+                                    </p:anim>
+                                    <p:animEffect transition="in" filter="wipe(up)">
+                                      <p:cBhvr>
+                                        <p:cTn id="30" dur="500"/>
+                                        <p:tgtEl>
+                                          <p:spTgt spid="12"/>
+                                        </p:tgtEl>
+                                      </p:cBhvr>
+                                    </p:animEffect>
+                                  </p:childTnLst>
+                                </p:cTn>
+                              </p:par>
+                            </p:childTnLst>
+                          </p:cTn>
+                        </p:par>
+                      </p:childTnLst>
+                    </p:cTn>
+                  </p:par>
+                </p:childTnLst>
+              </p:cTn>
+              <p:prevCondLst>
+                <p:cond evt="onPrev" delay="0">
+                  <p:tgtEl>
+                    <p:sldTgt/>
+                  </p:tgtEl>
+                </p:cond>
+              </p:prevCondLst>
+              <p:nextCondLst>
+                <p:cond evt="onNext" delay="0">
+                  <p:tgtEl>
+                    <p:sldTgt/>
+                  </p:tgtEl>
+                </p:cond>
+              </p:nextCondLst>
+            </p:seq>
+          </p:childTnLst>
+        </p:cTn>
       </p:par>
     </p:tnLst>
+    <p:bldLst>
+      <p:bldP spid="10" grpId="0"/>
+      <p:bldP spid="3" grpId="0" animBg="1"/>
+      <p:bldP spid="5" grpId="0" animBg="1"/>
+      <p:bldP spid="12" grpId="0"/>
+    </p:bldLst>
   </p:timing>
 </p:sld>
 </file>
 
-<file path=ppt/slides/slide13.xml><?xml version="1.0" encoding="utf-8"?>
+<file path=ppt/slides/slide12.xml><?xml version="1.0" encoding="utf-8"?>
 <p:sld xmlns:a="http://schemas.openxmlformats.org/drawingml/2006/main" xmlns:r="http://schemas.openxmlformats.org/officeDocument/2006/relationships" xmlns:p="http://schemas.openxmlformats.org/presentationml/2006/main">
   <p:cSld>
     <p:spTree>
@@ -15622,6 +14277,54 @@
           </a:fontRef>
         </p:style>
       </p:cxnSp>
+      <p:sp>
+        <p:nvSpPr>
+          <p:cNvPr id="11" name="文本框 10"/>
+          <p:cNvSpPr txBox="1"/>
+          <p:nvPr/>
+        </p:nvSpPr>
+        <p:spPr>
+          <a:xfrm>
+            <a:off x="4598670" y="1179830"/>
+            <a:ext cx="1249680" cy="370840"/>
+          </a:xfrm>
+          <a:prstGeom prst="rect">
+            <a:avLst/>
+          </a:prstGeom>
+          <a:noFill/>
+        </p:spPr>
+        <p:txBody>
+          <a:bodyPr wrap="none" rtlCol="0">
+            <a:spAutoFit/>
+          </a:bodyPr>
+          <a:p>
+            <a:pPr>
+              <a:lnSpc>
+                <a:spcPct val="130000"/>
+              </a:lnSpc>
+            </a:pPr>
+            <a:r>
+              <a:rPr lang="zh-CN" sz="1400" b="1" dirty="0" smtClean="0">
+                <a:solidFill>
+                  <a:srgbClr val="C00000"/>
+                </a:solidFill>
+                <a:latin typeface="微软雅黑" panose="020B0503020204020204" pitchFamily="34" charset="-122"/>
+                <a:ea typeface="微软雅黑" panose="020B0503020204020204" pitchFamily="34" charset="-122"/>
+                <a:cs typeface="微软雅黑" panose="020B0503020204020204" pitchFamily="34" charset="-122"/>
+              </a:rPr>
+              <a:t>数据网关接入</a:t>
+            </a:r>
+            <a:endParaRPr lang="zh-CN" sz="1400" b="1" dirty="0" smtClean="0">
+              <a:solidFill>
+                <a:srgbClr val="C00000"/>
+              </a:solidFill>
+              <a:latin typeface="微软雅黑" panose="020B0503020204020204" pitchFamily="34" charset="-122"/>
+              <a:ea typeface="微软雅黑" panose="020B0503020204020204" pitchFamily="34" charset="-122"/>
+              <a:cs typeface="微软雅黑" panose="020B0503020204020204" pitchFamily="34" charset="-122"/>
+            </a:endParaRPr>
+          </a:p>
+        </p:txBody>
+      </p:sp>
     </p:spTree>
   </p:cSld>
   <p:clrMapOvr>
@@ -16591,7 +15294,7 @@
 </p:sld>
 </file>
 
-<file path=ppt/slides/slide14.xml><?xml version="1.0" encoding="utf-8"?>
+<file path=ppt/slides/slide13.xml><?xml version="1.0" encoding="utf-8"?>
 <p:sld xmlns:a="http://schemas.openxmlformats.org/drawingml/2006/main" xmlns:r="http://schemas.openxmlformats.org/officeDocument/2006/relationships" xmlns:p="http://schemas.openxmlformats.org/presentationml/2006/main">
   <p:cSld>
     <p:spTree>
@@ -17389,7 +16092,7 @@
 </p:sld>
 </file>
 
-<file path=ppt/slides/slide15.xml><?xml version="1.0" encoding="utf-8"?>
+<file path=ppt/slides/slide14.xml><?xml version="1.0" encoding="utf-8"?>
 <p:sld xmlns:a="http://schemas.openxmlformats.org/drawingml/2006/main" xmlns:r="http://schemas.openxmlformats.org/officeDocument/2006/relationships" xmlns:p="http://schemas.openxmlformats.org/presentationml/2006/main">
   <p:cSld>
     <p:spTree>
@@ -21597,7 +20300,7 @@
                 <a:ea typeface="微软雅黑" panose="020B0503020204020204" pitchFamily="34" charset="-122"/>
                 <a:cs typeface="微软雅黑" panose="020B0503020204020204" pitchFamily="34" charset="-122"/>
               </a:rPr>
-              <a:t>节约2</a:t>
+              <a:t>节约</a:t>
             </a:r>
             <a:r>
               <a:rPr lang="en-US" sz="1400" dirty="0" smtClean="0">
@@ -21608,7 +20311,7 @@
                 <a:ea typeface="微软雅黑" panose="020B0503020204020204" pitchFamily="34" charset="-122"/>
                 <a:cs typeface="微软雅黑" panose="020B0503020204020204" pitchFamily="34" charset="-122"/>
               </a:rPr>
-              <a:t>5</a:t>
+              <a:t>50</a:t>
             </a:r>
             <a:r>
               <a:rPr sz="1400" dirty="0" smtClean="0">
@@ -24453,7 +23156,7 @@
           <a:p>
             <a:pPr algn="l">
               <a:lnSpc>
-                <a:spcPct val="130000"/>
+                <a:spcPct val="160000"/>
               </a:lnSpc>
             </a:pPr>
             <a:r>
@@ -24541,7 +23244,7 @@
           <a:p>
             <a:pPr algn="l">
               <a:lnSpc>
-                <a:spcPct val="130000"/>
+                <a:spcPct val="160000"/>
               </a:lnSpc>
             </a:pPr>
             <a:r>
@@ -24689,7 +23392,7 @@
           <a:p>
             <a:pPr algn="l">
               <a:lnSpc>
-                <a:spcPct val="130000"/>
+                <a:spcPct val="160000"/>
               </a:lnSpc>
             </a:pPr>
             <a:r>
@@ -24849,7 +23552,7 @@
         </p:nvSpPr>
         <p:spPr>
           <a:xfrm>
-            <a:off x="4377055" y="3240405"/>
+            <a:off x="8331835" y="3218815"/>
             <a:ext cx="3309620" cy="2894965"/>
           </a:xfrm>
           <a:prstGeom prst="rect">
@@ -24935,7 +23638,7 @@
           <a:p>
             <a:pPr algn="l">
               <a:lnSpc>
-                <a:spcPct val="130000"/>
+                <a:spcPct val="160000"/>
               </a:lnSpc>
             </a:pPr>
             <a:r>
@@ -25119,7 +23822,7 @@
           <a:p>
             <a:pPr algn="l">
               <a:lnSpc>
-                <a:spcPct val="130000"/>
+                <a:spcPct val="160000"/>
               </a:lnSpc>
             </a:pPr>
             <a:r>
@@ -25147,7 +23850,7 @@
               <a:t>：</a:t>
             </a:r>
             <a:r>
-              <a:rPr lang="zh-CN" sz="1200" dirty="0" smtClean="0">
+              <a:rPr sz="1200" dirty="0" smtClean="0">
                 <a:solidFill>
                   <a:schemeClr val="tx1"/>
                 </a:solidFill>
@@ -25156,19 +23859,7 @@
                 <a:cs typeface="微软雅黑" panose="020B0503020204020204" pitchFamily="34" charset="-122"/>
                 <a:sym typeface="+mn-ea"/>
               </a:rPr>
-              <a:t>修改</a:t>
-            </a:r>
-            <a:r>
-              <a:rPr sz="1200" dirty="0" smtClean="0">
-                <a:solidFill>
-                  <a:schemeClr val="tx1"/>
-                </a:solidFill>
-                <a:latin typeface="微软雅黑" panose="020B0503020204020204" pitchFamily="34" charset="-122"/>
-                <a:ea typeface="微软雅黑" panose="020B0503020204020204" pitchFamily="34" charset="-122"/>
-                <a:cs typeface="微软雅黑" panose="020B0503020204020204" pitchFamily="34" charset="-122"/>
-                <a:sym typeface="+mn-ea"/>
-              </a:rPr>
-              <a:t>缓存框架，提供缓存注解。支持单线程按顺序全量加载缓存功能、懒加载功能</a:t>
+              <a:t>优化缓存框架，提供缓存注解。支持单线程按顺序全量加载缓存功能、懒加载功能</a:t>
             </a:r>
             <a:r>
               <a:rPr lang="zh-CN" sz="1200" dirty="0" smtClean="0">
@@ -25243,7 +23934,7 @@
           <a:p>
             <a:pPr algn="l">
               <a:lnSpc>
-                <a:spcPct val="130000"/>
+                <a:spcPct val="160000"/>
               </a:lnSpc>
             </a:pPr>
             <a:r>
@@ -25297,26 +23988,14 @@
             <a:r>
               <a:rPr sz="1200" dirty="0" smtClean="0">
                 <a:solidFill>
-                  <a:srgbClr val="FF0000"/>
+                  <a:schemeClr val="tx1"/>
                 </a:solidFill>
                 <a:latin typeface="微软雅黑" panose="020B0503020204020204" pitchFamily="34" charset="-122"/>
                 <a:ea typeface="微软雅黑" panose="020B0503020204020204" pitchFamily="34" charset="-122"/>
                 <a:cs typeface="微软雅黑" panose="020B0503020204020204" pitchFamily="34" charset="-122"/>
                 <a:sym typeface="+mn-ea"/>
               </a:rPr>
-              <a:t>下降76%</a:t>
-            </a:r>
-            <a:r>
-              <a:rPr sz="1200" dirty="0" smtClean="0">
-                <a:solidFill>
-                  <a:schemeClr val="tx1"/>
-                </a:solidFill>
-                <a:latin typeface="微软雅黑" panose="020B0503020204020204" pitchFamily="34" charset="-122"/>
-                <a:ea typeface="微软雅黑" panose="020B0503020204020204" pitchFamily="34" charset="-122"/>
-                <a:cs typeface="微软雅黑" panose="020B0503020204020204" pitchFamily="34" charset="-122"/>
-                <a:sym typeface="+mn-ea"/>
-              </a:rPr>
-              <a:t>。</a:t>
+              <a:t>下降76%。</a:t>
             </a:r>
             <a:endParaRPr sz="1200" b="1" dirty="0" smtClean="0">
               <a:solidFill>
@@ -25378,7 +24057,7 @@
         </p:nvSpPr>
         <p:spPr>
           <a:xfrm>
-            <a:off x="8288020" y="3240405"/>
+            <a:off x="4440555" y="3240405"/>
             <a:ext cx="3309620" cy="2894965"/>
           </a:xfrm>
           <a:prstGeom prst="rect">
@@ -25412,63 +24091,13 @@
         <p:txBody>
           <a:bodyPr rtlCol="0" anchor="ctr"/>
           <a:p>
-            <a:pPr algn="l"/>
-            <a:endParaRPr lang="zh-CN" altLang="en-US" sz="1200" dirty="0" smtClean="0">
-              <a:solidFill>
-                <a:schemeClr val="tx1"/>
-              </a:solidFill>
-              <a:latin typeface="微软雅黑" panose="020B0503020204020204" pitchFamily="34" charset="-122"/>
-              <a:ea typeface="微软雅黑" panose="020B0503020204020204" pitchFamily="34" charset="-122"/>
-            </a:endParaRPr>
-          </a:p>
-          <a:p>
-            <a:pPr algn="l"/>
-            <a:endParaRPr lang="zh-CN" altLang="en-US" sz="1200" dirty="0" smtClean="0">
-              <a:solidFill>
-                <a:schemeClr val="tx1"/>
-              </a:solidFill>
-              <a:latin typeface="微软雅黑" panose="020B0503020204020204" pitchFamily="34" charset="-122"/>
-              <a:ea typeface="微软雅黑" panose="020B0503020204020204" pitchFamily="34" charset="-122"/>
-            </a:endParaRPr>
-          </a:p>
-          <a:p>
-            <a:pPr algn="l"/>
-            <a:endParaRPr lang="zh-CN" altLang="en-US" sz="1200" dirty="0" smtClean="0">
-              <a:solidFill>
-                <a:schemeClr val="tx1"/>
-              </a:solidFill>
-              <a:latin typeface="微软雅黑" panose="020B0503020204020204" pitchFamily="34" charset="-122"/>
-              <a:ea typeface="微软雅黑" panose="020B0503020204020204" pitchFamily="34" charset="-122"/>
-            </a:endParaRPr>
-          </a:p>
-          <a:p>
-            <a:pPr algn="l"/>
-            <a:endParaRPr lang="zh-CN" altLang="en-US" sz="1200" dirty="0" smtClean="0">
-              <a:solidFill>
-                <a:schemeClr val="tx1"/>
-              </a:solidFill>
-              <a:latin typeface="微软雅黑" panose="020B0503020204020204" pitchFamily="34" charset="-122"/>
-              <a:ea typeface="微软雅黑" panose="020B0503020204020204" pitchFamily="34" charset="-122"/>
-            </a:endParaRPr>
-          </a:p>
-          <a:p>
-            <a:pPr algn="l"/>
-            <a:endParaRPr lang="zh-CN" altLang="en-US" sz="1200" dirty="0" smtClean="0">
-              <a:solidFill>
-                <a:schemeClr val="tx1"/>
-              </a:solidFill>
-              <a:latin typeface="微软雅黑" panose="020B0503020204020204" pitchFamily="34" charset="-122"/>
-              <a:ea typeface="微软雅黑" panose="020B0503020204020204" pitchFamily="34" charset="-122"/>
-            </a:endParaRPr>
-          </a:p>
-          <a:p>
-            <a:pPr>
+            <a:pPr algn="l">
               <a:lnSpc>
                 <a:spcPct val="130000"/>
               </a:lnSpc>
             </a:pPr>
             <a:r>
-              <a:rPr lang="zh-CN" sz="1200" b="1" dirty="0" smtClean="0">
+              <a:rPr sz="1200" b="1" dirty="0" smtClean="0">
                 <a:solidFill>
                   <a:schemeClr val="tx1"/>
                 </a:solidFill>
@@ -25477,10 +24106,10 @@
                 <a:cs typeface="微软雅黑" panose="020B0503020204020204" pitchFamily="34" charset="-122"/>
                 <a:sym typeface="+mn-ea"/>
               </a:rPr>
-              <a:t>问题分析：</a:t>
-            </a:r>
-            <a:r>
-              <a:rPr lang="en-US" altLang="zh-CN" sz="1200" dirty="0" smtClean="0">
+              <a:t>方案设计：</a:t>
+            </a:r>
+            <a:r>
+              <a:rPr sz="1200" dirty="0" smtClean="0">
                 <a:solidFill>
                   <a:schemeClr val="tx1"/>
                 </a:solidFill>
@@ -25489,21 +24118,9 @@
                 <a:cs typeface="微软雅黑" panose="020B0503020204020204" pitchFamily="34" charset="-122"/>
                 <a:sym typeface="+mn-ea"/>
               </a:rPr>
-              <a:t>SISP</a:t>
-            </a:r>
-            <a:r>
-              <a:rPr lang="zh-CN" altLang="en-US" sz="1200" dirty="0" smtClean="0">
-                <a:solidFill>
-                  <a:schemeClr val="tx1"/>
-                </a:solidFill>
-                <a:latin typeface="微软雅黑" panose="020B0503020204020204" pitchFamily="34" charset="-122"/>
-                <a:ea typeface="微软雅黑" panose="020B0503020204020204" pitchFamily="34" charset="-122"/>
-                <a:cs typeface="微软雅黑" panose="020B0503020204020204" pitchFamily="34" charset="-122"/>
-                <a:sym typeface="+mn-ea"/>
-              </a:rPr>
-              <a:t>提供2年内的综合查单功能，通过Elasticsearch存储条件数据、Hbase存储业务数据的方式。由于每次查询都搜索所有索引，导致查询效率低，功能稳定性差。</a:t>
-            </a:r>
-            <a:endParaRPr lang="zh-CN" altLang="en-US" sz="1200" b="1" dirty="0" smtClean="0">
+              <a:t>通过Elasticsearch存储条件数据、Hbase存储业务数据的方式，实现高效易扩展的历史数据方案。</a:t>
+            </a:r>
+            <a:endParaRPr sz="1200" dirty="0" smtClean="0">
               <a:solidFill>
                 <a:schemeClr val="tx1"/>
               </a:solidFill>
@@ -25514,13 +24131,13 @@
             </a:endParaRPr>
           </a:p>
           <a:p>
-            <a:pPr>
+            <a:pPr algn="l">
               <a:lnSpc>
                 <a:spcPct val="130000"/>
               </a:lnSpc>
             </a:pPr>
             <a:r>
-              <a:rPr lang="zh-CN" altLang="en-US" sz="1200" b="1" dirty="0" smtClean="0">
+              <a:rPr sz="1200" b="1" dirty="0" smtClean="0">
                 <a:solidFill>
                   <a:schemeClr val="tx1"/>
                 </a:solidFill>
@@ -25529,10 +24146,10 @@
                 <a:cs typeface="微软雅黑" panose="020B0503020204020204" pitchFamily="34" charset="-122"/>
                 <a:sym typeface="+mn-ea"/>
               </a:rPr>
-              <a:t>改善方案：</a:t>
-            </a:r>
-            <a:r>
-              <a:rPr lang="zh-CN" altLang="en-US" sz="1200" dirty="0" smtClean="0">
+              <a:t>数据同步：</a:t>
+            </a:r>
+            <a:r>
+              <a:rPr sz="1200" dirty="0" smtClean="0">
                 <a:solidFill>
                   <a:schemeClr val="tx1"/>
                 </a:solidFill>
@@ -25541,9 +24158,9 @@
                 <a:cs typeface="微软雅黑" panose="020B0503020204020204" pitchFamily="34" charset="-122"/>
                 <a:sym typeface="+mn-ea"/>
               </a:rPr>
-              <a:t>根据查询开始时间和结束时间构建索引分区查询条件，减少其他索引搜索；导出功能异步化。</a:t>
-            </a:r>
-            <a:endParaRPr lang="zh-CN" altLang="en-US" sz="1200" dirty="0" smtClean="0">
+              <a:t>HIVE库运单数据，通过ETL将索引数据同步到ES，业务数据同步Hbase。</a:t>
+            </a:r>
+            <a:endParaRPr sz="1200" dirty="0" smtClean="0">
               <a:solidFill>
                 <a:schemeClr val="tx1"/>
               </a:solidFill>
@@ -25554,13 +24171,13 @@
             </a:endParaRPr>
           </a:p>
           <a:p>
-            <a:pPr>
+            <a:pPr algn="l">
               <a:lnSpc>
                 <a:spcPct val="130000"/>
               </a:lnSpc>
             </a:pPr>
             <a:r>
-              <a:rPr lang="zh-CN" sz="1200" b="1" dirty="0" smtClean="0">
+              <a:rPr sz="1200" b="1" dirty="0" smtClean="0">
                 <a:solidFill>
                   <a:schemeClr val="tx1"/>
                 </a:solidFill>
@@ -25569,10 +24186,10 @@
                 <a:cs typeface="微软雅黑" panose="020B0503020204020204" pitchFamily="34" charset="-122"/>
                 <a:sym typeface="+mn-ea"/>
               </a:rPr>
-              <a:t>结果</a:t>
-            </a:r>
-            <a:r>
-              <a:rPr lang="en-US" altLang="zh-CN" sz="1200" b="1" dirty="0" smtClean="0">
+              <a:t>代码实现：</a:t>
+            </a:r>
+            <a:r>
+              <a:rPr sz="1200" dirty="0" smtClean="0">
                 <a:solidFill>
                   <a:schemeClr val="tx1"/>
                 </a:solidFill>
@@ -25581,152 +24198,56 @@
                 <a:cs typeface="微软雅黑" panose="020B0503020204020204" pitchFamily="34" charset="-122"/>
                 <a:sym typeface="+mn-ea"/>
               </a:rPr>
-              <a:t>/</a:t>
-            </a:r>
-            <a:r>
-              <a:rPr lang="zh-CN" altLang="en-US" sz="1200" b="1" dirty="0" smtClean="0">
-                <a:solidFill>
-                  <a:schemeClr val="tx1"/>
-                </a:solidFill>
-                <a:latin typeface="微软雅黑" panose="020B0503020204020204" pitchFamily="34" charset="-122"/>
-                <a:ea typeface="微软雅黑" panose="020B0503020204020204" pitchFamily="34" charset="-122"/>
-                <a:cs typeface="微软雅黑" panose="020B0503020204020204" pitchFamily="34" charset="-122"/>
-                <a:sym typeface="+mn-ea"/>
-              </a:rPr>
-              <a:t>影响：</a:t>
-            </a:r>
-            <a:r>
-              <a:rPr lang="zh-CN" altLang="en-US" sz="1200" dirty="0" smtClean="0">
-                <a:solidFill>
-                  <a:schemeClr val="tx1"/>
-                </a:solidFill>
-                <a:latin typeface="微软雅黑" panose="020B0503020204020204" pitchFamily="34" charset="-122"/>
-                <a:ea typeface="微软雅黑" panose="020B0503020204020204" pitchFamily="34" charset="-122"/>
-                <a:cs typeface="微软雅黑" panose="020B0503020204020204" pitchFamily="34" charset="-122"/>
-                <a:sym typeface="+mn-ea"/>
-              </a:rPr>
-              <a:t>历史查单功能稳定，失败率从</a:t>
-            </a:r>
-            <a:r>
-              <a:rPr lang="en-US" altLang="zh-CN" sz="1200" dirty="0" smtClean="0">
-                <a:solidFill>
-                  <a:schemeClr val="tx1"/>
-                </a:solidFill>
-                <a:latin typeface="微软雅黑" panose="020B0503020204020204" pitchFamily="34" charset="-122"/>
-                <a:ea typeface="微软雅黑" panose="020B0503020204020204" pitchFamily="34" charset="-122"/>
-                <a:cs typeface="微软雅黑" panose="020B0503020204020204" pitchFamily="34" charset="-122"/>
-                <a:sym typeface="+mn-ea"/>
-              </a:rPr>
-              <a:t>19%</a:t>
-            </a:r>
-            <a:r>
-              <a:rPr lang="zh-CN" altLang="en-US" sz="1200" dirty="0" smtClean="0">
-                <a:solidFill>
-                  <a:schemeClr val="tx1"/>
-                </a:solidFill>
-                <a:latin typeface="微软雅黑" panose="020B0503020204020204" pitchFamily="34" charset="-122"/>
-                <a:ea typeface="微软雅黑" panose="020B0503020204020204" pitchFamily="34" charset="-122"/>
-                <a:cs typeface="微软雅黑" panose="020B0503020204020204" pitchFamily="34" charset="-122"/>
-                <a:sym typeface="+mn-ea"/>
-              </a:rPr>
-              <a:t>降低至</a:t>
-            </a:r>
-            <a:r>
-              <a:rPr lang="en-US" altLang="zh-CN" sz="1200" dirty="0" smtClean="0">
-                <a:solidFill>
-                  <a:schemeClr val="tx1"/>
-                </a:solidFill>
-                <a:latin typeface="微软雅黑" panose="020B0503020204020204" pitchFamily="34" charset="-122"/>
-                <a:ea typeface="微软雅黑" panose="020B0503020204020204" pitchFamily="34" charset="-122"/>
-                <a:cs typeface="微软雅黑" panose="020B0503020204020204" pitchFamily="34" charset="-122"/>
-                <a:sym typeface="+mn-ea"/>
-              </a:rPr>
-              <a:t>2%</a:t>
-            </a:r>
-            <a:r>
-              <a:rPr lang="zh-CN" altLang="en-US" sz="1200" dirty="0" smtClean="0">
-                <a:solidFill>
-                  <a:schemeClr val="tx1"/>
-                </a:solidFill>
-                <a:latin typeface="微软雅黑" panose="020B0503020204020204" pitchFamily="34" charset="-122"/>
-                <a:ea typeface="微软雅黑" panose="020B0503020204020204" pitchFamily="34" charset="-122"/>
-                <a:cs typeface="微软雅黑" panose="020B0503020204020204" pitchFamily="34" charset="-122"/>
-                <a:sym typeface="+mn-ea"/>
-              </a:rPr>
-              <a:t>，</a:t>
-            </a:r>
-            <a:r>
-              <a:rPr lang="zh-CN" altLang="en-US" sz="1200" dirty="0" smtClean="0">
-                <a:solidFill>
-                  <a:srgbClr val="FF0000"/>
-                </a:solidFill>
-                <a:latin typeface="微软雅黑" panose="020B0503020204020204" pitchFamily="34" charset="-122"/>
-                <a:ea typeface="微软雅黑" panose="020B0503020204020204" pitchFamily="34" charset="-122"/>
-                <a:cs typeface="微软雅黑" panose="020B0503020204020204" pitchFamily="34" charset="-122"/>
-                <a:sym typeface="+mn-ea"/>
-              </a:rPr>
-              <a:t>下降</a:t>
-            </a:r>
-            <a:r>
-              <a:rPr lang="en-US" altLang="zh-CN" sz="1200" dirty="0" smtClean="0">
-                <a:solidFill>
-                  <a:srgbClr val="FF0000"/>
-                </a:solidFill>
-                <a:latin typeface="微软雅黑" panose="020B0503020204020204" pitchFamily="34" charset="-122"/>
-                <a:ea typeface="微软雅黑" panose="020B0503020204020204" pitchFamily="34" charset="-122"/>
-                <a:cs typeface="微软雅黑" panose="020B0503020204020204" pitchFamily="34" charset="-122"/>
-                <a:sym typeface="+mn-ea"/>
-              </a:rPr>
-              <a:t>17%</a:t>
-            </a:r>
-            <a:r>
-              <a:rPr lang="zh-CN" altLang="en-US" sz="1200" dirty="0" smtClean="0">
-                <a:solidFill>
-                  <a:schemeClr val="tx1"/>
-                </a:solidFill>
-                <a:latin typeface="微软雅黑" panose="020B0503020204020204" pitchFamily="34" charset="-122"/>
-                <a:ea typeface="微软雅黑" panose="020B0503020204020204" pitchFamily="34" charset="-122"/>
-                <a:cs typeface="微软雅黑" panose="020B0503020204020204" pitchFamily="34" charset="-122"/>
-                <a:sym typeface="+mn-ea"/>
-              </a:rPr>
-              <a:t>。</a:t>
-            </a:r>
-            <a:endParaRPr lang="zh-CN" altLang="en-US" sz="1200" dirty="0" smtClean="0">
+              <a:t>①通过运单号查询历史数据，则直接查询Hbase获取。②非运单号查询（月结卡号、收寄件电话号等）则先查询ES获取对应的运单号，再查询Hbase获取数据。</a:t>
+            </a:r>
+            <a:endParaRPr sz="1200" dirty="0" smtClean="0">
               <a:solidFill>
                 <a:schemeClr val="tx1"/>
               </a:solidFill>
               <a:latin typeface="微软雅黑" panose="020B0503020204020204" pitchFamily="34" charset="-122"/>
               <a:ea typeface="微软雅黑" panose="020B0503020204020204" pitchFamily="34" charset="-122"/>
-            </a:endParaRPr>
-          </a:p>
-          <a:p>
-            <a:pPr algn="l"/>
-            <a:endParaRPr lang="zh-CN" altLang="en-US" sz="1200" dirty="0" smtClean="0">
+              <a:cs typeface="微软雅黑" panose="020B0503020204020204" pitchFamily="34" charset="-122"/>
+              <a:sym typeface="+mn-ea"/>
+            </a:endParaRPr>
+          </a:p>
+          <a:p>
+            <a:pPr algn="l">
+              <a:lnSpc>
+                <a:spcPct val="130000"/>
+              </a:lnSpc>
+            </a:pPr>
+            <a:r>
+              <a:rPr sz="1200" b="1" dirty="0" smtClean="0">
+                <a:solidFill>
+                  <a:schemeClr val="tx1"/>
+                </a:solidFill>
+                <a:latin typeface="微软雅黑" panose="020B0503020204020204" pitchFamily="34" charset="-122"/>
+                <a:ea typeface="微软雅黑" panose="020B0503020204020204" pitchFamily="34" charset="-122"/>
+                <a:cs typeface="微软雅黑" panose="020B0503020204020204" pitchFamily="34" charset="-122"/>
+                <a:sym typeface="+mn-ea"/>
+              </a:rPr>
+              <a:t>结果/影响：</a:t>
+            </a:r>
+            <a:r>
+              <a:rPr sz="1200" dirty="0" smtClean="0">
+                <a:solidFill>
+                  <a:schemeClr val="tx1"/>
+                </a:solidFill>
+                <a:latin typeface="微软雅黑" panose="020B0503020204020204" pitchFamily="34" charset="-122"/>
+                <a:ea typeface="微软雅黑" panose="020B0503020204020204" pitchFamily="34" charset="-122"/>
+                <a:cs typeface="微软雅黑" panose="020B0503020204020204" pitchFamily="34" charset="-122"/>
+                <a:sym typeface="+mn-ea"/>
+              </a:rPr>
+              <a:t>支持多条件的历史查单功能，丰富用户查单</a:t>
+            </a:r>
+            <a:endParaRPr sz="1200" dirty="0" smtClean="0">
               <a:solidFill>
                 <a:schemeClr val="tx1"/>
               </a:solidFill>
               <a:latin typeface="微软雅黑" panose="020B0503020204020204" pitchFamily="34" charset="-122"/>
               <a:ea typeface="微软雅黑" panose="020B0503020204020204" pitchFamily="34" charset="-122"/>
-            </a:endParaRPr>
-          </a:p>
-          <a:p>
-            <a:pPr algn="l"/>
-            <a:endParaRPr lang="zh-CN" altLang="en-US" sz="1200" dirty="0" smtClean="0">
-              <a:solidFill>
-                <a:schemeClr val="tx1"/>
-              </a:solidFill>
-              <a:latin typeface="微软雅黑" panose="020B0503020204020204" pitchFamily="34" charset="-122"/>
-              <a:ea typeface="微软雅黑" panose="020B0503020204020204" pitchFamily="34" charset="-122"/>
-            </a:endParaRPr>
-          </a:p>
-          <a:p>
-            <a:pPr algn="l"/>
-            <a:endParaRPr lang="zh-CN" altLang="en-US" sz="1200" dirty="0" smtClean="0">
-              <a:solidFill>
-                <a:schemeClr val="tx1"/>
-              </a:solidFill>
-              <a:latin typeface="微软雅黑" panose="020B0503020204020204" pitchFamily="34" charset="-122"/>
-              <a:ea typeface="微软雅黑" panose="020B0503020204020204" pitchFamily="34" charset="-122"/>
+              <a:cs typeface="微软雅黑" panose="020B0503020204020204" pitchFamily="34" charset="-122"/>
+              <a:sym typeface="+mn-ea"/>
             </a:endParaRPr>
           </a:p>
         </p:txBody>
@@ -25816,7 +24337,7 @@
         </p:nvSpPr>
         <p:spPr>
           <a:xfrm>
-            <a:off x="4377055" y="2696845"/>
+            <a:off x="8331835" y="2675255"/>
             <a:ext cx="3308350" cy="543560"/>
           </a:xfrm>
           <a:prstGeom prst="rect">
@@ -25883,7 +24404,7 @@
         </p:nvSpPr>
         <p:spPr>
           <a:xfrm>
-            <a:off x="8289290" y="2696845"/>
+            <a:off x="4441825" y="2696845"/>
             <a:ext cx="3308350" cy="543560"/>
           </a:xfrm>
           <a:prstGeom prst="rect">
@@ -25926,7 +24447,7 @@
                 <a:cs typeface="微软雅黑" panose="020B0503020204020204" pitchFamily="34" charset="-122"/>
                 <a:sym typeface="+mn-ea"/>
               </a:rPr>
-              <a:t>历史查单优化</a:t>
+              <a:t>历史综合查单</a:t>
             </a:r>
             <a:endParaRPr lang="zh-CN" altLang="en-US" sz="1400" b="1" dirty="0" smtClean="0">
               <a:solidFill>
@@ -26729,7 +25250,7 @@
                 <a:cs typeface="微软雅黑" panose="020B0503020204020204" pitchFamily="34" charset="-122"/>
                 <a:sym typeface="+mn-ea"/>
               </a:rPr>
-              <a:t>2</a:t>
+              <a:t>3</a:t>
             </a:r>
             <a:r>
               <a:rPr lang="en-US" altLang="zh-CN" sz="2800" b="1" kern="4000" spc="300" dirty="0" smtClean="0">
@@ -26752,40 +25273,26 @@
               <a:t>丨</a:t>
             </a:r>
             <a:r>
-              <a:rPr lang="zh-CN" altLang="en-US" sz="2800" b="1" kern="4000" spc="300" dirty="0" smtClean="0">
+              <a:rPr lang="zh-CN" altLang="en-US" sz="2800" b="1" kern="4000" spc="300" dirty="0">
                 <a:solidFill>
                   <a:srgbClr val="C00000"/>
                 </a:solidFill>
                 <a:latin typeface="微软雅黑" panose="020B0503020204020204" pitchFamily="34" charset="-122"/>
                 <a:ea typeface="微软雅黑" panose="020B0503020204020204" pitchFamily="34" charset="-122"/>
                 <a:cs typeface="微软雅黑" panose="020B0503020204020204" pitchFamily="34" charset="-122"/>
-                <a:sym typeface="+mn-ea"/>
-              </a:rPr>
-              <a:t>开发框架</a:t>
-            </a:r>
-            <a:r>
-              <a:rPr lang="en-US" altLang="zh-CN" sz="2800" b="1" kern="4000" spc="300" dirty="0" smtClean="0">
+              </a:rPr>
+              <a:t>架构</a:t>
+            </a:r>
+            <a:r>
+              <a:rPr lang="zh-CN" sz="2800" b="1" kern="4000" spc="300" dirty="0" smtClean="0">
                 <a:solidFill>
                   <a:srgbClr val="C00000"/>
                 </a:solidFill>
                 <a:latin typeface="微软雅黑" panose="020B0503020204020204" pitchFamily="34" charset="-122"/>
                 <a:ea typeface="微软雅黑" panose="020B0503020204020204" pitchFamily="34" charset="-122"/>
                 <a:cs typeface="微软雅黑" panose="020B0503020204020204" pitchFamily="34" charset="-122"/>
-                <a:sym typeface="+mn-ea"/>
-              </a:rPr>
-              <a:t> </a:t>
-            </a:r>
-            <a:r>
-              <a:rPr lang="zh-CN" altLang="en-US" sz="2800" b="1" kern="4000" spc="300" dirty="0" smtClean="0">
-                <a:solidFill>
-                  <a:srgbClr val="C00000"/>
-                </a:solidFill>
-                <a:latin typeface="微软雅黑" panose="020B0503020204020204" pitchFamily="34" charset="-122"/>
-                <a:ea typeface="微软雅黑" panose="020B0503020204020204" pitchFamily="34" charset="-122"/>
-                <a:cs typeface="微软雅黑" panose="020B0503020204020204" pitchFamily="34" charset="-122"/>
-                <a:sym typeface="+mn-ea"/>
-              </a:rPr>
-              <a:t>数据库与中间能力</a:t>
+              </a:rPr>
+              <a:t>能力</a:t>
             </a:r>
             <a:endParaRPr lang="zh-CN" sz="2800" b="1" kern="4000" spc="300" dirty="0" smtClean="0">
               <a:solidFill>
@@ -26798,55 +25305,1479 @@
           </a:p>
         </p:txBody>
       </p:sp>
-      <p:pic>
-        <p:nvPicPr>
-          <p:cNvPr id="4" name="图片 3" descr="CPU监控2"/>
-          <p:cNvPicPr>
-            <a:picLocks noChangeAspect="1"/>
-          </p:cNvPicPr>
+      <p:sp>
+        <p:nvSpPr>
+          <p:cNvPr id="6" name="矩形 5"/>
+          <p:cNvSpPr/>
           <p:nvPr/>
-        </p:nvPicPr>
-        <p:blipFill>
-          <a:blip r:embed="rId1"/>
-          <a:srcRect l="4868" t="2978" r="2993" b="6667"/>
-          <a:stretch>
-            <a:fillRect/>
-          </a:stretch>
-        </p:blipFill>
+        </p:nvSpPr>
         <p:spPr>
           <a:xfrm>
-            <a:off x="807085" y="1260475"/>
-            <a:ext cx="4759325" cy="2504440"/>
+            <a:off x="296545" y="864235"/>
+            <a:ext cx="11558270" cy="1065530"/>
           </a:xfrm>
           <a:prstGeom prst="rect">
             <a:avLst/>
           </a:prstGeom>
+          <a:ln w="12700">
+            <a:solidFill>
+              <a:srgbClr val="C00000"/>
+            </a:solidFill>
+          </a:ln>
         </p:spPr>
-      </p:pic>
-      <p:pic>
-        <p:nvPicPr>
-          <p:cNvPr id="13" name="图片 12"/>
-          <p:cNvPicPr>
-            <a:picLocks noChangeAspect="1"/>
-          </p:cNvPicPr>
+        <p:txBody>
+          <a:bodyPr wrap="square">
+            <a:spAutoFit/>
+          </a:bodyPr>
+          <a:p>
+            <a:pPr defTabSz="914400" fontAlgn="ctr">
+              <a:lnSpc>
+                <a:spcPts val="1900"/>
+              </a:lnSpc>
+              <a:spcBef>
+                <a:spcPts val="0"/>
+              </a:spcBef>
+              <a:spcAft>
+                <a:spcPts val="0"/>
+              </a:spcAft>
+              <a:defRPr/>
+            </a:pPr>
+            <a:r>
+              <a:rPr lang="zh-CN" altLang="en-US" sz="1400" b="1">
+                <a:solidFill>
+                  <a:srgbClr val="C00000"/>
+                </a:solidFill>
+                <a:latin typeface="微软雅黑" panose="020B0503020204020204" pitchFamily="34" charset="-122"/>
+                <a:ea typeface="微软雅黑" panose="020B0503020204020204" pitchFamily="34" charset="-122"/>
+                <a:sym typeface="+mn-ea"/>
+              </a:rPr>
+              <a:t>情</a:t>
+            </a:r>
+            <a:r>
+              <a:rPr lang="zh-CN" altLang="en-US" sz="1400" b="1" smtClean="0">
+                <a:solidFill>
+                  <a:srgbClr val="C00000"/>
+                </a:solidFill>
+                <a:latin typeface="微软雅黑" panose="020B0503020204020204" pitchFamily="34" charset="-122"/>
+                <a:ea typeface="微软雅黑" panose="020B0503020204020204" pitchFamily="34" charset="-122"/>
+                <a:sym typeface="+mn-ea"/>
+              </a:rPr>
+              <a:t>景</a:t>
+            </a:r>
+            <a:r>
+              <a:rPr lang="zh-CN" altLang="en-US" sz="1400" b="1">
+                <a:solidFill>
+                  <a:srgbClr val="C00000"/>
+                </a:solidFill>
+                <a:latin typeface="微软雅黑" panose="020B0503020204020204" pitchFamily="34" charset="-122"/>
+                <a:ea typeface="微软雅黑" panose="020B0503020204020204" pitchFamily="34" charset="-122"/>
+                <a:sym typeface="+mn-ea"/>
+              </a:rPr>
+              <a:t>：</a:t>
+            </a:r>
+            <a:r>
+              <a:rPr sz="1400" smtClean="0">
+                <a:latin typeface="微软雅黑" panose="020B0503020204020204" pitchFamily="34" charset="-122"/>
+                <a:ea typeface="微软雅黑" panose="020B0503020204020204" pitchFamily="34" charset="-122"/>
+                <a:cs typeface="微软雅黑" panose="020B0503020204020204" pitchFamily="34" charset="-122"/>
+                <a:sym typeface="+mn-ea"/>
+              </a:rPr>
+              <a:t>SISP（快件信息化服务平台）</a:t>
+            </a:r>
+            <a:r>
+              <a:rPr lang="zh-CN" altLang="en-US" sz="1400" smtClean="0">
+                <a:latin typeface="微软雅黑" panose="020B0503020204020204" pitchFamily="34" charset="-122"/>
+                <a:ea typeface="微软雅黑" panose="020B0503020204020204" pitchFamily="34" charset="-122"/>
+                <a:cs typeface="微软雅黑" panose="020B0503020204020204" pitchFamily="34" charset="-122"/>
+                <a:sym typeface="+mn-ea"/>
+              </a:rPr>
+              <a:t>提供KAFKA路由翻译推送服务、（运单、路由、图片、备注等）接口服务（</a:t>
+            </a:r>
+            <a:r>
+              <a:rPr lang="en-US" altLang="zh-CN" sz="1400" smtClean="0">
+                <a:solidFill>
+                  <a:srgbClr val="FF0000"/>
+                </a:solidFill>
+                <a:latin typeface="微软雅黑" panose="020B0503020204020204" pitchFamily="34" charset="-122"/>
+                <a:ea typeface="微软雅黑" panose="020B0503020204020204" pitchFamily="34" charset="-122"/>
+                <a:cs typeface="微软雅黑" panose="020B0503020204020204" pitchFamily="34" charset="-122"/>
+                <a:sym typeface="+mn-ea"/>
+              </a:rPr>
+              <a:t>30000tps</a:t>
+            </a:r>
+            <a:r>
+              <a:rPr lang="zh-CN" altLang="en-US" sz="1400" smtClean="0">
+                <a:latin typeface="微软雅黑" panose="020B0503020204020204" pitchFamily="34" charset="-122"/>
+                <a:ea typeface="微软雅黑" panose="020B0503020204020204" pitchFamily="34" charset="-122"/>
+                <a:cs typeface="微软雅黑" panose="020B0503020204020204" pitchFamily="34" charset="-122"/>
+                <a:sym typeface="+mn-ea"/>
+              </a:rPr>
+              <a:t>），并有内网</a:t>
+            </a:r>
+            <a:r>
+              <a:rPr lang="en-US" altLang="zh-CN" sz="1400" smtClean="0">
+                <a:solidFill>
+                  <a:srgbClr val="FF0000"/>
+                </a:solidFill>
+                <a:latin typeface="微软雅黑" panose="020B0503020204020204" pitchFamily="34" charset="-122"/>
+                <a:ea typeface="微软雅黑" panose="020B0503020204020204" pitchFamily="34" charset="-122"/>
+                <a:cs typeface="微软雅黑" panose="020B0503020204020204" pitchFamily="34" charset="-122"/>
+                <a:sym typeface="+mn-ea"/>
+              </a:rPr>
+              <a:t>40</a:t>
+            </a:r>
+            <a:r>
+              <a:rPr lang="zh-CN" altLang="en-US" sz="1400" smtClean="0">
+                <a:solidFill>
+                  <a:srgbClr val="FF0000"/>
+                </a:solidFill>
+                <a:latin typeface="微软雅黑" panose="020B0503020204020204" pitchFamily="34" charset="-122"/>
+                <a:ea typeface="微软雅黑" panose="020B0503020204020204" pitchFamily="34" charset="-122"/>
+                <a:cs typeface="微软雅黑" panose="020B0503020204020204" pitchFamily="34" charset="-122"/>
+                <a:sym typeface="+mn-ea"/>
+              </a:rPr>
+              <a:t>万</a:t>
+            </a:r>
+            <a:r>
+              <a:rPr lang="zh-CN" altLang="en-US" sz="1400" smtClean="0">
+                <a:latin typeface="微软雅黑" panose="020B0503020204020204" pitchFamily="34" charset="-122"/>
+                <a:ea typeface="微软雅黑" panose="020B0503020204020204" pitchFamily="34" charset="-122"/>
+                <a:cs typeface="微软雅黑" panose="020B0503020204020204" pitchFamily="34" charset="-122"/>
+                <a:sym typeface="+mn-ea"/>
+              </a:rPr>
+              <a:t>用户的核心查询服务系统的WEB界面。</a:t>
+            </a:r>
+            <a:endParaRPr lang="zh-CN" altLang="en-US" sz="1400" smtClean="0">
+              <a:latin typeface="微软雅黑" panose="020B0503020204020204" pitchFamily="34" charset="-122"/>
+              <a:ea typeface="微软雅黑" panose="020B0503020204020204" pitchFamily="34" charset="-122"/>
+              <a:cs typeface="微软雅黑" panose="020B0503020204020204" pitchFamily="34" charset="-122"/>
+              <a:sym typeface="+mn-ea"/>
+            </a:endParaRPr>
+          </a:p>
+          <a:p>
+            <a:pPr defTabSz="914400" fontAlgn="ctr">
+              <a:lnSpc>
+                <a:spcPts val="1900"/>
+              </a:lnSpc>
+              <a:spcBef>
+                <a:spcPts val="0"/>
+              </a:spcBef>
+              <a:spcAft>
+                <a:spcPts val="0"/>
+              </a:spcAft>
+              <a:defRPr/>
+            </a:pPr>
+            <a:r>
+              <a:rPr lang="zh-CN" altLang="en-US" sz="1400" b="1">
+                <a:solidFill>
+                  <a:srgbClr val="C00000"/>
+                </a:solidFill>
+                <a:latin typeface="微软雅黑" panose="020B0503020204020204" pitchFamily="34" charset="-122"/>
+                <a:ea typeface="微软雅黑" panose="020B0503020204020204" pitchFamily="34" charset="-122"/>
+                <a:sym typeface="+mn-ea"/>
+              </a:rPr>
+              <a:t>困扰</a:t>
+            </a:r>
+            <a:r>
+              <a:rPr lang="zh-CN" altLang="en-US" sz="1400" smtClean="0">
+                <a:latin typeface="微软雅黑" panose="020B0503020204020204" pitchFamily="34" charset="-122"/>
+                <a:ea typeface="微软雅黑" panose="020B0503020204020204" pitchFamily="34" charset="-122"/>
+                <a:cs typeface="微软雅黑" panose="020B0503020204020204" pitchFamily="34" charset="-122"/>
+                <a:sym typeface="+mn-ea"/>
+              </a:rPr>
+              <a:t>：版本发布只能在深夜；业务功能无法提供试点验证；功能验证、异常版本回滚非常繁琐、复杂和耗时。</a:t>
+            </a:r>
+            <a:endParaRPr lang="zh-CN" altLang="en-US" sz="1400" smtClean="0">
+              <a:latin typeface="微软雅黑" panose="020B0503020204020204" pitchFamily="34" charset="-122"/>
+              <a:ea typeface="微软雅黑" panose="020B0503020204020204" pitchFamily="34" charset="-122"/>
+              <a:cs typeface="微软雅黑" panose="020B0503020204020204" pitchFamily="34" charset="-122"/>
+            </a:endParaRPr>
+          </a:p>
+          <a:p>
+            <a:pPr defTabSz="914400" fontAlgn="ctr">
+              <a:lnSpc>
+                <a:spcPts val="1900"/>
+              </a:lnSpc>
+              <a:spcBef>
+                <a:spcPts val="0"/>
+              </a:spcBef>
+              <a:spcAft>
+                <a:spcPts val="0"/>
+              </a:spcAft>
+              <a:defRPr/>
+            </a:pPr>
+            <a:r>
+              <a:rPr lang="zh-CN" altLang="en-US" sz="1400" b="1">
+                <a:solidFill>
+                  <a:srgbClr val="C00000"/>
+                </a:solidFill>
+                <a:latin typeface="微软雅黑" panose="020B0503020204020204" pitchFamily="34" charset="-122"/>
+                <a:ea typeface="微软雅黑" panose="020B0503020204020204" pitchFamily="34" charset="-122"/>
+                <a:sym typeface="+mn-ea"/>
+              </a:rPr>
+              <a:t>任务：</a:t>
+            </a:r>
+            <a:r>
+              <a:rPr lang="zh-CN" altLang="en-US" sz="1400">
+                <a:latin typeface="微软雅黑" panose="020B0503020204020204" pitchFamily="34" charset="-122"/>
+                <a:ea typeface="微软雅黑" panose="020B0503020204020204" pitchFamily="34" charset="-122"/>
+                <a:sym typeface="+mn-ea"/>
+              </a:rPr>
+              <a:t>让</a:t>
+            </a:r>
+            <a:r>
+              <a:rPr lang="zh-CN" altLang="en-US" sz="1400" smtClean="0">
+                <a:latin typeface="微软雅黑" panose="020B0503020204020204" pitchFamily="34" charset="-122"/>
+                <a:ea typeface="微软雅黑" panose="020B0503020204020204" pitchFamily="34" charset="-122"/>
+                <a:cs typeface="微软雅黑" panose="020B0503020204020204" pitchFamily="34" charset="-122"/>
+                <a:sym typeface="+mn-ea"/>
+              </a:rPr>
+              <a:t>快件信息化服务平台</a:t>
+            </a:r>
+            <a:r>
+              <a:rPr lang="zh-CN" altLang="en-US" sz="1400">
+                <a:latin typeface="微软雅黑" panose="020B0503020204020204" pitchFamily="34" charset="-122"/>
+                <a:ea typeface="微软雅黑" panose="020B0503020204020204" pitchFamily="34" charset="-122"/>
+                <a:sym typeface="+mn-ea"/>
+              </a:rPr>
+              <a:t>KAFKA、REST服务和WEB界面支持灰度，并支持不同应用不同粒度的进行试点验证。</a:t>
+            </a:r>
+            <a:endParaRPr lang="zh-CN" altLang="en-US" sz="1400">
+              <a:latin typeface="微软雅黑" panose="020B0503020204020204" pitchFamily="34" charset="-122"/>
+              <a:ea typeface="微软雅黑" panose="020B0503020204020204" pitchFamily="34" charset="-122"/>
+            </a:endParaRPr>
+          </a:p>
+        </p:txBody>
+      </p:sp>
+      <p:sp>
+        <p:nvSpPr>
+          <p:cNvPr id="10" name="矩形 9"/>
+          <p:cNvSpPr/>
           <p:nvPr/>
-        </p:nvPicPr>
-        <p:blipFill>
-          <a:blip r:embed="rId2"/>
-          <a:stretch>
-            <a:fillRect/>
-          </a:stretch>
-        </p:blipFill>
+        </p:nvSpPr>
         <p:spPr>
           <a:xfrm>
-            <a:off x="6031230" y="1378585"/>
-            <a:ext cx="4968240" cy="2267585"/>
+            <a:off x="304165" y="2005330"/>
+            <a:ext cx="7547610" cy="4788000"/>
           </a:xfrm>
           <a:prstGeom prst="rect">
             <a:avLst/>
           </a:prstGeom>
+          <a:ln w="12700">
+            <a:solidFill>
+              <a:srgbClr val="C00000"/>
+            </a:solidFill>
+          </a:ln>
         </p:spPr>
-      </p:pic>
+        <p:txBody>
+          <a:bodyPr wrap="square">
+            <a:spAutoFit/>
+          </a:bodyPr>
+          <a:p>
+            <a:pPr defTabSz="914400" fontAlgn="ctr">
+              <a:lnSpc>
+                <a:spcPct val="150000"/>
+              </a:lnSpc>
+              <a:spcBef>
+                <a:spcPts val="0"/>
+              </a:spcBef>
+              <a:spcAft>
+                <a:spcPts val="0"/>
+              </a:spcAft>
+              <a:tabLst>
+                <a:tab pos="0" algn="l"/>
+              </a:tabLst>
+              <a:defRPr/>
+            </a:pPr>
+            <a:r>
+              <a:rPr lang="zh-CN" altLang="en-US" sz="1400" b="1" smtClean="0">
+                <a:solidFill>
+                  <a:srgbClr val="C00000"/>
+                </a:solidFill>
+                <a:latin typeface="微软雅黑" panose="020B0503020204020204" pitchFamily="34" charset="-122"/>
+                <a:ea typeface="微软雅黑" panose="020B0503020204020204" pitchFamily="34" charset="-122"/>
+                <a:cs typeface="微软雅黑" panose="020B0503020204020204" pitchFamily="34" charset="-122"/>
+              </a:rPr>
+              <a:t>我的行动：</a:t>
+            </a:r>
+            <a:endParaRPr lang="zh-CN" altLang="en-US" sz="1400" b="1" smtClean="0">
+              <a:solidFill>
+                <a:srgbClr val="C00000"/>
+              </a:solidFill>
+              <a:latin typeface="微软雅黑" panose="020B0503020204020204" pitchFamily="34" charset="-122"/>
+              <a:ea typeface="微软雅黑" panose="020B0503020204020204" pitchFamily="34" charset="-122"/>
+              <a:cs typeface="微软雅黑" panose="020B0503020204020204" pitchFamily="34" charset="-122"/>
+            </a:endParaRPr>
+          </a:p>
+          <a:p>
+            <a:pPr defTabSz="914400" fontAlgn="ctr">
+              <a:lnSpc>
+                <a:spcPct val="126000"/>
+              </a:lnSpc>
+              <a:spcBef>
+                <a:spcPts val="0"/>
+              </a:spcBef>
+              <a:spcAft>
+                <a:spcPts val="0"/>
+              </a:spcAft>
+              <a:tabLst>
+                <a:tab pos="0" algn="l"/>
+              </a:tabLst>
+              <a:defRPr/>
+            </a:pPr>
+            <a:r>
+              <a:rPr lang="en-US" altLang="zh-CN" sz="1400" b="1" smtClean="0">
+                <a:solidFill>
+                  <a:schemeClr val="accent1">
+                    <a:lumMod val="75000"/>
+                  </a:schemeClr>
+                </a:solidFill>
+                <a:latin typeface="微软雅黑" panose="020B0503020204020204" pitchFamily="34" charset="-122"/>
+                <a:ea typeface="微软雅黑" panose="020B0503020204020204" pitchFamily="34" charset="-122"/>
+                <a:cs typeface="微软雅黑" panose="020B0503020204020204" pitchFamily="34" charset="-122"/>
+                <a:sym typeface="+mn-ea"/>
+              </a:rPr>
+              <a:t>1. </a:t>
+            </a:r>
+            <a:r>
+              <a:rPr lang="zh-CN" altLang="en-US" sz="1400" b="1" smtClean="0">
+                <a:solidFill>
+                  <a:schemeClr val="accent1">
+                    <a:lumMod val="75000"/>
+                  </a:schemeClr>
+                </a:solidFill>
+                <a:latin typeface="微软雅黑" panose="020B0503020204020204" pitchFamily="34" charset="-122"/>
+                <a:ea typeface="微软雅黑" panose="020B0503020204020204" pitchFamily="34" charset="-122"/>
+                <a:cs typeface="微软雅黑" panose="020B0503020204020204" pitchFamily="34" charset="-122"/>
+                <a:sym typeface="+mn-ea"/>
+              </a:rPr>
+              <a:t>调研分析</a:t>
+            </a:r>
+            <a:endParaRPr lang="zh-CN" altLang="en-US" sz="1400" b="1" smtClean="0">
+              <a:solidFill>
+                <a:schemeClr val="accent1">
+                  <a:lumMod val="75000"/>
+                </a:schemeClr>
+              </a:solidFill>
+              <a:latin typeface="微软雅黑" panose="020B0503020204020204" pitchFamily="34" charset="-122"/>
+              <a:ea typeface="微软雅黑" panose="020B0503020204020204" pitchFamily="34" charset="-122"/>
+              <a:cs typeface="微软雅黑" panose="020B0503020204020204" pitchFamily="34" charset="-122"/>
+              <a:sym typeface="+mn-ea"/>
+            </a:endParaRPr>
+          </a:p>
+          <a:p>
+            <a:pPr marL="180975" defTabSz="914400" fontAlgn="ctr">
+              <a:lnSpc>
+                <a:spcPct val="126000"/>
+              </a:lnSpc>
+              <a:spcBef>
+                <a:spcPts val="0"/>
+              </a:spcBef>
+              <a:spcAft>
+                <a:spcPts val="0"/>
+              </a:spcAft>
+              <a:tabLst>
+                <a:tab pos="0" algn="l"/>
+              </a:tabLst>
+              <a:defRPr/>
+            </a:pPr>
+            <a:r>
+              <a:rPr lang="zh-CN" altLang="en-US" sz="1400" smtClean="0">
+                <a:latin typeface="微软雅黑" panose="020B0503020204020204" pitchFamily="34" charset="-122"/>
+                <a:ea typeface="微软雅黑" panose="020B0503020204020204" pitchFamily="34" charset="-122"/>
+                <a:cs typeface="微软雅黑" panose="020B0503020204020204" pitchFamily="34" charset="-122"/>
+                <a:sym typeface="+mn-ea"/>
+              </a:rPr>
+              <a:t>参考了业界的蓝绿发布和金丝雀发布，并结合系统自身的特点和业务场景，设计了满足KAFKA、REST、WEB三种场景的灰度架构。</a:t>
+            </a:r>
+            <a:endParaRPr lang="zh-CN" altLang="en-US" sz="1400" smtClean="0">
+              <a:latin typeface="微软雅黑" panose="020B0503020204020204" pitchFamily="34" charset="-122"/>
+              <a:ea typeface="微软雅黑" panose="020B0503020204020204" pitchFamily="34" charset="-122"/>
+              <a:cs typeface="微软雅黑" panose="020B0503020204020204" pitchFamily="34" charset="-122"/>
+              <a:sym typeface="+mn-ea"/>
+            </a:endParaRPr>
+          </a:p>
+          <a:p>
+            <a:pPr defTabSz="914400" fontAlgn="ctr">
+              <a:lnSpc>
+                <a:spcPct val="126000"/>
+              </a:lnSpc>
+              <a:spcBef>
+                <a:spcPts val="0"/>
+              </a:spcBef>
+              <a:spcAft>
+                <a:spcPts val="0"/>
+              </a:spcAft>
+              <a:tabLst>
+                <a:tab pos="0" algn="l"/>
+              </a:tabLst>
+              <a:defRPr/>
+            </a:pPr>
+            <a:r>
+              <a:rPr lang="en-US" altLang="zh-CN" sz="1400" b="1" smtClean="0">
+                <a:solidFill>
+                  <a:schemeClr val="accent1">
+                    <a:lumMod val="75000"/>
+                  </a:schemeClr>
+                </a:solidFill>
+                <a:latin typeface="微软雅黑" panose="020B0503020204020204" pitchFamily="34" charset="-122"/>
+                <a:ea typeface="微软雅黑" panose="020B0503020204020204" pitchFamily="34" charset="-122"/>
+                <a:cs typeface="微软雅黑" panose="020B0503020204020204" pitchFamily="34" charset="-122"/>
+              </a:rPr>
+              <a:t>2. </a:t>
+            </a:r>
+            <a:r>
+              <a:rPr lang="zh-CN" altLang="en-US" sz="1400" b="1" smtClean="0">
+                <a:solidFill>
+                  <a:schemeClr val="accent1">
+                    <a:lumMod val="75000"/>
+                  </a:schemeClr>
+                </a:solidFill>
+                <a:latin typeface="微软雅黑" panose="020B0503020204020204" pitchFamily="34" charset="-122"/>
+                <a:ea typeface="微软雅黑" panose="020B0503020204020204" pitchFamily="34" charset="-122"/>
+                <a:cs typeface="微软雅黑" panose="020B0503020204020204" pitchFamily="34" charset="-122"/>
+              </a:rPr>
+              <a:t>架构和系统设计</a:t>
+            </a:r>
+            <a:endParaRPr lang="zh-CN" altLang="en-US" sz="1400" b="1" smtClean="0">
+              <a:solidFill>
+                <a:schemeClr val="accent1">
+                  <a:lumMod val="75000"/>
+                </a:schemeClr>
+              </a:solidFill>
+              <a:latin typeface="微软雅黑" panose="020B0503020204020204" pitchFamily="34" charset="-122"/>
+              <a:ea typeface="微软雅黑" panose="020B0503020204020204" pitchFamily="34" charset="-122"/>
+              <a:cs typeface="微软雅黑" panose="020B0503020204020204" pitchFamily="34" charset="-122"/>
+            </a:endParaRPr>
+          </a:p>
+          <a:p>
+            <a:pPr marL="466725" indent="-285750" defTabSz="914400" fontAlgn="ctr">
+              <a:lnSpc>
+                <a:spcPct val="126000"/>
+              </a:lnSpc>
+              <a:spcBef>
+                <a:spcPts val="0"/>
+              </a:spcBef>
+              <a:spcAft>
+                <a:spcPts val="0"/>
+              </a:spcAft>
+              <a:buFont typeface="Wingdings" panose="05000000000000000000" charset="0"/>
+              <a:buChar char="u"/>
+              <a:tabLst>
+                <a:tab pos="0" algn="l"/>
+              </a:tabLst>
+              <a:defRPr/>
+            </a:pPr>
+            <a:r>
+              <a:rPr lang="zh-CN" altLang="en-US" sz="1400" smtClean="0">
+                <a:latin typeface="微软雅黑" panose="020B0503020204020204" pitchFamily="34" charset="-122"/>
+                <a:ea typeface="微软雅黑" panose="020B0503020204020204" pitchFamily="34" charset="-122"/>
+                <a:cs typeface="微软雅黑" panose="020B0503020204020204" pitchFamily="34" charset="-122"/>
+              </a:rPr>
+              <a:t>加入</a:t>
+            </a:r>
+            <a:r>
+              <a:rPr lang="zh-CN" altLang="en-US" sz="1400" b="1" smtClean="0">
+                <a:latin typeface="微软雅黑" panose="020B0503020204020204" pitchFamily="34" charset="-122"/>
+                <a:ea typeface="微软雅黑" panose="020B0503020204020204" pitchFamily="34" charset="-122"/>
+                <a:cs typeface="微软雅黑" panose="020B0503020204020204" pitchFamily="34" charset="-122"/>
+              </a:rPr>
+              <a:t>分流层</a:t>
+            </a:r>
+            <a:r>
+              <a:rPr lang="zh-CN" altLang="en-US" sz="1400" smtClean="0">
+                <a:latin typeface="微软雅黑" panose="020B0503020204020204" pitchFamily="34" charset="-122"/>
+                <a:ea typeface="微软雅黑" panose="020B0503020204020204" pitchFamily="34" charset="-122"/>
+                <a:cs typeface="微软雅黑" panose="020B0503020204020204" pitchFamily="34" charset="-122"/>
+              </a:rPr>
+              <a:t>：</a:t>
+            </a:r>
+            <a:r>
+              <a:rPr lang="en-US" altLang="zh-CN" sz="1400" smtClean="0">
+                <a:latin typeface="微软雅黑" panose="020B0503020204020204" pitchFamily="34" charset="-122"/>
+                <a:ea typeface="微软雅黑" panose="020B0503020204020204" pitchFamily="34" charset="-122"/>
+                <a:cs typeface="微软雅黑" panose="020B0503020204020204" pitchFamily="34" charset="-122"/>
+              </a:rPr>
+              <a:t>API</a:t>
+            </a:r>
+            <a:r>
+              <a:rPr lang="zh-CN" altLang="en-US" sz="1400" smtClean="0">
+                <a:latin typeface="微软雅黑" panose="020B0503020204020204" pitchFamily="34" charset="-122"/>
+                <a:ea typeface="微软雅黑" panose="020B0503020204020204" pitchFamily="34" charset="-122"/>
+                <a:cs typeface="微软雅黑" panose="020B0503020204020204" pitchFamily="34" charset="-122"/>
+              </a:rPr>
+              <a:t>网关、</a:t>
+            </a:r>
+            <a:r>
+              <a:rPr lang="en-US" altLang="zh-CN" sz="1400" smtClean="0">
+                <a:latin typeface="微软雅黑" panose="020B0503020204020204" pitchFamily="34" charset="-122"/>
+                <a:ea typeface="微软雅黑" panose="020B0503020204020204" pitchFamily="34" charset="-122"/>
+                <a:cs typeface="微软雅黑" panose="020B0503020204020204" pitchFamily="34" charset="-122"/>
+              </a:rPr>
+              <a:t>SISP-WEB-SHUNT</a:t>
+            </a:r>
+            <a:r>
+              <a:rPr lang="zh-CN" altLang="en-US" sz="1400" smtClean="0">
+                <a:latin typeface="微软雅黑" panose="020B0503020204020204" pitchFamily="34" charset="-122"/>
+                <a:ea typeface="微软雅黑" panose="020B0503020204020204" pitchFamily="34" charset="-122"/>
+                <a:cs typeface="微软雅黑" panose="020B0503020204020204" pitchFamily="34" charset="-122"/>
+              </a:rPr>
+              <a:t>、</a:t>
+            </a:r>
+            <a:r>
+              <a:rPr lang="en-US" altLang="zh-CN" sz="1400" smtClean="0">
+                <a:latin typeface="微软雅黑" panose="020B0503020204020204" pitchFamily="34" charset="-122"/>
+                <a:ea typeface="微软雅黑" panose="020B0503020204020204" pitchFamily="34" charset="-122"/>
+                <a:cs typeface="微软雅黑" panose="020B0503020204020204" pitchFamily="34" charset="-122"/>
+              </a:rPr>
+              <a:t>SISP-PUSH-SHUNT</a:t>
+            </a:r>
+            <a:endParaRPr lang="en-US" altLang="zh-CN" sz="1400" smtClean="0">
+              <a:latin typeface="微软雅黑" panose="020B0503020204020204" pitchFamily="34" charset="-122"/>
+              <a:ea typeface="微软雅黑" panose="020B0503020204020204" pitchFamily="34" charset="-122"/>
+              <a:cs typeface="微软雅黑" panose="020B0503020204020204" pitchFamily="34" charset="-122"/>
+            </a:endParaRPr>
+          </a:p>
+          <a:p>
+            <a:pPr marL="466725" indent="-285750" defTabSz="914400" fontAlgn="ctr">
+              <a:lnSpc>
+                <a:spcPct val="126000"/>
+              </a:lnSpc>
+              <a:spcBef>
+                <a:spcPts val="0"/>
+              </a:spcBef>
+              <a:spcAft>
+                <a:spcPts val="0"/>
+              </a:spcAft>
+              <a:buFont typeface="Wingdings" panose="05000000000000000000" charset="0"/>
+              <a:buChar char="u"/>
+              <a:tabLst>
+                <a:tab pos="0" algn="l"/>
+              </a:tabLst>
+              <a:defRPr/>
+            </a:pPr>
+            <a:r>
+              <a:rPr lang="zh-CN" altLang="en-US" sz="1400" smtClean="0">
+                <a:latin typeface="微软雅黑" panose="020B0503020204020204" pitchFamily="34" charset="-122"/>
+                <a:ea typeface="微软雅黑" panose="020B0503020204020204" pitchFamily="34" charset="-122"/>
+                <a:cs typeface="微软雅黑" panose="020B0503020204020204" pitchFamily="34" charset="-122"/>
+              </a:rPr>
+              <a:t>基于业务场景</a:t>
+            </a:r>
+            <a:r>
+              <a:rPr lang="zh-CN" altLang="en-US" sz="1400" b="1" smtClean="0">
+                <a:latin typeface="微软雅黑" panose="020B0503020204020204" pitchFamily="34" charset="-122"/>
+                <a:ea typeface="微软雅黑" panose="020B0503020204020204" pitchFamily="34" charset="-122"/>
+                <a:cs typeface="微软雅黑" panose="020B0503020204020204" pitchFamily="34" charset="-122"/>
+              </a:rPr>
+              <a:t>定制灰度规则</a:t>
+            </a:r>
+            <a:r>
+              <a:rPr lang="zh-CN" altLang="en-US" sz="1400" smtClean="0">
+                <a:latin typeface="微软雅黑" panose="020B0503020204020204" pitchFamily="34" charset="-122"/>
+                <a:ea typeface="微软雅黑" panose="020B0503020204020204" pitchFamily="34" charset="-122"/>
+                <a:cs typeface="微软雅黑" panose="020B0503020204020204" pitchFamily="34" charset="-122"/>
+              </a:rPr>
+              <a:t>：接口基于请求头系统编码；</a:t>
+            </a:r>
+            <a:r>
+              <a:rPr lang="en-US" altLang="zh-CN" sz="1400" smtClean="0">
+                <a:latin typeface="微软雅黑" panose="020B0503020204020204" pitchFamily="34" charset="-122"/>
+                <a:ea typeface="微软雅黑" panose="020B0503020204020204" pitchFamily="34" charset="-122"/>
+                <a:cs typeface="微软雅黑" panose="020B0503020204020204" pitchFamily="34" charset="-122"/>
+              </a:rPr>
+              <a:t>WEB</a:t>
+            </a:r>
+            <a:r>
+              <a:rPr lang="zh-CN" altLang="en-US" sz="1400" smtClean="0">
+                <a:latin typeface="微软雅黑" panose="020B0503020204020204" pitchFamily="34" charset="-122"/>
+                <a:ea typeface="微软雅黑" panose="020B0503020204020204" pitchFamily="34" charset="-122"/>
+                <a:cs typeface="微软雅黑" panose="020B0503020204020204" pitchFamily="34" charset="-122"/>
+              </a:rPr>
+              <a:t>基于用户（网点、区域等）；</a:t>
+            </a:r>
+            <a:r>
+              <a:rPr lang="en-US" altLang="zh-CN" sz="1400" smtClean="0">
+                <a:latin typeface="微软雅黑" panose="020B0503020204020204" pitchFamily="34" charset="-122"/>
+                <a:ea typeface="微软雅黑" panose="020B0503020204020204" pitchFamily="34" charset="-122"/>
+                <a:cs typeface="微软雅黑" panose="020B0503020204020204" pitchFamily="34" charset="-122"/>
+              </a:rPr>
+              <a:t>kafka</a:t>
+            </a:r>
+            <a:r>
+              <a:rPr lang="zh-CN" altLang="en-US" sz="1400" smtClean="0">
+                <a:latin typeface="微软雅黑" panose="020B0503020204020204" pitchFamily="34" charset="-122"/>
+                <a:ea typeface="微软雅黑" panose="020B0503020204020204" pitchFamily="34" charset="-122"/>
+                <a:cs typeface="微软雅黑" panose="020B0503020204020204" pitchFamily="34" charset="-122"/>
+              </a:rPr>
+              <a:t>基于消息数据本身（主题、网点、区域等）</a:t>
+            </a:r>
+            <a:endParaRPr lang="zh-CN" altLang="en-US" sz="1400" smtClean="0">
+              <a:latin typeface="微软雅黑" panose="020B0503020204020204" pitchFamily="34" charset="-122"/>
+              <a:ea typeface="微软雅黑" panose="020B0503020204020204" pitchFamily="34" charset="-122"/>
+              <a:cs typeface="微软雅黑" panose="020B0503020204020204" pitchFamily="34" charset="-122"/>
+              <a:sym typeface="+mn-ea"/>
+            </a:endParaRPr>
+          </a:p>
+          <a:p>
+            <a:pPr marL="466725" indent="-285750" defTabSz="914400" fontAlgn="ctr">
+              <a:lnSpc>
+                <a:spcPct val="126000"/>
+              </a:lnSpc>
+              <a:spcBef>
+                <a:spcPts val="0"/>
+              </a:spcBef>
+              <a:spcAft>
+                <a:spcPts val="0"/>
+              </a:spcAft>
+              <a:buFont typeface="Wingdings" panose="05000000000000000000" charset="0"/>
+              <a:buChar char="u"/>
+              <a:tabLst>
+                <a:tab pos="0" algn="l"/>
+              </a:tabLst>
+              <a:defRPr/>
+            </a:pPr>
+            <a:r>
+              <a:rPr lang="zh-CN" altLang="en-US" sz="1400" b="1" smtClean="0">
+                <a:latin typeface="微软雅黑" panose="020B0503020204020204" pitchFamily="34" charset="-122"/>
+                <a:ea typeface="微软雅黑" panose="020B0503020204020204" pitchFamily="34" charset="-122"/>
+                <a:cs typeface="微软雅黑" panose="020B0503020204020204" pitchFamily="34" charset="-122"/>
+                <a:sym typeface="+mn-ea"/>
+              </a:rPr>
+              <a:t>接口隔离原则</a:t>
+            </a:r>
+            <a:r>
+              <a:rPr lang="zh-CN" altLang="en-US" sz="1400" smtClean="0">
+                <a:latin typeface="微软雅黑" panose="020B0503020204020204" pitchFamily="34" charset="-122"/>
+                <a:ea typeface="微软雅黑" panose="020B0503020204020204" pitchFamily="34" charset="-122"/>
+                <a:cs typeface="微软雅黑" panose="020B0503020204020204" pitchFamily="34" charset="-122"/>
+                <a:sym typeface="+mn-ea"/>
+              </a:rPr>
+              <a:t>，让A/B 环境的</a:t>
+            </a:r>
+            <a:r>
+              <a:rPr lang="en-US" altLang="zh-CN" sz="1400" smtClean="0">
+                <a:latin typeface="微软雅黑" panose="020B0503020204020204" pitchFamily="34" charset="-122"/>
+                <a:ea typeface="微软雅黑" panose="020B0503020204020204" pitchFamily="34" charset="-122"/>
+                <a:cs typeface="微软雅黑" panose="020B0503020204020204" pitchFamily="34" charset="-122"/>
+                <a:sym typeface="+mn-ea"/>
+              </a:rPr>
+              <a:t>KAFKA/WEB</a:t>
+            </a:r>
+            <a:r>
+              <a:rPr lang="zh-CN" altLang="en-US" sz="1400" smtClean="0">
+                <a:latin typeface="微软雅黑" panose="020B0503020204020204" pitchFamily="34" charset="-122"/>
+                <a:ea typeface="微软雅黑" panose="020B0503020204020204" pitchFamily="34" charset="-122"/>
+                <a:cs typeface="微软雅黑" panose="020B0503020204020204" pitchFamily="34" charset="-122"/>
+                <a:sym typeface="+mn-ea"/>
+              </a:rPr>
+              <a:t>对应</a:t>
+            </a:r>
+            <a:r>
+              <a:rPr lang="en-US" altLang="zh-CN" sz="1400" smtClean="0">
+                <a:latin typeface="微软雅黑" panose="020B0503020204020204" pitchFamily="34" charset="-122"/>
+                <a:ea typeface="微软雅黑" panose="020B0503020204020204" pitchFamily="34" charset="-122"/>
+                <a:cs typeface="微软雅黑" panose="020B0503020204020204" pitchFamily="34" charset="-122"/>
+                <a:sym typeface="+mn-ea"/>
+              </a:rPr>
+              <a:t>A/B</a:t>
+            </a:r>
+            <a:r>
+              <a:rPr lang="zh-CN" altLang="en-US" sz="1400" smtClean="0">
+                <a:latin typeface="微软雅黑" panose="020B0503020204020204" pitchFamily="34" charset="-122"/>
+                <a:ea typeface="微软雅黑" panose="020B0503020204020204" pitchFamily="34" charset="-122"/>
+                <a:cs typeface="微软雅黑" panose="020B0503020204020204" pitchFamily="34" charset="-122"/>
+                <a:sym typeface="+mn-ea"/>
+              </a:rPr>
+              <a:t>环境应用，达到环境级别的隔离；</a:t>
+            </a:r>
+            <a:endParaRPr lang="zh-CN" altLang="en-US" sz="1400" smtClean="0">
+              <a:latin typeface="微软雅黑" panose="020B0503020204020204" pitchFamily="34" charset="-122"/>
+              <a:ea typeface="微软雅黑" panose="020B0503020204020204" pitchFamily="34" charset="-122"/>
+              <a:cs typeface="微软雅黑" panose="020B0503020204020204" pitchFamily="34" charset="-122"/>
+              <a:sym typeface="+mn-ea"/>
+            </a:endParaRPr>
+          </a:p>
+          <a:p>
+            <a:pPr marL="466725" indent="-285750" defTabSz="914400" fontAlgn="ctr">
+              <a:lnSpc>
+                <a:spcPct val="126000"/>
+              </a:lnSpc>
+              <a:spcBef>
+                <a:spcPts val="0"/>
+              </a:spcBef>
+              <a:spcAft>
+                <a:spcPts val="0"/>
+              </a:spcAft>
+              <a:buFont typeface="Wingdings" panose="05000000000000000000" charset="0"/>
+              <a:buChar char="u"/>
+              <a:tabLst>
+                <a:tab pos="0" algn="l"/>
+              </a:tabLst>
+              <a:defRPr/>
+            </a:pPr>
+            <a:r>
+              <a:rPr lang="zh-CN" altLang="en-US" sz="1400" b="1" smtClean="0">
+                <a:latin typeface="微软雅黑" panose="020B0503020204020204" pitchFamily="34" charset="-122"/>
+                <a:ea typeface="微软雅黑" panose="020B0503020204020204" pitchFamily="34" charset="-122"/>
+                <a:cs typeface="微软雅黑" panose="020B0503020204020204" pitchFamily="34" charset="-122"/>
+                <a:sym typeface="+mn-ea"/>
+              </a:rPr>
+              <a:t>模板模式</a:t>
+            </a:r>
+            <a:r>
+              <a:rPr lang="zh-CN" altLang="en-US" sz="1400" smtClean="0">
+                <a:latin typeface="微软雅黑" panose="020B0503020204020204" pitchFamily="34" charset="-122"/>
+                <a:ea typeface="微软雅黑" panose="020B0503020204020204" pitchFamily="34" charset="-122"/>
+                <a:cs typeface="微软雅黑" panose="020B0503020204020204" pitchFamily="34" charset="-122"/>
+                <a:sym typeface="+mn-ea"/>
+              </a:rPr>
+              <a:t>来控制整个</a:t>
+            </a:r>
+            <a:r>
+              <a:rPr lang="en-US" altLang="zh-CN" sz="1400" smtClean="0">
+                <a:latin typeface="微软雅黑" panose="020B0503020204020204" pitchFamily="34" charset="-122"/>
+                <a:ea typeface="微软雅黑" panose="020B0503020204020204" pitchFamily="34" charset="-122"/>
+                <a:cs typeface="微软雅黑" panose="020B0503020204020204" pitchFamily="34" charset="-122"/>
+                <a:sym typeface="+mn-ea"/>
+              </a:rPr>
+              <a:t>KAFKA</a:t>
+            </a:r>
+            <a:r>
+              <a:rPr lang="zh-CN" altLang="en-US" sz="1400" smtClean="0">
+                <a:latin typeface="微软雅黑" panose="020B0503020204020204" pitchFamily="34" charset="-122"/>
+                <a:ea typeface="微软雅黑" panose="020B0503020204020204" pitchFamily="34" charset="-122"/>
+                <a:cs typeface="微软雅黑" panose="020B0503020204020204" pitchFamily="34" charset="-122"/>
+                <a:sym typeface="+mn-ea"/>
+              </a:rPr>
+              <a:t>灰度的处理过程，整个处理过程拆分为：报文解码、获取业务数据、获取灰度配置、寻找A</a:t>
+            </a:r>
+            <a:r>
+              <a:rPr lang="en-US" altLang="zh-CN" sz="1400" smtClean="0">
+                <a:latin typeface="微软雅黑" panose="020B0503020204020204" pitchFamily="34" charset="-122"/>
+                <a:ea typeface="微软雅黑" panose="020B0503020204020204" pitchFamily="34" charset="-122"/>
+                <a:cs typeface="微软雅黑" panose="020B0503020204020204" pitchFamily="34" charset="-122"/>
+                <a:sym typeface="+mn-ea"/>
+              </a:rPr>
+              <a:t>/</a:t>
+            </a:r>
+            <a:r>
+              <a:rPr lang="zh-CN" altLang="en-US" sz="1400" smtClean="0">
+                <a:latin typeface="微软雅黑" panose="020B0503020204020204" pitchFamily="34" charset="-122"/>
+                <a:ea typeface="微软雅黑" panose="020B0503020204020204" pitchFamily="34" charset="-122"/>
+                <a:cs typeface="微软雅黑" panose="020B0503020204020204" pitchFamily="34" charset="-122"/>
+                <a:sym typeface="+mn-ea"/>
+              </a:rPr>
+              <a:t>B环境和数据分流五个部分；</a:t>
+            </a:r>
+            <a:endParaRPr lang="zh-CN" altLang="en-US" sz="1400" smtClean="0">
+              <a:latin typeface="微软雅黑" panose="020B0503020204020204" pitchFamily="34" charset="-122"/>
+              <a:ea typeface="微软雅黑" panose="020B0503020204020204" pitchFamily="34" charset="-122"/>
+              <a:cs typeface="微软雅黑" panose="020B0503020204020204" pitchFamily="34" charset="-122"/>
+              <a:sym typeface="+mn-ea"/>
+            </a:endParaRPr>
+          </a:p>
+          <a:p>
+            <a:pPr marL="466725" indent="-285750" defTabSz="914400" fontAlgn="ctr">
+              <a:lnSpc>
+                <a:spcPct val="126000"/>
+              </a:lnSpc>
+              <a:spcBef>
+                <a:spcPts val="0"/>
+              </a:spcBef>
+              <a:spcAft>
+                <a:spcPts val="0"/>
+              </a:spcAft>
+              <a:buFont typeface="Wingdings" panose="05000000000000000000" charset="0"/>
+              <a:buChar char="u"/>
+              <a:tabLst>
+                <a:tab pos="0" algn="l"/>
+              </a:tabLst>
+              <a:defRPr/>
+            </a:pPr>
+            <a:r>
+              <a:rPr lang="zh-CN" altLang="en-US" sz="1400" b="1" smtClean="0">
+                <a:latin typeface="微软雅黑" panose="020B0503020204020204" pitchFamily="34" charset="-122"/>
+                <a:ea typeface="微软雅黑" panose="020B0503020204020204" pitchFamily="34" charset="-122"/>
+                <a:cs typeface="微软雅黑" panose="020B0503020204020204" pitchFamily="34" charset="-122"/>
+                <a:sym typeface="+mn-ea"/>
+              </a:rPr>
+              <a:t>策略模式：</a:t>
+            </a:r>
+            <a:r>
+              <a:rPr lang="zh-CN" altLang="en-US" sz="1400" smtClean="0">
+                <a:latin typeface="微软雅黑" panose="020B0503020204020204" pitchFamily="34" charset="-122"/>
+                <a:ea typeface="微软雅黑" panose="020B0503020204020204" pitchFamily="34" charset="-122"/>
+                <a:cs typeface="微软雅黑" panose="020B0503020204020204" pitchFamily="34" charset="-122"/>
+                <a:sym typeface="+mn-ea"/>
+              </a:rPr>
+              <a:t>来对每个部分进行扩展，达到同一个功能有不同的实现方式；</a:t>
+            </a:r>
+            <a:endParaRPr lang="zh-CN" altLang="en-US" sz="1400" smtClean="0">
+              <a:latin typeface="微软雅黑" panose="020B0503020204020204" pitchFamily="34" charset="-122"/>
+              <a:ea typeface="微软雅黑" panose="020B0503020204020204" pitchFamily="34" charset="-122"/>
+              <a:cs typeface="微软雅黑" panose="020B0503020204020204" pitchFamily="34" charset="-122"/>
+              <a:sym typeface="+mn-ea"/>
+            </a:endParaRPr>
+          </a:p>
+          <a:p>
+            <a:pPr marL="466725" indent="-285750" defTabSz="914400" fontAlgn="ctr">
+              <a:lnSpc>
+                <a:spcPct val="126000"/>
+              </a:lnSpc>
+              <a:spcBef>
+                <a:spcPts val="0"/>
+              </a:spcBef>
+              <a:spcAft>
+                <a:spcPts val="0"/>
+              </a:spcAft>
+              <a:buFont typeface="Wingdings" panose="05000000000000000000" charset="0"/>
+              <a:buChar char="u"/>
+              <a:tabLst>
+                <a:tab pos="0" algn="l"/>
+              </a:tabLst>
+              <a:defRPr/>
+            </a:pPr>
+            <a:r>
+              <a:rPr lang="zh-CN" altLang="en-US" sz="1400" b="1" smtClean="0">
+                <a:latin typeface="微软雅黑" panose="020B0503020204020204" pitchFamily="34" charset="-122"/>
+                <a:ea typeface="微软雅黑" panose="020B0503020204020204" pitchFamily="34" charset="-122"/>
+                <a:cs typeface="微软雅黑" panose="020B0503020204020204" pitchFamily="34" charset="-122"/>
+                <a:sym typeface="+mn-ea"/>
+              </a:rPr>
+              <a:t>约定大于配置原则：</a:t>
+            </a:r>
+            <a:r>
+              <a:rPr lang="zh-CN" altLang="en-US" sz="1400" smtClean="0">
+                <a:latin typeface="微软雅黑" panose="020B0503020204020204" pitchFamily="34" charset="-122"/>
+                <a:ea typeface="微软雅黑" panose="020B0503020204020204" pitchFamily="34" charset="-122"/>
+                <a:cs typeface="微软雅黑" panose="020B0503020204020204" pitchFamily="34" charset="-122"/>
+                <a:sym typeface="+mn-ea"/>
+              </a:rPr>
+              <a:t>支持</a:t>
+            </a:r>
+            <a:r>
+              <a:rPr lang="en-US" altLang="zh-CN" sz="1400" smtClean="0">
+                <a:latin typeface="微软雅黑" panose="020B0503020204020204" pitchFamily="34" charset="-122"/>
+                <a:ea typeface="微软雅黑" panose="020B0503020204020204" pitchFamily="34" charset="-122"/>
+                <a:cs typeface="微软雅黑" panose="020B0503020204020204" pitchFamily="34" charset="-122"/>
+                <a:sym typeface="+mn-ea"/>
+              </a:rPr>
+              <a:t>KAFKA</a:t>
+            </a:r>
+            <a:r>
+              <a:rPr lang="zh-CN" altLang="en-US" sz="1400" smtClean="0">
+                <a:latin typeface="微软雅黑" panose="020B0503020204020204" pitchFamily="34" charset="-122"/>
+                <a:ea typeface="微软雅黑" panose="020B0503020204020204" pitchFamily="34" charset="-122"/>
+                <a:cs typeface="微软雅黑" panose="020B0503020204020204" pitchFamily="34" charset="-122"/>
+                <a:sym typeface="+mn-ea"/>
+              </a:rPr>
+              <a:t>生产者</a:t>
+            </a:r>
+            <a:r>
+              <a:rPr lang="en-US" altLang="zh-CN" sz="1400" smtClean="0">
+                <a:latin typeface="微软雅黑" panose="020B0503020204020204" pitchFamily="34" charset="-122"/>
+                <a:ea typeface="微软雅黑" panose="020B0503020204020204" pitchFamily="34" charset="-122"/>
+                <a:cs typeface="微软雅黑" panose="020B0503020204020204" pitchFamily="34" charset="-122"/>
+                <a:sym typeface="+mn-ea"/>
+              </a:rPr>
+              <a:t>/</a:t>
+            </a:r>
+            <a:r>
+              <a:rPr lang="zh-CN" altLang="en-US" sz="1400" smtClean="0">
+                <a:latin typeface="微软雅黑" panose="020B0503020204020204" pitchFamily="34" charset="-122"/>
+                <a:ea typeface="微软雅黑" panose="020B0503020204020204" pitchFamily="34" charset="-122"/>
+                <a:cs typeface="微软雅黑" panose="020B0503020204020204" pitchFamily="34" charset="-122"/>
+                <a:sym typeface="+mn-ea"/>
+              </a:rPr>
+              <a:t>消费者的动态管理，减少大量重复的配置，提升服务能力</a:t>
+            </a:r>
+            <a:endParaRPr lang="zh-CN" altLang="en-US" sz="1400" smtClean="0">
+              <a:latin typeface="微软雅黑" panose="020B0503020204020204" pitchFamily="34" charset="-122"/>
+              <a:ea typeface="微软雅黑" panose="020B0503020204020204" pitchFamily="34" charset="-122"/>
+              <a:cs typeface="微软雅黑" panose="020B0503020204020204" pitchFamily="34" charset="-122"/>
+              <a:sym typeface="+mn-ea"/>
+            </a:endParaRPr>
+          </a:p>
+          <a:p>
+            <a:pPr marL="285750" indent="-285750" defTabSz="914400" fontAlgn="ctr">
+              <a:lnSpc>
+                <a:spcPct val="126000"/>
+              </a:lnSpc>
+              <a:spcBef>
+                <a:spcPts val="0"/>
+              </a:spcBef>
+              <a:spcAft>
+                <a:spcPts val="0"/>
+              </a:spcAft>
+              <a:defRPr/>
+            </a:pPr>
+            <a:r>
+              <a:rPr lang="en-US" altLang="zh-CN" sz="1400" b="1" smtClean="0">
+                <a:solidFill>
+                  <a:schemeClr val="accent1">
+                    <a:lumMod val="75000"/>
+                  </a:schemeClr>
+                </a:solidFill>
+                <a:latin typeface="微软雅黑" panose="020B0503020204020204" pitchFamily="34" charset="-122"/>
+                <a:ea typeface="微软雅黑" panose="020B0503020204020204" pitchFamily="34" charset="-122"/>
+                <a:cs typeface="微软雅黑" panose="020B0503020204020204" pitchFamily="34" charset="-122"/>
+              </a:rPr>
+              <a:t>3. </a:t>
+            </a:r>
+            <a:r>
+              <a:rPr lang="zh-CN" altLang="en-US" sz="1400" b="1" smtClean="0">
+                <a:solidFill>
+                  <a:schemeClr val="accent1">
+                    <a:lumMod val="75000"/>
+                  </a:schemeClr>
+                </a:solidFill>
+                <a:latin typeface="微软雅黑" panose="020B0503020204020204" pitchFamily="34" charset="-122"/>
+                <a:ea typeface="微软雅黑" panose="020B0503020204020204" pitchFamily="34" charset="-122"/>
+                <a:cs typeface="微软雅黑" panose="020B0503020204020204" pitchFamily="34" charset="-122"/>
+              </a:rPr>
+              <a:t>上线发布</a:t>
+            </a:r>
+            <a:endParaRPr lang="zh-CN" altLang="en-US" sz="1400" b="1" smtClean="0">
+              <a:solidFill>
+                <a:schemeClr val="accent1">
+                  <a:lumMod val="75000"/>
+                </a:schemeClr>
+              </a:solidFill>
+              <a:latin typeface="微软雅黑" panose="020B0503020204020204" pitchFamily="34" charset="-122"/>
+              <a:ea typeface="微软雅黑" panose="020B0503020204020204" pitchFamily="34" charset="-122"/>
+              <a:cs typeface="微软雅黑" panose="020B0503020204020204" pitchFamily="34" charset="-122"/>
+            </a:endParaRPr>
+          </a:p>
+          <a:p>
+            <a:pPr marL="189230" indent="0" defTabSz="914400" fontAlgn="ctr">
+              <a:lnSpc>
+                <a:spcPct val="126000"/>
+              </a:lnSpc>
+              <a:spcBef>
+                <a:spcPts val="0"/>
+              </a:spcBef>
+              <a:spcAft>
+                <a:spcPts val="0"/>
+              </a:spcAft>
+              <a:buFont typeface="Arial" panose="020B0604020202020204" pitchFamily="34" charset="0"/>
+              <a:buNone/>
+              <a:defRPr/>
+            </a:pPr>
+            <a:r>
+              <a:rPr lang="zh-CN" altLang="en-US" sz="1400" smtClean="0">
+                <a:latin typeface="微软雅黑" panose="020B0503020204020204" pitchFamily="34" charset="-122"/>
+                <a:ea typeface="微软雅黑" panose="020B0503020204020204" pitchFamily="34" charset="-122"/>
+                <a:cs typeface="微软雅黑" panose="020B0503020204020204" pitchFamily="34" charset="-122"/>
+                <a:sym typeface="+mn-ea"/>
+              </a:rPr>
+              <a:t>对整个上线发布过程进行</a:t>
+            </a:r>
+            <a:r>
+              <a:rPr lang="zh-CN" altLang="en-US" sz="1400" b="1" smtClean="0">
+                <a:latin typeface="微软雅黑" panose="020B0503020204020204" pitchFamily="34" charset="-122"/>
+                <a:ea typeface="微软雅黑" panose="020B0503020204020204" pitchFamily="34" charset="-122"/>
+                <a:cs typeface="微软雅黑" panose="020B0503020204020204" pitchFamily="34" charset="-122"/>
+                <a:sym typeface="+mn-ea"/>
+              </a:rPr>
+              <a:t>上线推演</a:t>
+            </a:r>
+            <a:r>
+              <a:rPr lang="zh-CN" altLang="en-US" sz="1400" smtClean="0">
+                <a:latin typeface="微软雅黑" panose="020B0503020204020204" pitchFamily="34" charset="-122"/>
+                <a:ea typeface="微软雅黑" panose="020B0503020204020204" pitchFamily="34" charset="-122"/>
+                <a:cs typeface="微软雅黑" panose="020B0503020204020204" pitchFamily="34" charset="-122"/>
+                <a:sym typeface="+mn-ea"/>
+              </a:rPr>
+              <a:t>，整理出灰度上线部署方案、发布前资源检查清单、发布步骤执行清单、发布后验证检查清单和灰度发布回归方案等文档。</a:t>
+            </a:r>
+            <a:endParaRPr lang="zh-CN" altLang="en-US" sz="1400" smtClean="0">
+              <a:latin typeface="微软雅黑" panose="020B0503020204020204" pitchFamily="34" charset="-122"/>
+              <a:ea typeface="微软雅黑" panose="020B0503020204020204" pitchFamily="34" charset="-122"/>
+              <a:cs typeface="微软雅黑" panose="020B0503020204020204" pitchFamily="34" charset="-122"/>
+              <a:sym typeface="+mn-ea"/>
+            </a:endParaRPr>
+          </a:p>
+        </p:txBody>
+      </p:sp>
+      <p:sp>
+        <p:nvSpPr>
+          <p:cNvPr id="11" name="矩形 10"/>
+          <p:cNvSpPr/>
+          <p:nvPr/>
+        </p:nvSpPr>
+        <p:spPr>
+          <a:xfrm>
+            <a:off x="7933055" y="1992630"/>
+            <a:ext cx="3921760" cy="4810760"/>
+          </a:xfrm>
+          <a:prstGeom prst="rect">
+            <a:avLst/>
+          </a:prstGeom>
+          <a:ln w="12700">
+            <a:solidFill>
+              <a:srgbClr val="C00000"/>
+            </a:solidFill>
+          </a:ln>
+        </p:spPr>
+        <p:txBody>
+          <a:bodyPr wrap="square">
+            <a:spAutoFit/>
+          </a:bodyPr>
+          <a:p>
+            <a:pPr defTabSz="914400" fontAlgn="ctr">
+              <a:lnSpc>
+                <a:spcPts val="2100"/>
+              </a:lnSpc>
+              <a:spcBef>
+                <a:spcPts val="0"/>
+              </a:spcBef>
+              <a:spcAft>
+                <a:spcPts val="0"/>
+              </a:spcAft>
+              <a:defRPr/>
+            </a:pPr>
+            <a:r>
+              <a:rPr lang="zh-CN" altLang="en-US" sz="1400" b="1" smtClean="0">
+                <a:solidFill>
+                  <a:srgbClr val="C00000"/>
+                </a:solidFill>
+                <a:latin typeface="微软雅黑" panose="020B0503020204020204" pitchFamily="34" charset="-122"/>
+                <a:ea typeface="微软雅黑" panose="020B0503020204020204" pitchFamily="34" charset="-122"/>
+                <a:cs typeface="微软雅黑" panose="020B0503020204020204" pitchFamily="34" charset="-122"/>
+              </a:rPr>
+              <a:t>结果：</a:t>
+            </a:r>
+            <a:endParaRPr lang="en-US" altLang="zh-CN" sz="1400" b="1">
+              <a:solidFill>
+                <a:srgbClr val="C00000"/>
+              </a:solidFill>
+              <a:latin typeface="微软雅黑" panose="020B0503020204020204" pitchFamily="34" charset="-122"/>
+              <a:ea typeface="微软雅黑" panose="020B0503020204020204" pitchFamily="34" charset="-122"/>
+              <a:cs typeface="微软雅黑" panose="020B0503020204020204" pitchFamily="34" charset="-122"/>
+            </a:endParaRPr>
+          </a:p>
+          <a:p>
+            <a:pPr algn="l" defTabSz="914400" fontAlgn="ctr">
+              <a:lnSpc>
+                <a:spcPts val="1900"/>
+              </a:lnSpc>
+              <a:spcBef>
+                <a:spcPts val="0"/>
+              </a:spcBef>
+              <a:spcAft>
+                <a:spcPts val="0"/>
+              </a:spcAft>
+              <a:buClrTx/>
+              <a:buSzTx/>
+              <a:buFontTx/>
+              <a:tabLst>
+                <a:tab pos="0" algn="l"/>
+              </a:tabLst>
+              <a:defRPr/>
+            </a:pPr>
+            <a:r>
+              <a:rPr lang="en-US" altLang="zh-CN" sz="1400" b="1" smtClean="0">
+                <a:solidFill>
+                  <a:schemeClr val="accent1">
+                    <a:lumMod val="75000"/>
+                  </a:schemeClr>
+                </a:solidFill>
+                <a:latin typeface="微软雅黑" panose="020B0503020204020204" pitchFamily="34" charset="-122"/>
+                <a:ea typeface="微软雅黑" panose="020B0503020204020204" pitchFamily="34" charset="-122"/>
+                <a:cs typeface="微软雅黑" panose="020B0503020204020204" pitchFamily="34" charset="-122"/>
+              </a:rPr>
+              <a:t>1. 功能上线</a:t>
+            </a:r>
+            <a:endParaRPr lang="en-US" altLang="zh-CN" sz="1400" b="1" smtClean="0">
+              <a:solidFill>
+                <a:schemeClr val="accent1">
+                  <a:lumMod val="75000"/>
+                </a:schemeClr>
+              </a:solidFill>
+              <a:latin typeface="微软雅黑" panose="020B0503020204020204" pitchFamily="34" charset="-122"/>
+              <a:ea typeface="微软雅黑" panose="020B0503020204020204" pitchFamily="34" charset="-122"/>
+              <a:cs typeface="微软雅黑" panose="020B0503020204020204" pitchFamily="34" charset="-122"/>
+            </a:endParaRPr>
+          </a:p>
+          <a:p>
+            <a:pPr defTabSz="914400" fontAlgn="ctr">
+              <a:lnSpc>
+                <a:spcPts val="2100"/>
+              </a:lnSpc>
+              <a:spcBef>
+                <a:spcPts val="0"/>
+              </a:spcBef>
+              <a:spcAft>
+                <a:spcPts val="0"/>
+              </a:spcAft>
+              <a:defRPr/>
+            </a:pPr>
+            <a:r>
+              <a:rPr lang="zh-CN" altLang="en-US" sz="1400" smtClean="0">
+                <a:latin typeface="微软雅黑" panose="020B0503020204020204" pitchFamily="34" charset="-122"/>
+                <a:ea typeface="微软雅黑" panose="020B0503020204020204" pitchFamily="34" charset="-122"/>
+                <a:cs typeface="微软雅黑" panose="020B0503020204020204" pitchFamily="34" charset="-122"/>
+              </a:rPr>
+              <a:t>灰度架构成功上线后。通过控制流量，可以在白天进行版本发布，解放运维同事和研发同事</a:t>
+            </a:r>
+            <a:endParaRPr lang="zh-CN" altLang="en-US" sz="1400" smtClean="0">
+              <a:latin typeface="微软雅黑" panose="020B0503020204020204" pitchFamily="34" charset="-122"/>
+              <a:ea typeface="微软雅黑" panose="020B0503020204020204" pitchFamily="34" charset="-122"/>
+              <a:cs typeface="微软雅黑" panose="020B0503020204020204" pitchFamily="34" charset="-122"/>
+            </a:endParaRPr>
+          </a:p>
+          <a:p>
+            <a:pPr algn="l" defTabSz="914400" fontAlgn="ctr">
+              <a:lnSpc>
+                <a:spcPts val="1900"/>
+              </a:lnSpc>
+              <a:spcBef>
+                <a:spcPts val="0"/>
+              </a:spcBef>
+              <a:spcAft>
+                <a:spcPts val="0"/>
+              </a:spcAft>
+              <a:buClrTx/>
+              <a:buSzTx/>
+              <a:buFontTx/>
+              <a:tabLst>
+                <a:tab pos="0" algn="l"/>
+              </a:tabLst>
+              <a:defRPr/>
+            </a:pPr>
+            <a:r>
+              <a:rPr lang="en-US" altLang="zh-CN" sz="1400" b="1" smtClean="0">
+                <a:solidFill>
+                  <a:schemeClr val="accent1">
+                    <a:lumMod val="75000"/>
+                  </a:schemeClr>
+                </a:solidFill>
+                <a:latin typeface="微软雅黑" panose="020B0503020204020204" pitchFamily="34" charset="-122"/>
+                <a:ea typeface="微软雅黑" panose="020B0503020204020204" pitchFamily="34" charset="-122"/>
+                <a:cs typeface="微软雅黑" panose="020B0503020204020204" pitchFamily="34" charset="-122"/>
+              </a:rPr>
+              <a:t>2. 试点验证</a:t>
+            </a:r>
+            <a:endParaRPr lang="en-US" altLang="zh-CN" sz="1400" b="1" smtClean="0">
+              <a:solidFill>
+                <a:schemeClr val="accent1">
+                  <a:lumMod val="75000"/>
+                </a:schemeClr>
+              </a:solidFill>
+              <a:latin typeface="微软雅黑" panose="020B0503020204020204" pitchFamily="34" charset="-122"/>
+              <a:ea typeface="微软雅黑" panose="020B0503020204020204" pitchFamily="34" charset="-122"/>
+              <a:cs typeface="微软雅黑" panose="020B0503020204020204" pitchFamily="34" charset="-122"/>
+            </a:endParaRPr>
+          </a:p>
+          <a:p>
+            <a:pPr defTabSz="914400" fontAlgn="ctr">
+              <a:lnSpc>
+                <a:spcPts val="2100"/>
+              </a:lnSpc>
+              <a:spcBef>
+                <a:spcPts val="0"/>
+              </a:spcBef>
+              <a:spcAft>
+                <a:spcPts val="0"/>
+              </a:spcAft>
+              <a:defRPr/>
+            </a:pPr>
+            <a:r>
+              <a:rPr lang="zh-CN" altLang="en-US" sz="1400" smtClean="0">
+                <a:latin typeface="微软雅黑" panose="020B0503020204020204" pitchFamily="34" charset="-122"/>
+                <a:ea typeface="微软雅黑" panose="020B0503020204020204" pitchFamily="34" charset="-122"/>
+                <a:cs typeface="微软雅黑" panose="020B0503020204020204" pitchFamily="34" charset="-122"/>
+              </a:rPr>
+              <a:t>可以支持不同应用不同粒度的灰度（系统编码、网点、城市、大区、主题等）试点，方便业务验证和推广。</a:t>
+            </a:r>
+            <a:endParaRPr lang="zh-CN" altLang="en-US" sz="1400" smtClean="0">
+              <a:latin typeface="微软雅黑" panose="020B0503020204020204" pitchFamily="34" charset="-122"/>
+              <a:ea typeface="微软雅黑" panose="020B0503020204020204" pitchFamily="34" charset="-122"/>
+              <a:cs typeface="微软雅黑" panose="020B0503020204020204" pitchFamily="34" charset="-122"/>
+            </a:endParaRPr>
+          </a:p>
+          <a:p>
+            <a:pPr algn="l" defTabSz="914400" fontAlgn="ctr">
+              <a:lnSpc>
+                <a:spcPts val="1900"/>
+              </a:lnSpc>
+              <a:spcBef>
+                <a:spcPts val="0"/>
+              </a:spcBef>
+              <a:spcAft>
+                <a:spcPts val="0"/>
+              </a:spcAft>
+              <a:buClrTx/>
+              <a:buSzTx/>
+              <a:buFontTx/>
+              <a:tabLst>
+                <a:tab pos="0" algn="l"/>
+              </a:tabLst>
+              <a:defRPr/>
+            </a:pPr>
+            <a:r>
+              <a:rPr lang="en-US" altLang="zh-CN" sz="1400" b="1" smtClean="0">
+                <a:solidFill>
+                  <a:schemeClr val="accent1">
+                    <a:lumMod val="75000"/>
+                  </a:schemeClr>
+                </a:solidFill>
+                <a:latin typeface="微软雅黑" panose="020B0503020204020204" pitchFamily="34" charset="-122"/>
+                <a:ea typeface="微软雅黑" panose="020B0503020204020204" pitchFamily="34" charset="-122"/>
+                <a:cs typeface="微软雅黑" panose="020B0503020204020204" pitchFamily="34" charset="-122"/>
+                <a:sym typeface="+mn-ea"/>
+              </a:rPr>
+              <a:t>3. 复用组件</a:t>
+            </a:r>
+            <a:endParaRPr lang="en-US" altLang="zh-CN" sz="1400" b="1" smtClean="0">
+              <a:solidFill>
+                <a:schemeClr val="accent1">
+                  <a:lumMod val="75000"/>
+                </a:schemeClr>
+              </a:solidFill>
+              <a:latin typeface="微软雅黑" panose="020B0503020204020204" pitchFamily="34" charset="-122"/>
+              <a:ea typeface="微软雅黑" panose="020B0503020204020204" pitchFamily="34" charset="-122"/>
+              <a:cs typeface="微软雅黑" panose="020B0503020204020204" pitchFamily="34" charset="-122"/>
+            </a:endParaRPr>
+          </a:p>
+          <a:p>
+            <a:pPr defTabSz="914400" fontAlgn="ctr">
+              <a:lnSpc>
+                <a:spcPts val="2100"/>
+              </a:lnSpc>
+              <a:spcBef>
+                <a:spcPts val="0"/>
+              </a:spcBef>
+              <a:spcAft>
+                <a:spcPts val="0"/>
+              </a:spcAft>
+              <a:defRPr/>
+            </a:pPr>
+            <a:r>
+              <a:rPr lang="zh-CN" altLang="en-US" sz="1400" smtClean="0">
+                <a:latin typeface="微软雅黑" panose="020B0503020204020204" pitchFamily="34" charset="-122"/>
+                <a:ea typeface="微软雅黑" panose="020B0503020204020204" pitchFamily="34" charset="-122"/>
+                <a:cs typeface="微软雅黑" panose="020B0503020204020204" pitchFamily="34" charset="-122"/>
+                <a:sym typeface="+mn-ea"/>
+              </a:rPr>
+              <a:t>抽象出灰度框架和相关的可复用组件，和业务解耦，能够在其他系统复用。</a:t>
+            </a:r>
+            <a:endParaRPr lang="zh-CN" altLang="en-US" sz="1400" smtClean="0">
+              <a:latin typeface="微软雅黑" panose="020B0503020204020204" pitchFamily="34" charset="-122"/>
+              <a:ea typeface="微软雅黑" panose="020B0503020204020204" pitchFamily="34" charset="-122"/>
+              <a:cs typeface="微软雅黑" panose="020B0503020204020204" pitchFamily="34" charset="-122"/>
+            </a:endParaRPr>
+          </a:p>
+          <a:p>
+            <a:pPr algn="l" defTabSz="914400" fontAlgn="ctr">
+              <a:lnSpc>
+                <a:spcPts val="1900"/>
+              </a:lnSpc>
+              <a:spcBef>
+                <a:spcPts val="0"/>
+              </a:spcBef>
+              <a:spcAft>
+                <a:spcPts val="0"/>
+              </a:spcAft>
+              <a:buClrTx/>
+              <a:buSzTx/>
+              <a:buFontTx/>
+              <a:tabLst>
+                <a:tab pos="0" algn="l"/>
+              </a:tabLst>
+              <a:defRPr/>
+            </a:pPr>
+            <a:r>
+              <a:rPr lang="en-US" altLang="zh-CN" sz="1400" b="1" smtClean="0">
+                <a:solidFill>
+                  <a:schemeClr val="accent1">
+                    <a:lumMod val="75000"/>
+                  </a:schemeClr>
+                </a:solidFill>
+                <a:latin typeface="微软雅黑" panose="020B0503020204020204" pitchFamily="34" charset="-122"/>
+                <a:ea typeface="微软雅黑" panose="020B0503020204020204" pitchFamily="34" charset="-122"/>
+                <a:cs typeface="微软雅黑" panose="020B0503020204020204" pitchFamily="34" charset="-122"/>
+              </a:rPr>
+              <a:t>4. 配置化</a:t>
+            </a:r>
+            <a:endParaRPr lang="en-US" altLang="zh-CN" sz="1400" b="1" smtClean="0">
+              <a:solidFill>
+                <a:schemeClr val="accent1">
+                  <a:lumMod val="75000"/>
+                </a:schemeClr>
+              </a:solidFill>
+              <a:latin typeface="微软雅黑" panose="020B0503020204020204" pitchFamily="34" charset="-122"/>
+              <a:ea typeface="微软雅黑" panose="020B0503020204020204" pitchFamily="34" charset="-122"/>
+              <a:cs typeface="微软雅黑" panose="020B0503020204020204" pitchFamily="34" charset="-122"/>
+            </a:endParaRPr>
+          </a:p>
+          <a:p>
+            <a:pPr defTabSz="914400" fontAlgn="ctr">
+              <a:lnSpc>
+                <a:spcPts val="2100"/>
+              </a:lnSpc>
+              <a:spcBef>
+                <a:spcPts val="0"/>
+              </a:spcBef>
+              <a:spcAft>
+                <a:spcPts val="0"/>
+              </a:spcAft>
+              <a:defRPr/>
+            </a:pPr>
+            <a:r>
+              <a:rPr lang="zh-CN" altLang="en-US" sz="1400" smtClean="0">
+                <a:latin typeface="微软雅黑" panose="020B0503020204020204" pitchFamily="34" charset="-122"/>
+                <a:ea typeface="微软雅黑" panose="020B0503020204020204" pitchFamily="34" charset="-122"/>
+                <a:cs typeface="微软雅黑" panose="020B0503020204020204" pitchFamily="34" charset="-122"/>
+              </a:rPr>
+              <a:t>通过约定和配置可以对新的业务接入，已接入</a:t>
+            </a:r>
+            <a:r>
+              <a:rPr lang="en-US" altLang="zh-CN" sz="1400" smtClean="0">
+                <a:solidFill>
+                  <a:srgbClr val="FF0000"/>
+                </a:solidFill>
+                <a:latin typeface="微软雅黑" panose="020B0503020204020204" pitchFamily="34" charset="-122"/>
+                <a:ea typeface="微软雅黑" panose="020B0503020204020204" pitchFamily="34" charset="-122"/>
+                <a:cs typeface="微软雅黑" panose="020B0503020204020204" pitchFamily="34" charset="-122"/>
+              </a:rPr>
+              <a:t>20+</a:t>
+            </a:r>
+            <a:r>
+              <a:rPr lang="zh-CN" altLang="en-US" sz="1400" smtClean="0">
+                <a:solidFill>
+                  <a:srgbClr val="FF0000"/>
+                </a:solidFill>
+                <a:latin typeface="微软雅黑" panose="020B0503020204020204" pitchFamily="34" charset="-122"/>
+                <a:ea typeface="微软雅黑" panose="020B0503020204020204" pitchFamily="34" charset="-122"/>
+                <a:cs typeface="微软雅黑" panose="020B0503020204020204" pitchFamily="34" charset="-122"/>
+              </a:rPr>
+              <a:t>个</a:t>
+            </a:r>
+            <a:r>
+              <a:rPr lang="zh-CN" altLang="en-US" sz="1400" smtClean="0">
+                <a:latin typeface="微软雅黑" panose="020B0503020204020204" pitchFamily="34" charset="-122"/>
+                <a:ea typeface="微软雅黑" panose="020B0503020204020204" pitchFamily="34" charset="-122"/>
+                <a:cs typeface="微软雅黑" panose="020B0503020204020204" pitchFamily="34" charset="-122"/>
+              </a:rPr>
+              <a:t>上游</a:t>
+            </a:r>
+            <a:r>
+              <a:rPr lang="en-US" altLang="zh-CN" sz="1400" smtClean="0">
+                <a:latin typeface="微软雅黑" panose="020B0503020204020204" pitchFamily="34" charset="-122"/>
+                <a:ea typeface="微软雅黑" panose="020B0503020204020204" pitchFamily="34" charset="-122"/>
+                <a:cs typeface="微软雅黑" panose="020B0503020204020204" pitchFamily="34" charset="-122"/>
+              </a:rPr>
+              <a:t>KAFKA</a:t>
+            </a:r>
+            <a:r>
+              <a:rPr lang="zh-CN" altLang="en-US" sz="1400" smtClean="0">
+                <a:latin typeface="微软雅黑" panose="020B0503020204020204" pitchFamily="34" charset="-122"/>
+                <a:ea typeface="微软雅黑" panose="020B0503020204020204" pitchFamily="34" charset="-122"/>
+                <a:cs typeface="微软雅黑" panose="020B0503020204020204" pitchFamily="34" charset="-122"/>
+              </a:rPr>
+              <a:t>的数据，无须重复开发，加快新业务的上线。</a:t>
+            </a:r>
+            <a:endParaRPr lang="zh-CN" altLang="en-US" sz="1400" smtClean="0">
+              <a:latin typeface="微软雅黑" panose="020B0503020204020204" pitchFamily="34" charset="-122"/>
+              <a:ea typeface="微软雅黑" panose="020B0503020204020204" pitchFamily="34" charset="-122"/>
+              <a:cs typeface="微软雅黑" panose="020B0503020204020204" pitchFamily="34" charset="-122"/>
+            </a:endParaRPr>
+          </a:p>
+          <a:p>
+            <a:pPr algn="l" defTabSz="914400" fontAlgn="ctr">
+              <a:lnSpc>
+                <a:spcPts val="1900"/>
+              </a:lnSpc>
+              <a:spcBef>
+                <a:spcPts val="0"/>
+              </a:spcBef>
+              <a:spcAft>
+                <a:spcPts val="0"/>
+              </a:spcAft>
+              <a:buClrTx/>
+              <a:buSzTx/>
+              <a:buFontTx/>
+              <a:tabLst>
+                <a:tab pos="0" algn="l"/>
+              </a:tabLst>
+              <a:defRPr/>
+            </a:pPr>
+            <a:r>
+              <a:rPr lang="en-US" altLang="zh-CN" sz="1400" b="1" smtClean="0">
+                <a:solidFill>
+                  <a:schemeClr val="accent1">
+                    <a:lumMod val="75000"/>
+                  </a:schemeClr>
+                </a:solidFill>
+                <a:latin typeface="微软雅黑" panose="020B0503020204020204" pitchFamily="34" charset="-122"/>
+                <a:ea typeface="微软雅黑" panose="020B0503020204020204" pitchFamily="34" charset="-122"/>
+                <a:cs typeface="微软雅黑" panose="020B0503020204020204" pitchFamily="34" charset="-122"/>
+              </a:rPr>
+              <a:t>5. </a:t>
+            </a:r>
+            <a:r>
+              <a:rPr lang="zh-CN" altLang="en-US" sz="1400" b="1" smtClean="0">
+                <a:solidFill>
+                  <a:schemeClr val="accent1">
+                    <a:lumMod val="75000"/>
+                  </a:schemeClr>
+                </a:solidFill>
+                <a:latin typeface="微软雅黑" panose="020B0503020204020204" pitchFamily="34" charset="-122"/>
+                <a:ea typeface="微软雅黑" panose="020B0503020204020204" pitchFamily="34" charset="-122"/>
+                <a:cs typeface="微软雅黑" panose="020B0503020204020204" pitchFamily="34" charset="-122"/>
+              </a:rPr>
+              <a:t>服务升级更安全</a:t>
+            </a:r>
+            <a:endParaRPr lang="en-US" altLang="zh-CN" sz="1400" b="1" smtClean="0">
+              <a:solidFill>
+                <a:schemeClr val="accent1">
+                  <a:lumMod val="75000"/>
+                </a:schemeClr>
+              </a:solidFill>
+              <a:latin typeface="微软雅黑" panose="020B0503020204020204" pitchFamily="34" charset="-122"/>
+              <a:ea typeface="微软雅黑" panose="020B0503020204020204" pitchFamily="34" charset="-122"/>
+              <a:cs typeface="微软雅黑" panose="020B0503020204020204" pitchFamily="34" charset="-122"/>
+            </a:endParaRPr>
+          </a:p>
+          <a:p>
+            <a:pPr defTabSz="914400" fontAlgn="ctr">
+              <a:lnSpc>
+                <a:spcPts val="2100"/>
+              </a:lnSpc>
+              <a:spcBef>
+                <a:spcPts val="0"/>
+              </a:spcBef>
+              <a:spcAft>
+                <a:spcPts val="0"/>
+              </a:spcAft>
+              <a:defRPr/>
+            </a:pPr>
+            <a:r>
+              <a:rPr lang="zh-CN" sz="1400" smtClean="0">
+                <a:latin typeface="微软雅黑" panose="020B0503020204020204" pitchFamily="34" charset="-122"/>
+                <a:ea typeface="微软雅黑" panose="020B0503020204020204" pitchFamily="34" charset="-122"/>
+                <a:cs typeface="微软雅黑" panose="020B0503020204020204" pitchFamily="34" charset="-122"/>
+              </a:rPr>
+              <a:t>服务升级，代码组件优化重构</a:t>
+            </a:r>
+            <a:r>
+              <a:rPr lang="zh-CN" altLang="en-US" sz="1400" smtClean="0">
+                <a:latin typeface="微软雅黑" panose="020B0503020204020204" pitchFamily="34" charset="-122"/>
+                <a:ea typeface="微软雅黑" panose="020B0503020204020204" pitchFamily="34" charset="-122"/>
+                <a:cs typeface="微软雅黑" panose="020B0503020204020204" pitchFamily="34" charset="-122"/>
+              </a:rPr>
+              <a:t>，用户无感知，无需改造，无需切换。</a:t>
+            </a:r>
+            <a:endParaRPr lang="zh-CN" altLang="en-US" sz="1400" smtClean="0">
+              <a:latin typeface="微软雅黑" panose="020B0503020204020204" pitchFamily="34" charset="-122"/>
+              <a:ea typeface="微软雅黑" panose="020B0503020204020204" pitchFamily="34" charset="-122"/>
+              <a:cs typeface="微软雅黑" panose="020B0503020204020204" pitchFamily="34" charset="-122"/>
+            </a:endParaRPr>
+          </a:p>
+        </p:txBody>
+      </p:sp>
     </p:spTree>
   </p:cSld>
   <p:clrMapOvr>
